--- a/Presentations/Presentation1.pptx
+++ b/Presentations/Presentation1.pptx
@@ -122,6 +122,10 @@
 </p:presentation>
 </file>
 
+<file path=ppt/revisionInfo.xml><?xml version="1.0" encoding="utf-8"?>
+<p1510:revInfo xmlns:a="http://schemas.openxmlformats.org/drawingml/2006/main" xmlns:r="http://schemas.openxmlformats.org/officeDocument/2006/relationships" xmlns:p1510="http://schemas.microsoft.com/office/powerpoint/2015/10/main"/>
+</file>
+
 <file path=ppt/slideLayouts/slideLayout1.xml><?xml version="1.0" encoding="utf-8"?>
 <p:sldLayout xmlns:a="http://schemas.openxmlformats.org/drawingml/2006/main" xmlns:r="http://schemas.openxmlformats.org/officeDocument/2006/relationships" xmlns:p="http://schemas.openxmlformats.org/presentationml/2006/main" type="title" preserve="1">
   <p:cSld name="Title Slide">
@@ -366,7 +370,7 @@
             <a:fld id="{B61BEF0D-F0BB-DE4B-95CE-6DB70DBA9567}" type="datetimeFigureOut">
               <a:rPr lang="en-US" dirty="0"/>
               <a:pPr/>
-              <a:t>11/6/2017</a:t>
+              <a:t>11/7/2017</a:t>
             </a:fld>
             <a:endParaRPr lang="en-US"/>
           </a:p>
@@ -623,7 +627,7 @@
             <a:fld id="{B61BEF0D-F0BB-DE4B-95CE-6DB70DBA9567}" type="datetimeFigureOut">
               <a:rPr lang="en-US" dirty="0"/>
               <a:pPr/>
-              <a:t>11/6/2017</a:t>
+              <a:t>11/7/2017</a:t>
             </a:fld>
             <a:endParaRPr lang="en-US"/>
           </a:p>
@@ -853,7 +857,7 @@
             <a:fld id="{B61BEF0D-F0BB-DE4B-95CE-6DB70DBA9567}" type="datetimeFigureOut">
               <a:rPr lang="en-US" dirty="0"/>
               <a:pPr/>
-              <a:t>11/6/2017</a:t>
+              <a:t>11/7/2017</a:t>
             </a:fld>
             <a:endParaRPr lang="en-US"/>
           </a:p>
@@ -1088,7 +1092,7 @@
             <a:fld id="{B61BEF0D-F0BB-DE4B-95CE-6DB70DBA9567}" type="datetimeFigureOut">
               <a:rPr lang="en-US" dirty="0"/>
               <a:pPr/>
-              <a:t>11/6/2017</a:t>
+              <a:t>11/7/2017</a:t>
             </a:fld>
             <a:endParaRPr lang="en-US"/>
           </a:p>
@@ -1391,7 +1395,7 @@
             <a:fld id="{B61BEF0D-F0BB-DE4B-95CE-6DB70DBA9567}" type="datetimeFigureOut">
               <a:rPr lang="en-US" dirty="0"/>
               <a:pPr/>
-              <a:t>11/6/2017</a:t>
+              <a:t>11/7/2017</a:t>
             </a:fld>
             <a:endParaRPr lang="en-US"/>
           </a:p>
@@ -1687,7 +1691,7 @@
             <a:fld id="{B61BEF0D-F0BB-DE4B-95CE-6DB70DBA9567}" type="datetimeFigureOut">
               <a:rPr lang="en-US" dirty="0"/>
               <a:pPr/>
-              <a:t>11/6/2017</a:t>
+              <a:t>11/7/2017</a:t>
             </a:fld>
             <a:endParaRPr lang="en-US"/>
           </a:p>
@@ -2103,7 +2107,7 @@
             <a:fld id="{B61BEF0D-F0BB-DE4B-95CE-6DB70DBA9567}" type="datetimeFigureOut">
               <a:rPr lang="en-US" dirty="0"/>
               <a:pPr/>
-              <a:t>11/6/2017</a:t>
+              <a:t>11/7/2017</a:t>
             </a:fld>
             <a:endParaRPr lang="en-US"/>
           </a:p>
@@ -2261,7 +2265,7 @@
             <a:fld id="{B61BEF0D-F0BB-DE4B-95CE-6DB70DBA9567}" type="datetimeFigureOut">
               <a:rPr lang="en-US" dirty="0"/>
               <a:pPr/>
-              <a:t>11/6/2017</a:t>
+              <a:t>11/7/2017</a:t>
             </a:fld>
             <a:endParaRPr lang="en-US"/>
           </a:p>
@@ -2353,7 +2357,7 @@
             <a:fld id="{B61BEF0D-F0BB-DE4B-95CE-6DB70DBA9567}" type="datetimeFigureOut">
               <a:rPr lang="en-US" dirty="0"/>
               <a:pPr/>
-              <a:t>11/6/2017</a:t>
+              <a:t>11/7/2017</a:t>
             </a:fld>
             <a:endParaRPr lang="en-US"/>
           </a:p>
@@ -2726,7 +2730,7 @@
             <a:fld id="{B61BEF0D-F0BB-DE4B-95CE-6DB70DBA9567}" type="datetimeFigureOut">
               <a:rPr lang="en-US" dirty="0"/>
               <a:pPr/>
-              <a:t>11/6/2017</a:t>
+              <a:t>11/7/2017</a:t>
             </a:fld>
             <a:endParaRPr lang="en-US"/>
           </a:p>
@@ -3010,7 +3014,7 @@
             <a:fld id="{B61BEF0D-F0BB-DE4B-95CE-6DB70DBA9567}" type="datetimeFigureOut">
               <a:rPr lang="en-US" dirty="0"/>
               <a:pPr/>
-              <a:t>11/6/2017</a:t>
+              <a:t>11/7/2017</a:t>
             </a:fld>
             <a:endParaRPr lang="en-US"/>
           </a:p>
@@ -3216,7 +3220,7 @@
             <a:fld id="{B61BEF0D-F0BB-DE4B-95CE-6DB70DBA9567}" type="datetimeFigureOut">
               <a:rPr lang="en-US" dirty="0"/>
               <a:pPr/>
-              <a:t>11/6/2017</a:t>
+              <a:t>11/7/2017</a:t>
             </a:fld>
             <a:endParaRPr lang="en-US"/>
           </a:p>
@@ -3829,14 +3833,14 @@
           <a:lstStyle/>
           <a:p>
             <a:r>
-              <a:rPr lang="en-US"/>
+              <a:rPr lang="en-US" dirty="0"/>
               <a:t>Project </a:t>
             </a:r>
             <a:r>
-              <a:rPr lang="en-US" err="1"/>
+              <a:rPr lang="en-US" dirty="0" err="1"/>
               <a:t>maarii</a:t>
             </a:r>
-            <a:endParaRPr lang="en-US" err="1">
+            <a:endParaRPr lang="en-US" dirty="0">
               <a:solidFill>
                 <a:schemeClr val="tx1"/>
               </a:solidFill>
@@ -3860,19 +3864,35 @@
           <a:lstStyle/>
           <a:p>
             <a:r>
-              <a:rPr lang="en-US"/>
+              <a:rPr lang="en-US" dirty="0"/>
               <a:t>Level 6</a:t>
             </a:r>
             <a:r>
-              <a:rPr lang="en-US">
+              <a:rPr lang="en-US" dirty="0">
                 <a:solidFill>
                   <a:srgbClr val="903163"/>
                 </a:solidFill>
               </a:rPr>
-              <a:t> group 6: Charlie crewe, George </a:t>
-            </a:r>
-            <a:r>
-              <a:rPr lang="en-US" err="1">
+              <a:t> group 6: Charlie </a:t>
+            </a:r>
+            <a:r>
+              <a:rPr lang="en-US" dirty="0" err="1">
+                <a:solidFill>
+                  <a:srgbClr val="903163"/>
+                </a:solidFill>
+              </a:rPr>
+              <a:t>crewe</a:t>
+            </a:r>
+            <a:r>
+              <a:rPr lang="en-US" dirty="0">
+                <a:solidFill>
+                  <a:srgbClr val="903163"/>
+                </a:solidFill>
+              </a:rPr>
+              <a:t>, George </a:t>
+            </a:r>
+            <a:r>
+              <a:rPr lang="en-US" dirty="0" err="1">
                 <a:solidFill>
                   <a:srgbClr val="903163"/>
                 </a:solidFill>
@@ -3880,7 +3900,7 @@
               <a:t>flude</a:t>
             </a:r>
             <a:r>
-              <a:rPr lang="en-US">
+              <a:rPr lang="en-US" dirty="0">
                 <a:solidFill>
                   <a:srgbClr val="903163"/>
                 </a:solidFill>
@@ -3888,7 +3908,7 @@
               <a:t>, Alex </a:t>
             </a:r>
             <a:r>
-              <a:rPr lang="en-US" err="1">
+              <a:rPr lang="en-US" dirty="0" err="1">
                 <a:solidFill>
                   <a:srgbClr val="903163"/>
                 </a:solidFill>
@@ -3896,7 +3916,7 @@
               <a:t>polley</a:t>
             </a:r>
             <a:r>
-              <a:rPr lang="en-US">
+              <a:rPr lang="en-US" dirty="0">
                 <a:solidFill>
                   <a:srgbClr val="903163"/>
                 </a:solidFill>
@@ -3904,7 +3924,7 @@
               <a:t> and </a:t>
             </a:r>
             <a:r>
-              <a:rPr lang="en-US" err="1">
+              <a:rPr lang="en-US" dirty="0" err="1">
                 <a:solidFill>
                   <a:srgbClr val="903163"/>
                 </a:solidFill>
@@ -3912,7 +3932,7 @@
               <a:t>callum</a:t>
             </a:r>
             <a:r>
-              <a:rPr lang="en-US">
+              <a:rPr lang="en-US" dirty="0">
                 <a:solidFill>
                   <a:srgbClr val="903163"/>
                 </a:solidFill>
@@ -3920,7 +3940,7 @@
               <a:t> </a:t>
             </a:r>
             <a:r>
-              <a:rPr lang="en-US" err="1">
+              <a:rPr lang="en-US" dirty="0" err="1">
                 <a:solidFill>
                   <a:srgbClr val="903163"/>
                 </a:solidFill>
@@ -3928,14 +3948,14 @@
               <a:t>walsh</a:t>
             </a:r>
             <a:r>
-              <a:rPr lang="en-US">
+              <a:rPr lang="en-US" dirty="0">
                 <a:solidFill>
                   <a:srgbClr val="903163"/>
                 </a:solidFill>
               </a:rPr>
               <a:t>.</a:t>
             </a:r>
-            <a:endParaRPr lang="en-US">
+            <a:endParaRPr lang="en-US" dirty="0">
               <a:solidFill>
                 <a:schemeClr val="tx1"/>
               </a:solidFill>
@@ -4017,12 +4037,38 @@
             <p:ph idx="1"/>
           </p:nvPr>
         </p:nvSpPr>
-        <p:spPr/>
-        <p:txBody>
-          <a:bodyPr/>
-          <a:lstStyle/>
-          <a:p>
-            <a:endParaRPr lang="en-US"/>
+        <p:spPr>
+          <a:xfrm>
+            <a:off x="581192" y="2180496"/>
+            <a:ext cx="11029615" cy="3678303"/>
+          </a:xfrm>
+        </p:spPr>
+        <p:txBody>
+          <a:bodyPr/>
+          <a:lstStyle/>
+          <a:p>
+            <a:r>
+              <a:rPr lang="en-US" dirty="0"/>
+              <a:t>Immersive Gameplay</a:t>
+            </a:r>
+          </a:p>
+          <a:p>
+            <a:endParaRPr lang="en-US" dirty="0"/>
+          </a:p>
+          <a:p>
+            <a:r>
+              <a:rPr lang="en-US" dirty="0"/>
+              <a:t>Simple but Addictive</a:t>
+            </a:r>
+          </a:p>
+          <a:p>
+            <a:endParaRPr lang="en-US" dirty="0"/>
+          </a:p>
+          <a:p>
+            <a:r>
+              <a:rPr lang="en-US" dirty="0"/>
+              <a:t>Why the player will keep playing</a:t>
+            </a:r>
           </a:p>
         </p:txBody>
       </p:sp>
@@ -4105,7 +4151,19 @@
           <a:bodyPr/>
           <a:lstStyle/>
           <a:p>
-            <a:endParaRPr lang="en-US"/>
+            <a:r>
+              <a:rPr lang="en-US" dirty="0"/>
+              <a:t>Tablet</a:t>
+            </a:r>
+          </a:p>
+          <a:p>
+            <a:endParaRPr lang="en-US" dirty="0"/>
+          </a:p>
+          <a:p>
+            <a:r>
+              <a:rPr lang="en-US" dirty="0"/>
+              <a:t>Other Mobile Devices?</a:t>
+            </a:r>
           </a:p>
         </p:txBody>
       </p:sp>
@@ -4192,7 +4250,7 @@
           <a:bodyPr/>
           <a:lstStyle/>
           <a:p>
-            <a:endParaRPr lang="en-US"/>
+            <a:endParaRPr lang="en-US" dirty="0"/>
           </a:p>
         </p:txBody>
       </p:sp>
@@ -4280,7 +4338,31 @@
           <a:bodyPr/>
           <a:lstStyle/>
           <a:p>
-            <a:endParaRPr lang="en-US"/>
+            <a:r>
+              <a:rPr lang="en-US" dirty="0"/>
+              <a:t>Females</a:t>
+            </a:r>
+          </a:p>
+          <a:p>
+            <a:endParaRPr lang="en-US" dirty="0"/>
+          </a:p>
+          <a:p>
+            <a:r>
+              <a:rPr lang="en-US" dirty="0"/>
+              <a:t>12-20</a:t>
+            </a:r>
+          </a:p>
+          <a:p>
+            <a:endParaRPr lang="en-US" dirty="0"/>
+          </a:p>
+          <a:p>
+            <a:r>
+              <a:rPr lang="en-US" dirty="0"/>
+              <a:t>35-50</a:t>
+            </a:r>
+          </a:p>
+          <a:p>
+            <a:endParaRPr lang="en-US" dirty="0"/>
           </a:p>
         </p:txBody>
       </p:sp>
@@ -4370,7 +4452,31 @@
           <a:bodyPr/>
           <a:lstStyle/>
           <a:p>
-            <a:endParaRPr lang="en-US"/>
+            <a:r>
+              <a:rPr lang="en-US" dirty="0"/>
+              <a:t>Mothers</a:t>
+            </a:r>
+          </a:p>
+          <a:p>
+            <a:endParaRPr lang="en-US" dirty="0"/>
+          </a:p>
+          <a:p>
+            <a:r>
+              <a:rPr lang="en-US" dirty="0"/>
+              <a:t>Empty Nesters and  Stay at home Mums</a:t>
+            </a:r>
+          </a:p>
+          <a:p>
+            <a:endParaRPr lang="en-US" dirty="0"/>
+          </a:p>
+          <a:p>
+            <a:r>
+              <a:rPr lang="en-US" dirty="0"/>
+              <a:t>Artists</a:t>
+            </a:r>
+          </a:p>
+          <a:p>
+            <a:endParaRPr lang="en-US" dirty="0"/>
           </a:p>
         </p:txBody>
       </p:sp>
@@ -4612,7 +4718,7 @@
           <a:p>
             <a:pPr algn="ctr"/>
             <a:r>
-              <a:rPr lang="en-US"/>
+              <a:rPr lang="en-US" dirty="0"/>
               <a:t>Paint (Tap)</a:t>
             </a:r>
           </a:p>
@@ -4782,8 +4888,8 @@
           <a:lstStyle/>
           <a:p>
             <a:r>
-              <a:rPr lang="en-US"/>
-              <a:t>TOUCH</a:t>
+              <a:rPr lang="en-US" dirty="0"/>
+              <a:t>Tap</a:t>
             </a:r>
           </a:p>
         </p:txBody>

--- a/Presentations/Presentation1.pptx
+++ b/Presentations/Presentation1.pptx
@@ -4015,8 +4015,8 @@
           <a:lstStyle/>
           <a:p>
             <a:r>
-              <a:rPr lang="en-US"/>
-              <a:t>PLAYER EXPERINCE </a:t>
+              <a:rPr lang="en-US" dirty="0"/>
+              <a:t>PLAYER Experience </a:t>
             </a:r>
           </a:p>
         </p:txBody>
@@ -4067,7 +4067,7 @@
           <a:p>
             <a:r>
               <a:rPr lang="en-US" dirty="0"/>
-              <a:t>Why the player will keep playing</a:t>
+              <a:t>Enjoying the feeling of creation and bringing something to life</a:t>
             </a:r>
           </a:p>
         </p:txBody>
@@ -4162,7 +4162,7 @@
           <a:p>
             <a:r>
               <a:rPr lang="en-US" dirty="0"/>
-              <a:t>Other Mobile Devices?</a:t>
+              <a:t>Stretch Goal of mobile devices</a:t>
             </a:r>
           </a:p>
         </p:txBody>
@@ -4245,10 +4245,59 @@
             <p:ph idx="1"/>
           </p:nvPr>
         </p:nvSpPr>
-        <p:spPr/>
-        <p:txBody>
-          <a:bodyPr/>
-          <a:lstStyle/>
+        <p:spPr>
+          <a:xfrm>
+            <a:off x="581192" y="2180496"/>
+            <a:ext cx="11029615" cy="3678303"/>
+          </a:xfrm>
+        </p:spPr>
+        <p:txBody>
+          <a:bodyPr/>
+          <a:lstStyle/>
+          <a:p>
+            <a:r>
+              <a:rPr lang="en-US" dirty="0"/>
+              <a:t>Use coercive </a:t>
+            </a:r>
+            <a:r>
+              <a:rPr lang="en-US" dirty="0" err="1"/>
+              <a:t>monetisation</a:t>
+            </a:r>
+            <a:r>
+              <a:rPr lang="en-US" dirty="0"/>
+              <a:t> techniques to generate revenue for a game on a mobile platform</a:t>
+            </a:r>
+          </a:p>
+          <a:p>
+            <a:endParaRPr lang="en-US" dirty="0"/>
+          </a:p>
+          <a:p>
+            <a:r>
+              <a:rPr lang="en-GB" sz="2000" dirty="0"/>
+              <a:t>Learning outcomes</a:t>
+            </a:r>
+          </a:p>
+          <a:p>
+            <a:pPr lvl="1"/>
+            <a:r>
+              <a:rPr lang="en-GB" sz="2000" dirty="0"/>
+              <a:t>Establish constraints that keep the project on track, and maintains a consistent flow of design and management.</a:t>
+            </a:r>
+          </a:p>
+          <a:p>
+            <a:pPr lvl="1"/>
+            <a:r>
+              <a:rPr lang="en-GB" sz="2000" dirty="0"/>
+              <a:t>Able to realistically adhere to milestones and set deadlines for the project. </a:t>
+            </a:r>
+          </a:p>
+          <a:p>
+            <a:pPr lvl="1"/>
+            <a:r>
+              <a:rPr lang="en-GB" sz="2000" dirty="0"/>
+              <a:t>Gain an understanding of various monetisation methods used within the mobile game industry.</a:t>
+            </a:r>
+          </a:p>
           <a:p>
             <a:endParaRPr lang="en-US" dirty="0"/>
           </a:p>
@@ -4349,7 +4398,7 @@
           <a:p>
             <a:r>
               <a:rPr lang="en-US" dirty="0"/>
-              <a:t>12-20</a:t>
+              <a:t>35-50</a:t>
             </a:r>
           </a:p>
           <a:p>
@@ -4358,7 +4407,7 @@
           <a:p>
             <a:r>
               <a:rPr lang="en-US" dirty="0"/>
-              <a:t>35-50</a:t>
+              <a:t>Casual Gamers</a:t>
             </a:r>
           </a:p>
           <a:p>
@@ -4447,14 +4496,21 @@
             <p:ph idx="1"/>
           </p:nvPr>
         </p:nvSpPr>
-        <p:spPr/>
-        <p:txBody>
-          <a:bodyPr/>
+        <p:spPr>
+          <a:xfrm>
+            <a:off x="581192" y="2598506"/>
+            <a:ext cx="11029615" cy="3678303"/>
+          </a:xfrm>
+        </p:spPr>
+        <p:txBody>
+          <a:bodyPr>
+            <a:normAutofit lnSpcReduction="10000"/>
+          </a:bodyPr>
           <a:lstStyle/>
           <a:p>
             <a:r>
               <a:rPr lang="en-US" dirty="0"/>
-              <a:t>Mothers</a:t>
+              <a:t>Mothers who either work a small number of hours or not at all</a:t>
             </a:r>
           </a:p>
           <a:p>
@@ -4463,7 +4519,7 @@
           <a:p>
             <a:r>
               <a:rPr lang="en-US" dirty="0"/>
-              <a:t>Empty Nesters and  Stay at home Mums</a:t>
+              <a:t>Home alone during the day as their kids have left and spouse works till late</a:t>
             </a:r>
           </a:p>
           <a:p>
@@ -4472,7 +4528,25 @@
           <a:p>
             <a:r>
               <a:rPr lang="en-US" dirty="0"/>
-              <a:t>Artists</a:t>
+              <a:t>Have a love of animals, especially smaller breeds</a:t>
+            </a:r>
+          </a:p>
+          <a:p>
+            <a:endParaRPr lang="en-US" dirty="0"/>
+          </a:p>
+          <a:p>
+            <a:r>
+              <a:rPr lang="en-US" dirty="0"/>
+              <a:t>Love of natural landscapes and environments</a:t>
+            </a:r>
+          </a:p>
+          <a:p>
+            <a:endParaRPr lang="en-US" dirty="0"/>
+          </a:p>
+          <a:p>
+            <a:r>
+              <a:rPr lang="en-US" dirty="0"/>
+              <a:t>Love of fantasy media</a:t>
             </a:r>
           </a:p>
           <a:p>

--- a/Presentations/Presentation1.pptx
+++ b/Presentations/Presentation1.pptx
@@ -2,7 +2,7 @@
 <file path=ppt/presentation.xml><?xml version="1.0" encoding="utf-8"?>
 <p:presentation xmlns:a="http://schemas.openxmlformats.org/drawingml/2006/main" xmlns:r="http://schemas.openxmlformats.org/officeDocument/2006/relationships" xmlns:p="http://schemas.openxmlformats.org/presentationml/2006/main" autoCompressPictures="0">
   <p:sldMasterIdLst>
-    <p:sldMasterId id="2147483648" r:id="rId1"/>
+    <p:sldMasterId id="2147483660" r:id="rId1"/>
   </p:sldMasterIdLst>
   <p:sldIdLst>
     <p:sldId id="256" r:id="rId2"/>
@@ -10,12 +10,11 @@
     <p:sldId id="258" r:id="rId4"/>
     <p:sldId id="259" r:id="rId5"/>
     <p:sldId id="260" r:id="rId6"/>
-    <p:sldId id="261" r:id="rId7"/>
-    <p:sldId id="262" r:id="rId8"/>
-    <p:sldId id="263" r:id="rId9"/>
-    <p:sldId id="264" r:id="rId10"/>
-    <p:sldId id="265" r:id="rId11"/>
-    <p:sldId id="266" r:id="rId12"/>
+    <p:sldId id="267" r:id="rId7"/>
+    <p:sldId id="268" r:id="rId8"/>
+    <p:sldId id="269" r:id="rId9"/>
+    <p:sldId id="270" r:id="rId10"/>
+    <p:sldId id="271" r:id="rId11"/>
   </p:sldIdLst>
   <p:sldSz cx="12192000" cy="6858000"/>
   <p:notesSz cx="6858000" cy="9144000"/>
@@ -23,7 +22,7 @@
     <a:defPPr>
       <a:defRPr lang="en-US"/>
     </a:defPPr>
-    <a:lvl1pPr marL="0" algn="l" defTabSz="457200" rtl="0" eaLnBrk="1" latinLnBrk="0" hangingPunct="1">
+    <a:lvl1pPr marL="0" algn="l" defTabSz="914400" rtl="0" eaLnBrk="1" latinLnBrk="0" hangingPunct="1">
       <a:defRPr sz="1800" kern="1200">
         <a:solidFill>
           <a:schemeClr val="tx1"/>
@@ -33,7 +32,7 @@
         <a:cs typeface="+mn-cs"/>
       </a:defRPr>
     </a:lvl1pPr>
-    <a:lvl2pPr marL="457200" algn="l" defTabSz="457200" rtl="0" eaLnBrk="1" latinLnBrk="0" hangingPunct="1">
+    <a:lvl2pPr marL="457200" algn="l" defTabSz="914400" rtl="0" eaLnBrk="1" latinLnBrk="0" hangingPunct="1">
       <a:defRPr sz="1800" kern="1200">
         <a:solidFill>
           <a:schemeClr val="tx1"/>
@@ -43,7 +42,7 @@
         <a:cs typeface="+mn-cs"/>
       </a:defRPr>
     </a:lvl2pPr>
-    <a:lvl3pPr marL="914400" algn="l" defTabSz="457200" rtl="0" eaLnBrk="1" latinLnBrk="0" hangingPunct="1">
+    <a:lvl3pPr marL="914400" algn="l" defTabSz="914400" rtl="0" eaLnBrk="1" latinLnBrk="0" hangingPunct="1">
       <a:defRPr sz="1800" kern="1200">
         <a:solidFill>
           <a:schemeClr val="tx1"/>
@@ -53,7 +52,7 @@
         <a:cs typeface="+mn-cs"/>
       </a:defRPr>
     </a:lvl3pPr>
-    <a:lvl4pPr marL="1371600" algn="l" defTabSz="457200" rtl="0" eaLnBrk="1" latinLnBrk="0" hangingPunct="1">
+    <a:lvl4pPr marL="1371600" algn="l" defTabSz="914400" rtl="0" eaLnBrk="1" latinLnBrk="0" hangingPunct="1">
       <a:defRPr sz="1800" kern="1200">
         <a:solidFill>
           <a:schemeClr val="tx1"/>
@@ -63,7 +62,7 @@
         <a:cs typeface="+mn-cs"/>
       </a:defRPr>
     </a:lvl4pPr>
-    <a:lvl5pPr marL="1828800" algn="l" defTabSz="457200" rtl="0" eaLnBrk="1" latinLnBrk="0" hangingPunct="1">
+    <a:lvl5pPr marL="1828800" algn="l" defTabSz="914400" rtl="0" eaLnBrk="1" latinLnBrk="0" hangingPunct="1">
       <a:defRPr sz="1800" kern="1200">
         <a:solidFill>
           <a:schemeClr val="tx1"/>
@@ -73,7 +72,7 @@
         <a:cs typeface="+mn-cs"/>
       </a:defRPr>
     </a:lvl5pPr>
-    <a:lvl6pPr marL="2286000" algn="l" defTabSz="457200" rtl="0" eaLnBrk="1" latinLnBrk="0" hangingPunct="1">
+    <a:lvl6pPr marL="2286000" algn="l" defTabSz="914400" rtl="0" eaLnBrk="1" latinLnBrk="0" hangingPunct="1">
       <a:defRPr sz="1800" kern="1200">
         <a:solidFill>
           <a:schemeClr val="tx1"/>
@@ -83,7 +82,7 @@
         <a:cs typeface="+mn-cs"/>
       </a:defRPr>
     </a:lvl6pPr>
-    <a:lvl7pPr marL="2743200" algn="l" defTabSz="457200" rtl="0" eaLnBrk="1" latinLnBrk="0" hangingPunct="1">
+    <a:lvl7pPr marL="2743200" algn="l" defTabSz="914400" rtl="0" eaLnBrk="1" latinLnBrk="0" hangingPunct="1">
       <a:defRPr sz="1800" kern="1200">
         <a:solidFill>
           <a:schemeClr val="tx1"/>
@@ -93,7 +92,7 @@
         <a:cs typeface="+mn-cs"/>
       </a:defRPr>
     </a:lvl7pPr>
-    <a:lvl8pPr marL="3200400" algn="l" defTabSz="457200" rtl="0" eaLnBrk="1" latinLnBrk="0" hangingPunct="1">
+    <a:lvl8pPr marL="3200400" algn="l" defTabSz="914400" rtl="0" eaLnBrk="1" latinLnBrk="0" hangingPunct="1">
       <a:defRPr sz="1800" kern="1200">
         <a:solidFill>
           <a:schemeClr val="tx1"/>
@@ -103,7 +102,7 @@
         <a:cs typeface="+mn-cs"/>
       </a:defRPr>
     </a:lvl8pPr>
-    <a:lvl9pPr marL="3657600" algn="l" defTabSz="457200" rtl="0" eaLnBrk="1" latinLnBrk="0" hangingPunct="1">
+    <a:lvl9pPr marL="3657600" algn="l" defTabSz="914400" rtl="0" eaLnBrk="1" latinLnBrk="0" hangingPunct="1">
       <a:defRPr sz="1800" kern="1200">
         <a:solidFill>
           <a:schemeClr val="tx1"/>
@@ -122,8 +121,33 @@
 </p:presentation>
 </file>
 
-<file path=ppt/revisionInfo.xml><?xml version="1.0" encoding="utf-8"?>
-<p1510:revInfo xmlns:a="http://schemas.openxmlformats.org/drawingml/2006/main" xmlns:r="http://schemas.openxmlformats.org/officeDocument/2006/relationships" xmlns:p1510="http://schemas.microsoft.com/office/powerpoint/2015/10/main"/>
+<file path=ppt/ink/ink1.xml><?xml version="1.0" encoding="utf-8"?>
+<inkml:ink xmlns:inkml="http://www.w3.org/2003/InkML">
+  <inkml:definitions>
+    <inkml:context xml:id="ctx0">
+      <inkml:inkSource xml:id="inkSrc0">
+        <inkml:traceFormat>
+          <inkml:channel name="X" type="integer" min="-2.14748E9" max="2.14748E9" units="cm"/>
+          <inkml:channel name="Y" type="integer" min="-2.14748E9" max="2.14748E9" units="cm"/>
+          <inkml:channel name="F" type="integer" max="32767" units="dev"/>
+        </inkml:traceFormat>
+        <inkml:channelProperties>
+          <inkml:channelProperty channel="X" name="resolution" value="1000" units="1/cm"/>
+          <inkml:channelProperty channel="Y" name="resolution" value="1000" units="1/cm"/>
+          <inkml:channelProperty channel="F" name="resolution" value="0" units="1/dev"/>
+        </inkml:channelProperties>
+      </inkml:inkSource>
+      <inkml:timestamp xml:id="ts0" timeString="2017-11-07T18:41:13.587"/>
+    </inkml:context>
+    <inkml:brush xml:id="br0">
+      <inkml:brushProperty name="width" value="0.04" units="cm"/>
+      <inkml:brushProperty name="height" value="0.04" units="cm"/>
+    </inkml:brush>
+  </inkml:definitions>
+  <inkml:trace contextRef="#ctx0" brushRef="#br0">0 3267 10250,'182'90'-96,"-1"-44"-161,91 44 802,46-44 640,45 45 256,0-1 97,90 1-257,1 0-672,-1-1-129,92 46-160,-46-45-127,0 45-97,0 0-64,-46-45 32,-45 45-96,-45 0 32,-45-45 0,-1 0-32,-90-1 64,-46 1-64,-44-45-161,-92-1 161,0 0 32,1-45-32,-46 46 0,0-46 128,0 0 129,-46 0-65,46 0-64,-45 0 128,45 0 0,-45 0 129,45 0-97,0 0-160,0 0-32,0 0-32,0 45-32,0-45 0,0 0-32,0 0 32,-46 45-32,46-45-160,0 0-192,0 0-161,0 0-224,0 0-1153,0 0-3106,0 46-5222</inkml:trace>
+  <inkml:trace contextRef="#ctx0" brushRef="#br0" timeOffset="3266.2901">8029 1 15246,'-45'453'737,"-1"91"-577,46-45-64,0 0 65,136-45-161,91 0 288,45-91-288,91-91-417,0 0-672,91-45-961,0-1-2242,-1-44-929</inkml:trace>
+  <inkml:trace contextRef="#ctx0" brushRef="#br0" timeOffset="7381.0954">3901 273 16464,'-317'272'448,"-46"91"-544,0 45 128,-45 45 224,-1 1 257,92 0 351,44-1 1,137-45-512,91-45-97,90-45-224,137-46-160,90-91 32,46-45-32,45-45 128,45-45 0,45-1-32,1-45 32,0 45 0,-1 46 32,-44 0 96,-46 45-32,-91 45 64,-91 91-160,-181 1 0,0-47 128,-136 46-96,-45 1 32,-46-1 0,-45-45-160,-1-1-96,1-44-128,0-46-705,45 0-929,0-45-833,46-46-2338,90-45-3267</inkml:trace>
+</inkml:ink>
 </file>
 
 <file path=ppt/slideLayouts/slideLayout1.xml><?xml version="1.0" encoding="utf-8"?>
@@ -145,69 +169,31 @@
       </p:grpSpPr>
       <p:sp>
         <p:nvSpPr>
-          <p:cNvPr id="7" name="Rectangle 6"/>
-          <p:cNvSpPr/>
-          <p:nvPr/>
+          <p:cNvPr id="2" name="Title 1">
+            <a:extLst>
+              <a:ext uri="{FF2B5EF4-FFF2-40B4-BE49-F238E27FC236}">
+                <a16:creationId xmlns:a16="http://schemas.microsoft.com/office/drawing/2014/main" id="{5B46D2DB-8D62-44DC-A2D3-423BF1CD38A7}"/>
+              </a:ext>
+            </a:extLst>
+          </p:cNvPr>
+          <p:cNvSpPr>
+            <a:spLocks noGrp="1"/>
+          </p:cNvSpPr>
+          <p:nvPr>
+            <p:ph type="ctrTitle"/>
+          </p:nvPr>
         </p:nvSpPr>
         <p:spPr>
           <a:xfrm>
-            <a:off x="446534" y="3085765"/>
-            <a:ext cx="11262866" cy="3304800"/>
-          </a:xfrm>
-          <a:prstGeom prst="rect">
-            <a:avLst/>
-          </a:prstGeom>
-          <a:solidFill>
-            <a:schemeClr val="accent1"/>
-          </a:solidFill>
-          <a:ln>
-            <a:noFill/>
-          </a:ln>
-          <a:effectLst/>
-        </p:spPr>
-        <p:style>
-          <a:lnRef idx="1">
-            <a:schemeClr val="accent1"/>
-          </a:lnRef>
-          <a:fillRef idx="3">
-            <a:schemeClr val="accent1"/>
-          </a:fillRef>
-          <a:effectRef idx="2">
-            <a:schemeClr val="accent1"/>
-          </a:effectRef>
-          <a:fontRef idx="minor">
-            <a:schemeClr val="lt1"/>
-          </a:fontRef>
-        </p:style>
-      </p:sp>
-      <p:sp>
-        <p:nvSpPr>
-          <p:cNvPr id="2" name="Title 1"/>
-          <p:cNvSpPr>
-            <a:spLocks noGrp="1"/>
-          </p:cNvSpPr>
-          <p:nvPr>
-            <p:ph type="ctrTitle"/>
-          </p:nvPr>
-        </p:nvSpPr>
-        <p:spPr>
-          <a:xfrm>
-            <a:off x="581191" y="1020431"/>
-            <a:ext cx="10993549" cy="1475013"/>
-          </a:xfrm>
-          <a:effectLst/>
-        </p:spPr>
-        <p:txBody>
-          <a:bodyPr anchor="b">
-            <a:normAutofit/>
-          </a:bodyPr>
+            <a:off x="1524000" y="1122363"/>
+            <a:ext cx="9144000" cy="2387600"/>
+          </a:xfrm>
+        </p:spPr>
+        <p:txBody>
+          <a:bodyPr anchor="b"/>
           <a:lstStyle>
-            <a:lvl1pPr>
-              <a:defRPr sz="3600">
-                <a:solidFill>
-                  <a:schemeClr val="accent1"/>
-                </a:solidFill>
-              </a:defRPr>
+            <a:lvl1pPr algn="ctr">
+              <a:defRPr sz="6000"/>
             </a:lvl1pPr>
           </a:lstStyle>
           <a:p>
@@ -215,12 +201,19 @@
               <a:rPr lang="en-US"/>
               <a:t>Click to edit Master title style</a:t>
             </a:r>
-          </a:p>
-        </p:txBody>
-      </p:sp>
-      <p:sp>
-        <p:nvSpPr>
-          <p:cNvPr id="3" name="Subtitle 2"/>
+            <a:endParaRPr lang="en-GB"/>
+          </a:p>
+        </p:txBody>
+      </p:sp>
+      <p:sp>
+        <p:nvSpPr>
+          <p:cNvPr id="3" name="Subtitle 2">
+            <a:extLst>
+              <a:ext uri="{FF2B5EF4-FFF2-40B4-BE49-F238E27FC236}">
+                <a16:creationId xmlns:a16="http://schemas.microsoft.com/office/drawing/2014/main" id="{E88CA66E-BF30-4A18-BF94-DADE3FE22C7A}"/>
+              </a:ext>
+            </a:extLst>
+          </p:cNvPr>
           <p:cNvSpPr>
             <a:spLocks noGrp="1"/>
           </p:cNvSpPr>
@@ -230,102 +223,48 @@
         </p:nvSpPr>
         <p:spPr>
           <a:xfrm>
-            <a:off x="581194" y="2495445"/>
-            <a:ext cx="10993546" cy="590321"/>
-          </a:xfrm>
-        </p:spPr>
-        <p:txBody>
-          <a:bodyPr anchor="t">
-            <a:normAutofit/>
-          </a:bodyPr>
+            <a:off x="1524000" y="3602038"/>
+            <a:ext cx="9144000" cy="1655762"/>
+          </a:xfrm>
+        </p:spPr>
+        <p:txBody>
+          <a:bodyPr/>
           <a:lstStyle>
-            <a:lvl1pPr marL="0" indent="0" algn="l">
-              <a:buNone/>
-              <a:defRPr sz="1600" cap="all">
-                <a:solidFill>
-                  <a:schemeClr val="accent2"/>
-                </a:solidFill>
-              </a:defRPr>
+            <a:lvl1pPr marL="0" indent="0" algn="ctr">
+              <a:buNone/>
+              <a:defRPr sz="2400"/>
             </a:lvl1pPr>
             <a:lvl2pPr marL="457200" indent="0" algn="ctr">
               <a:buNone/>
-              <a:defRPr>
-                <a:solidFill>
-                  <a:schemeClr val="tx1">
-                    <a:tint val="75000"/>
-                  </a:schemeClr>
-                </a:solidFill>
-              </a:defRPr>
+              <a:defRPr sz="2000"/>
             </a:lvl2pPr>
             <a:lvl3pPr marL="914400" indent="0" algn="ctr">
               <a:buNone/>
-              <a:defRPr>
-                <a:solidFill>
-                  <a:schemeClr val="tx1">
-                    <a:tint val="75000"/>
-                  </a:schemeClr>
-                </a:solidFill>
-              </a:defRPr>
+              <a:defRPr sz="1800"/>
             </a:lvl3pPr>
             <a:lvl4pPr marL="1371600" indent="0" algn="ctr">
               <a:buNone/>
-              <a:defRPr>
-                <a:solidFill>
-                  <a:schemeClr val="tx1">
-                    <a:tint val="75000"/>
-                  </a:schemeClr>
-                </a:solidFill>
-              </a:defRPr>
+              <a:defRPr sz="1600"/>
             </a:lvl4pPr>
             <a:lvl5pPr marL="1828800" indent="0" algn="ctr">
               <a:buNone/>
-              <a:defRPr>
-                <a:solidFill>
-                  <a:schemeClr val="tx1">
-                    <a:tint val="75000"/>
-                  </a:schemeClr>
-                </a:solidFill>
-              </a:defRPr>
+              <a:defRPr sz="1600"/>
             </a:lvl5pPr>
             <a:lvl6pPr marL="2286000" indent="0" algn="ctr">
               <a:buNone/>
-              <a:defRPr>
-                <a:solidFill>
-                  <a:schemeClr val="tx1">
-                    <a:tint val="75000"/>
-                  </a:schemeClr>
-                </a:solidFill>
-              </a:defRPr>
+              <a:defRPr sz="1600"/>
             </a:lvl6pPr>
             <a:lvl7pPr marL="2743200" indent="0" algn="ctr">
               <a:buNone/>
-              <a:defRPr>
-                <a:solidFill>
-                  <a:schemeClr val="tx1">
-                    <a:tint val="75000"/>
-                  </a:schemeClr>
-                </a:solidFill>
-              </a:defRPr>
+              <a:defRPr sz="1600"/>
             </a:lvl7pPr>
             <a:lvl8pPr marL="3200400" indent="0" algn="ctr">
               <a:buNone/>
-              <a:defRPr>
-                <a:solidFill>
-                  <a:schemeClr val="tx1">
-                    <a:tint val="75000"/>
-                  </a:schemeClr>
-                </a:solidFill>
-              </a:defRPr>
+              <a:defRPr sz="1600"/>
             </a:lvl8pPr>
             <a:lvl9pPr marL="3657600" indent="0" algn="ctr">
               <a:buNone/>
-              <a:defRPr>
-                <a:solidFill>
-                  <a:schemeClr val="tx1">
-                    <a:tint val="75000"/>
-                  </a:schemeClr>
-                </a:solidFill>
-              </a:defRPr>
+              <a:defRPr sz="1600"/>
             </a:lvl9pPr>
           </a:lstStyle>
           <a:p>
@@ -333,12 +272,19 @@
               <a:rPr lang="en-US"/>
               <a:t>Click to edit Master subtitle style</a:t>
             </a:r>
-          </a:p>
-        </p:txBody>
-      </p:sp>
-      <p:sp>
-        <p:nvSpPr>
-          <p:cNvPr id="4" name="Date Placeholder 3"/>
+            <a:endParaRPr lang="en-GB"/>
+          </a:p>
+        </p:txBody>
+      </p:sp>
+      <p:sp>
+        <p:nvSpPr>
+          <p:cNvPr id="4" name="Date Placeholder 3">
+            <a:extLst>
+              <a:ext uri="{FF2B5EF4-FFF2-40B4-BE49-F238E27FC236}">
+                <a16:creationId xmlns:a16="http://schemas.microsoft.com/office/drawing/2014/main" id="{3A5D69B8-509E-44FF-B477-0CA5A020952A}"/>
+              </a:ext>
+            </a:extLst>
+          </p:cNvPr>
           <p:cNvSpPr>
             <a:spLocks noGrp="1"/>
           </p:cNvSpPr>
@@ -346,29 +292,13 @@
             <p:ph type="dt" sz="half" idx="10"/>
           </p:nvPr>
         </p:nvSpPr>
-        <p:spPr>
-          <a:xfrm>
-            <a:off x="7605951" y="5956137"/>
-            <a:ext cx="2844800" cy="365125"/>
-          </a:xfrm>
-        </p:spPr>
+        <p:spPr/>
         <p:txBody>
           <a:bodyPr/>
-          <a:lstStyle>
-            <a:lvl1pPr>
-              <a:defRPr>
-                <a:solidFill>
-                  <a:schemeClr val="accent1">
-                    <a:lumMod val="75000"/>
-                    <a:lumOff val="25000"/>
-                  </a:schemeClr>
-                </a:solidFill>
-              </a:defRPr>
-            </a:lvl1pPr>
-          </a:lstStyle>
+          <a:lstStyle/>
           <a:p>
             <a:fld id="{B61BEF0D-F0BB-DE4B-95CE-6DB70DBA9567}" type="datetimeFigureOut">
-              <a:rPr lang="en-US" dirty="0"/>
+              <a:rPr lang="en-US" smtClean="0"/>
               <a:pPr/>
               <a:t>11/7/2017</a:t>
             </a:fld>
@@ -378,7 +308,13 @@
       </p:sp>
       <p:sp>
         <p:nvSpPr>
-          <p:cNvPr id="5" name="Footer Placeholder 4"/>
+          <p:cNvPr id="5" name="Footer Placeholder 4">
+            <a:extLst>
+              <a:ext uri="{FF2B5EF4-FFF2-40B4-BE49-F238E27FC236}">
+                <a16:creationId xmlns:a16="http://schemas.microsoft.com/office/drawing/2014/main" id="{F3A6EA79-98BA-4ECF-BA1B-077BB47DA2D0}"/>
+              </a:ext>
+            </a:extLst>
+          </p:cNvPr>
           <p:cNvSpPr>
             <a:spLocks noGrp="1"/>
           </p:cNvSpPr>
@@ -386,26 +322,10 @@
             <p:ph type="ftr" sz="quarter" idx="11"/>
           </p:nvPr>
         </p:nvSpPr>
-        <p:spPr>
-          <a:xfrm>
-            <a:off x="581192" y="5951811"/>
-            <a:ext cx="6917210" cy="365125"/>
-          </a:xfrm>
-        </p:spPr>
+        <p:spPr/>
         <p:txBody>
           <a:bodyPr/>
-          <a:lstStyle>
-            <a:lvl1pPr>
-              <a:defRPr>
-                <a:solidFill>
-                  <a:schemeClr val="accent1">
-                    <a:lumMod val="75000"/>
-                    <a:lumOff val="25000"/>
-                  </a:schemeClr>
-                </a:solidFill>
-              </a:defRPr>
-            </a:lvl1pPr>
-          </a:lstStyle>
+          <a:lstStyle/>
           <a:p>
             <a:endParaRPr lang="en-US"/>
           </a:p>
@@ -413,7 +333,13 @@
       </p:sp>
       <p:sp>
         <p:nvSpPr>
-          <p:cNvPr id="6" name="Slide Number Placeholder 5"/>
+          <p:cNvPr id="6" name="Slide Number Placeholder 5">
+            <a:extLst>
+              <a:ext uri="{FF2B5EF4-FFF2-40B4-BE49-F238E27FC236}">
+                <a16:creationId xmlns:a16="http://schemas.microsoft.com/office/drawing/2014/main" id="{41234F35-BC79-4D0B-85E3-EFA4ACC71536}"/>
+              </a:ext>
+            </a:extLst>
+          </p:cNvPr>
           <p:cNvSpPr>
             <a:spLocks noGrp="1"/>
           </p:cNvSpPr>
@@ -421,29 +347,13 @@
             <p:ph type="sldNum" sz="quarter" idx="12"/>
           </p:nvPr>
         </p:nvSpPr>
-        <p:spPr>
-          <a:xfrm>
-            <a:off x="10558300" y="5956137"/>
-            <a:ext cx="1016440" cy="365125"/>
-          </a:xfrm>
-        </p:spPr>
+        <p:spPr/>
         <p:txBody>
           <a:bodyPr/>
-          <a:lstStyle>
-            <a:lvl1pPr>
-              <a:defRPr>
-                <a:solidFill>
-                  <a:schemeClr val="accent1">
-                    <a:lumMod val="75000"/>
-                    <a:lumOff val="25000"/>
-                  </a:schemeClr>
-                </a:solidFill>
-              </a:defRPr>
-            </a:lvl1pPr>
-          </a:lstStyle>
+          <a:lstStyle/>
           <a:p>
             <a:fld id="{D57F1E4F-1CFF-5643-939E-217C01CDF565}" type="slidenum">
-              <a:rPr lang="en-US" dirty="0"/>
+              <a:rPr lang="en-US" smtClean="0"/>
               <a:pPr/>
               <a:t>‹#›</a:t>
             </a:fld>
@@ -452,6 +362,11 @@
         </p:txBody>
       </p:sp>
     </p:spTree>
+    <p:extLst>
+      <p:ext uri="{BB962C8B-B14F-4D97-AF65-F5344CB8AC3E}">
+        <p14:creationId xmlns:p14="http://schemas.microsoft.com/office/powerpoint/2010/main" val="4043596635"/>
+      </p:ext>
+    </p:extLst>
   </p:cSld>
   <p:clrMapOvr>
     <a:masterClrMapping/>
@@ -478,46 +393,13 @@
       </p:grpSpPr>
       <p:sp>
         <p:nvSpPr>
-          <p:cNvPr id="8" name="Rectangle 7"/>
-          <p:cNvSpPr>
-            <a:spLocks noChangeAspect="1"/>
-          </p:cNvSpPr>
-          <p:nvPr/>
-        </p:nvSpPr>
-        <p:spPr>
-          <a:xfrm>
-            <a:off x="440286" y="614407"/>
-            <a:ext cx="11309338" cy="1189298"/>
-          </a:xfrm>
-          <a:prstGeom prst="rect">
-            <a:avLst/>
-          </a:prstGeom>
-          <a:solidFill>
-            <a:schemeClr val="accent1"/>
-          </a:solidFill>
-          <a:ln>
-            <a:noFill/>
-          </a:ln>
-          <a:effectLst/>
-        </p:spPr>
-        <p:style>
-          <a:lnRef idx="1">
-            <a:schemeClr val="accent1"/>
-          </a:lnRef>
-          <a:fillRef idx="3">
-            <a:schemeClr val="accent1"/>
-          </a:fillRef>
-          <a:effectRef idx="2">
-            <a:schemeClr val="accent1"/>
-          </a:effectRef>
-          <a:fontRef idx="minor">
-            <a:schemeClr val="lt1"/>
-          </a:fontRef>
-        </p:style>
-      </p:sp>
-      <p:sp>
-        <p:nvSpPr>
-          <p:cNvPr id="9" name="Title 1"/>
+          <p:cNvPr id="2" name="Title 1">
+            <a:extLst>
+              <a:ext uri="{FF2B5EF4-FFF2-40B4-BE49-F238E27FC236}">
+                <a16:creationId xmlns:a16="http://schemas.microsoft.com/office/drawing/2014/main" id="{FB13BDF9-D07F-49FB-9504-1698C1A06C90}"/>
+              </a:ext>
+            </a:extLst>
+          </p:cNvPr>
           <p:cNvSpPr>
             <a:spLocks noGrp="1"/>
           </p:cNvSpPr>
@@ -525,12 +407,7 @@
             <p:ph type="title"/>
           </p:nvPr>
         </p:nvSpPr>
-        <p:spPr>
-          <a:xfrm>
-            <a:off x="581192" y="702156"/>
-            <a:ext cx="11029616" cy="1013800"/>
-          </a:xfrm>
-        </p:spPr>
+        <p:spPr/>
         <p:txBody>
           <a:bodyPr/>
           <a:lstStyle/>
@@ -539,12 +416,19 @@
               <a:rPr lang="en-US"/>
               <a:t>Click to edit Master title style</a:t>
             </a:r>
-          </a:p>
-        </p:txBody>
-      </p:sp>
-      <p:sp>
-        <p:nvSpPr>
-          <p:cNvPr id="3" name="Vertical Text Placeholder 2"/>
+            <a:endParaRPr lang="en-GB"/>
+          </a:p>
+        </p:txBody>
+      </p:sp>
+      <p:sp>
+        <p:nvSpPr>
+          <p:cNvPr id="3" name="Vertical Text Placeholder 2">
+            <a:extLst>
+              <a:ext uri="{FF2B5EF4-FFF2-40B4-BE49-F238E27FC236}">
+                <a16:creationId xmlns:a16="http://schemas.microsoft.com/office/drawing/2014/main" id="{3321B830-713A-45D3-8391-D993D2706779}"/>
+              </a:ext>
+            </a:extLst>
+          </p:cNvPr>
           <p:cNvSpPr>
             <a:spLocks noGrp="1"/>
           </p:cNvSpPr>
@@ -554,29 +438,13 @@
         </p:nvSpPr>
         <p:spPr/>
         <p:txBody>
-          <a:bodyPr vert="eaVert" anchor="t"/>
-          <a:lstStyle>
-            <a:lvl1pPr algn="l">
-              <a:defRPr/>
-            </a:lvl1pPr>
-            <a:lvl2pPr algn="l">
-              <a:defRPr/>
-            </a:lvl2pPr>
-            <a:lvl3pPr algn="l">
-              <a:defRPr/>
-            </a:lvl3pPr>
-            <a:lvl4pPr algn="l">
-              <a:defRPr/>
-            </a:lvl4pPr>
-            <a:lvl5pPr algn="l">
-              <a:defRPr/>
-            </a:lvl5pPr>
-          </a:lstStyle>
+          <a:bodyPr vert="eaVert"/>
+          <a:lstStyle/>
           <a:p>
             <a:pPr lvl="0"/>
             <a:r>
               <a:rPr lang="en-US"/>
-              <a:t>Click to edit Master text styles</a:t>
+              <a:t>Edit Master text styles</a:t>
             </a:r>
           </a:p>
           <a:p>
@@ -606,12 +474,19 @@
               <a:rPr lang="en-US"/>
               <a:t>Fifth level</a:t>
             </a:r>
-          </a:p>
-        </p:txBody>
-      </p:sp>
-      <p:sp>
-        <p:nvSpPr>
-          <p:cNvPr id="4" name="Date Placeholder 3"/>
+            <a:endParaRPr lang="en-GB"/>
+          </a:p>
+        </p:txBody>
+      </p:sp>
+      <p:sp>
+        <p:nvSpPr>
+          <p:cNvPr id="4" name="Date Placeholder 3">
+            <a:extLst>
+              <a:ext uri="{FF2B5EF4-FFF2-40B4-BE49-F238E27FC236}">
+                <a16:creationId xmlns:a16="http://schemas.microsoft.com/office/drawing/2014/main" id="{38C7A0EB-47A7-40C3-9C24-92F64D0E0F0A}"/>
+              </a:ext>
+            </a:extLst>
+          </p:cNvPr>
           <p:cNvSpPr>
             <a:spLocks noGrp="1"/>
           </p:cNvSpPr>
@@ -625,7 +500,7 @@
           <a:lstStyle/>
           <a:p>
             <a:fld id="{B61BEF0D-F0BB-DE4B-95CE-6DB70DBA9567}" type="datetimeFigureOut">
-              <a:rPr lang="en-US" dirty="0"/>
+              <a:rPr lang="en-US" smtClean="0"/>
               <a:pPr/>
               <a:t>11/7/2017</a:t>
             </a:fld>
@@ -635,7 +510,13 @@
       </p:sp>
       <p:sp>
         <p:nvSpPr>
-          <p:cNvPr id="5" name="Footer Placeholder 4"/>
+          <p:cNvPr id="5" name="Footer Placeholder 4">
+            <a:extLst>
+              <a:ext uri="{FF2B5EF4-FFF2-40B4-BE49-F238E27FC236}">
+                <a16:creationId xmlns:a16="http://schemas.microsoft.com/office/drawing/2014/main" id="{8AED7E06-ECBB-4534-9708-E031D9E1DDE9}"/>
+              </a:ext>
+            </a:extLst>
+          </p:cNvPr>
           <p:cNvSpPr>
             <a:spLocks noGrp="1"/>
           </p:cNvSpPr>
@@ -654,7 +535,13 @@
       </p:sp>
       <p:sp>
         <p:nvSpPr>
-          <p:cNvPr id="6" name="Slide Number Placeholder 5"/>
+          <p:cNvPr id="6" name="Slide Number Placeholder 5">
+            <a:extLst>
+              <a:ext uri="{FF2B5EF4-FFF2-40B4-BE49-F238E27FC236}">
+                <a16:creationId xmlns:a16="http://schemas.microsoft.com/office/drawing/2014/main" id="{343B8348-2DD4-4197-B1CA-7F62DB05357B}"/>
+              </a:ext>
+            </a:extLst>
+          </p:cNvPr>
           <p:cNvSpPr>
             <a:spLocks noGrp="1"/>
           </p:cNvSpPr>
@@ -668,7 +555,7 @@
           <a:lstStyle/>
           <a:p>
             <a:fld id="{D57F1E4F-1CFF-5643-939E-217C01CDF565}" type="slidenum">
-              <a:rPr lang="en-US" dirty="0"/>
+              <a:rPr lang="en-US" smtClean="0"/>
               <a:pPr/>
               <a:t>‹#›</a:t>
             </a:fld>
@@ -677,6 +564,11 @@
         </p:txBody>
       </p:sp>
     </p:spTree>
+    <p:extLst>
+      <p:ext uri="{BB962C8B-B14F-4D97-AF65-F5344CB8AC3E}">
+        <p14:creationId xmlns:p14="http://schemas.microsoft.com/office/powerpoint/2010/main" val="2185214517"/>
+      </p:ext>
+    </p:extLst>
   </p:cSld>
   <p:clrMapOvr>
     <a:masterClrMapping/>
@@ -703,57 +595,24 @@
       </p:grpSpPr>
       <p:sp>
         <p:nvSpPr>
-          <p:cNvPr id="7" name="Rectangle 6"/>
-          <p:cNvSpPr>
-            <a:spLocks noChangeAspect="1"/>
-          </p:cNvSpPr>
-          <p:nvPr/>
+          <p:cNvPr id="2" name="Vertical Title 1">
+            <a:extLst>
+              <a:ext uri="{FF2B5EF4-FFF2-40B4-BE49-F238E27FC236}">
+                <a16:creationId xmlns:a16="http://schemas.microsoft.com/office/drawing/2014/main" id="{A6D0D5F0-A6B5-4472-A81A-13D21EA37F8C}"/>
+              </a:ext>
+            </a:extLst>
+          </p:cNvPr>
+          <p:cNvSpPr>
+            <a:spLocks noGrp="1"/>
+          </p:cNvSpPr>
+          <p:nvPr>
+            <p:ph type="title" orient="vert"/>
+          </p:nvPr>
         </p:nvSpPr>
         <p:spPr>
           <a:xfrm>
-            <a:off x="8839201" y="599725"/>
-            <a:ext cx="2906817" cy="5816950"/>
-          </a:xfrm>
-          <a:prstGeom prst="rect">
-            <a:avLst/>
-          </a:prstGeom>
-          <a:solidFill>
-            <a:schemeClr val="accent1"/>
-          </a:solidFill>
-          <a:ln>
-            <a:noFill/>
-          </a:ln>
-          <a:effectLst/>
-        </p:spPr>
-        <p:style>
-          <a:lnRef idx="1">
-            <a:schemeClr val="accent1"/>
-          </a:lnRef>
-          <a:fillRef idx="3">
-            <a:schemeClr val="accent1"/>
-          </a:fillRef>
-          <a:effectRef idx="2">
-            <a:schemeClr val="accent1"/>
-          </a:effectRef>
-          <a:fontRef idx="minor">
-            <a:schemeClr val="lt1"/>
-          </a:fontRef>
-        </p:style>
-      </p:sp>
-      <p:sp>
-        <p:nvSpPr>
-          <p:cNvPr id="2" name="Vertical Title 1"/>
-          <p:cNvSpPr>
-            <a:spLocks noGrp="1"/>
-          </p:cNvSpPr>
-          <p:nvPr>
-            <p:ph type="title" orient="vert"/>
-          </p:nvPr>
-        </p:nvSpPr>
-        <p:spPr>
-          <a:xfrm>
-            <a:off x="8839201" y="675726"/>
-            <a:ext cx="2004164" cy="5183073"/>
+            <a:off x="8724900" y="365125"/>
+            <a:ext cx="2628900" cy="5811838"/>
           </a:xfrm>
         </p:spPr>
         <p:txBody>
@@ -764,12 +623,19 @@
               <a:rPr lang="en-US"/>
               <a:t>Click to edit Master title style</a:t>
             </a:r>
-          </a:p>
-        </p:txBody>
-      </p:sp>
-      <p:sp>
-        <p:nvSpPr>
-          <p:cNvPr id="3" name="Vertical Text Placeholder 2"/>
+            <a:endParaRPr lang="en-GB"/>
+          </a:p>
+        </p:txBody>
+      </p:sp>
+      <p:sp>
+        <p:nvSpPr>
+          <p:cNvPr id="3" name="Vertical Text Placeholder 2">
+            <a:extLst>
+              <a:ext uri="{FF2B5EF4-FFF2-40B4-BE49-F238E27FC236}">
+                <a16:creationId xmlns:a16="http://schemas.microsoft.com/office/drawing/2014/main" id="{70E02F3D-8B8C-44BC-B8D8-6BD300CBA085}"/>
+              </a:ext>
+            </a:extLst>
+          </p:cNvPr>
           <p:cNvSpPr>
             <a:spLocks noGrp="1"/>
           </p:cNvSpPr>
@@ -779,18 +645,18 @@
         </p:nvSpPr>
         <p:spPr>
           <a:xfrm>
-            <a:off x="774923" y="675726"/>
-            <a:ext cx="7896279" cy="5183073"/>
-          </a:xfrm>
-        </p:spPr>
-        <p:txBody>
-          <a:bodyPr vert="eaVert" anchor="t"/>
+            <a:off x="838200" y="365125"/>
+            <a:ext cx="7734300" cy="5811838"/>
+          </a:xfrm>
+        </p:spPr>
+        <p:txBody>
+          <a:bodyPr vert="eaVert"/>
           <a:lstStyle/>
           <a:p>
             <a:pPr lvl="0"/>
             <a:r>
               <a:rPr lang="en-US"/>
-              <a:t>Click to edit Master text styles</a:t>
+              <a:t>Edit Master text styles</a:t>
             </a:r>
           </a:p>
           <a:p>
@@ -820,12 +686,19 @@
               <a:rPr lang="en-US"/>
               <a:t>Fifth level</a:t>
             </a:r>
-          </a:p>
-        </p:txBody>
-      </p:sp>
-      <p:sp>
-        <p:nvSpPr>
-          <p:cNvPr id="4" name="Date Placeholder 3"/>
+            <a:endParaRPr lang="en-GB"/>
+          </a:p>
+        </p:txBody>
+      </p:sp>
+      <p:sp>
+        <p:nvSpPr>
+          <p:cNvPr id="4" name="Date Placeholder 3">
+            <a:extLst>
+              <a:ext uri="{FF2B5EF4-FFF2-40B4-BE49-F238E27FC236}">
+                <a16:creationId xmlns:a16="http://schemas.microsoft.com/office/drawing/2014/main" id="{BC38D0D7-5FC0-4363-9D21-1A829C0AFDC6}"/>
+              </a:ext>
+            </a:extLst>
+          </p:cNvPr>
           <p:cNvSpPr>
             <a:spLocks noGrp="1"/>
           </p:cNvSpPr>
@@ -833,29 +706,13 @@
             <p:ph type="dt" sz="half" idx="10"/>
           </p:nvPr>
         </p:nvSpPr>
-        <p:spPr>
-          <a:xfrm>
-            <a:off x="8993673" y="5956137"/>
-            <a:ext cx="1328141" cy="365125"/>
-          </a:xfrm>
-        </p:spPr>
+        <p:spPr/>
         <p:txBody>
           <a:bodyPr/>
-          <a:lstStyle>
-            <a:lvl1pPr>
-              <a:defRPr>
-                <a:solidFill>
-                  <a:schemeClr val="accent1">
-                    <a:lumMod val="75000"/>
-                    <a:lumOff val="25000"/>
-                  </a:schemeClr>
-                </a:solidFill>
-              </a:defRPr>
-            </a:lvl1pPr>
-          </a:lstStyle>
+          <a:lstStyle/>
           <a:p>
             <a:fld id="{B61BEF0D-F0BB-DE4B-95CE-6DB70DBA9567}" type="datetimeFigureOut">
-              <a:rPr lang="en-US" dirty="0"/>
+              <a:rPr lang="en-US" smtClean="0"/>
               <a:pPr/>
               <a:t>11/7/2017</a:t>
             </a:fld>
@@ -865,7 +722,13 @@
       </p:sp>
       <p:sp>
         <p:nvSpPr>
-          <p:cNvPr id="5" name="Footer Placeholder 4"/>
+          <p:cNvPr id="5" name="Footer Placeholder 4">
+            <a:extLst>
+              <a:ext uri="{FF2B5EF4-FFF2-40B4-BE49-F238E27FC236}">
+                <a16:creationId xmlns:a16="http://schemas.microsoft.com/office/drawing/2014/main" id="{71073668-8C1B-4B4A-AE0E-345E3C257772}"/>
+              </a:ext>
+            </a:extLst>
+          </p:cNvPr>
           <p:cNvSpPr>
             <a:spLocks noGrp="1"/>
           </p:cNvSpPr>
@@ -873,12 +736,7 @@
             <p:ph type="ftr" sz="quarter" idx="11"/>
           </p:nvPr>
         </p:nvSpPr>
-        <p:spPr>
-          <a:xfrm>
-            <a:off x="774923" y="5951811"/>
-            <a:ext cx="7896279" cy="365125"/>
-          </a:xfrm>
-        </p:spPr>
+        <p:spPr/>
         <p:txBody>
           <a:bodyPr/>
           <a:lstStyle/>
@@ -889,7 +747,13 @@
       </p:sp>
       <p:sp>
         <p:nvSpPr>
-          <p:cNvPr id="6" name="Slide Number Placeholder 5"/>
+          <p:cNvPr id="6" name="Slide Number Placeholder 5">
+            <a:extLst>
+              <a:ext uri="{FF2B5EF4-FFF2-40B4-BE49-F238E27FC236}">
+                <a16:creationId xmlns:a16="http://schemas.microsoft.com/office/drawing/2014/main" id="{4B6E2EF9-BEFF-4D58-B580-69864426C8DF}"/>
+              </a:ext>
+            </a:extLst>
+          </p:cNvPr>
           <p:cNvSpPr>
             <a:spLocks noGrp="1"/>
           </p:cNvSpPr>
@@ -897,29 +761,13 @@
             <p:ph type="sldNum" sz="quarter" idx="12"/>
           </p:nvPr>
         </p:nvSpPr>
-        <p:spPr>
-          <a:xfrm>
-            <a:off x="10446615" y="5956137"/>
-            <a:ext cx="1164195" cy="365125"/>
-          </a:xfrm>
-        </p:spPr>
+        <p:spPr/>
         <p:txBody>
           <a:bodyPr/>
-          <a:lstStyle>
-            <a:lvl1pPr>
-              <a:defRPr>
-                <a:solidFill>
-                  <a:schemeClr val="accent1">
-                    <a:lumMod val="75000"/>
-                    <a:lumOff val="25000"/>
-                  </a:schemeClr>
-                </a:solidFill>
-              </a:defRPr>
-            </a:lvl1pPr>
-          </a:lstStyle>
+          <a:lstStyle/>
           <a:p>
             <a:fld id="{D57F1E4F-1CFF-5643-939E-217C01CDF565}" type="slidenum">
-              <a:rPr lang="en-US" dirty="0"/>
+              <a:rPr lang="en-US" smtClean="0"/>
               <a:pPr/>
               <a:t>‹#›</a:t>
             </a:fld>
@@ -928,6 +776,11 @@
         </p:txBody>
       </p:sp>
     </p:spTree>
+    <p:extLst>
+      <p:ext uri="{BB962C8B-B14F-4D97-AF65-F5344CB8AC3E}">
+        <p14:creationId xmlns:p14="http://schemas.microsoft.com/office/powerpoint/2010/main" val="52527"/>
+      </p:ext>
+    </p:extLst>
   </p:cSld>
   <p:clrMapOvr>
     <a:masterClrMapping/>
@@ -954,46 +807,13 @@
       </p:grpSpPr>
       <p:sp>
         <p:nvSpPr>
-          <p:cNvPr id="7" name="Rectangle 6"/>
-          <p:cNvSpPr>
-            <a:spLocks noChangeAspect="1"/>
-          </p:cNvSpPr>
-          <p:nvPr/>
-        </p:nvSpPr>
-        <p:spPr>
-          <a:xfrm>
-            <a:off x="440286" y="614407"/>
-            <a:ext cx="11309338" cy="1189298"/>
-          </a:xfrm>
-          <a:prstGeom prst="rect">
-            <a:avLst/>
-          </a:prstGeom>
-          <a:solidFill>
-            <a:schemeClr val="accent1"/>
-          </a:solidFill>
-          <a:ln>
-            <a:noFill/>
-          </a:ln>
-          <a:effectLst/>
-        </p:spPr>
-        <p:style>
-          <a:lnRef idx="1">
-            <a:schemeClr val="accent1"/>
-          </a:lnRef>
-          <a:fillRef idx="3">
-            <a:schemeClr val="accent1"/>
-          </a:fillRef>
-          <a:effectRef idx="2">
-            <a:schemeClr val="accent1"/>
-          </a:effectRef>
-          <a:fontRef idx="minor">
-            <a:schemeClr val="lt1"/>
-          </a:fontRef>
-        </p:style>
-      </p:sp>
-      <p:sp>
-        <p:nvSpPr>
-          <p:cNvPr id="2" name="Title 1"/>
+          <p:cNvPr id="2" name="Title 1">
+            <a:extLst>
+              <a:ext uri="{FF2B5EF4-FFF2-40B4-BE49-F238E27FC236}">
+                <a16:creationId xmlns:a16="http://schemas.microsoft.com/office/drawing/2014/main" id="{69F1A0B2-E41C-4FED-9ED3-40C6C73BD067}"/>
+              </a:ext>
+            </a:extLst>
+          </p:cNvPr>
           <p:cNvSpPr>
             <a:spLocks noGrp="1"/>
           </p:cNvSpPr>
@@ -1001,12 +821,7 @@
             <p:ph type="title"/>
           </p:nvPr>
         </p:nvSpPr>
-        <p:spPr>
-          <a:xfrm>
-            <a:off x="581192" y="702156"/>
-            <a:ext cx="11029616" cy="1013800"/>
-          </a:xfrm>
-        </p:spPr>
+        <p:spPr/>
         <p:txBody>
           <a:bodyPr/>
           <a:lstStyle/>
@@ -1015,12 +830,19 @@
               <a:rPr lang="en-US"/>
               <a:t>Click to edit Master title style</a:t>
             </a:r>
-          </a:p>
-        </p:txBody>
-      </p:sp>
-      <p:sp>
-        <p:nvSpPr>
-          <p:cNvPr id="3" name="Content Placeholder 2"/>
+            <a:endParaRPr lang="en-GB"/>
+          </a:p>
+        </p:txBody>
+      </p:sp>
+      <p:sp>
+        <p:nvSpPr>
+          <p:cNvPr id="3" name="Content Placeholder 2">
+            <a:extLst>
+              <a:ext uri="{FF2B5EF4-FFF2-40B4-BE49-F238E27FC236}">
+                <a16:creationId xmlns:a16="http://schemas.microsoft.com/office/drawing/2014/main" id="{9118CE01-CF15-4D03-9DE5-D4EA9BD0F77A}"/>
+              </a:ext>
+            </a:extLst>
+          </p:cNvPr>
           <p:cNvSpPr>
             <a:spLocks noGrp="1"/>
           </p:cNvSpPr>
@@ -1028,12 +850,7 @@
             <p:ph idx="1"/>
           </p:nvPr>
         </p:nvSpPr>
-        <p:spPr>
-          <a:xfrm>
-            <a:off x="581192" y="2180496"/>
-            <a:ext cx="11029615" cy="3678303"/>
-          </a:xfrm>
-        </p:spPr>
+        <p:spPr/>
         <p:txBody>
           <a:bodyPr/>
           <a:lstStyle/>
@@ -1041,7 +858,7 @@
             <a:pPr lvl="0"/>
             <a:r>
               <a:rPr lang="en-US"/>
-              <a:t>Click to edit Master text styles</a:t>
+              <a:t>Edit Master text styles</a:t>
             </a:r>
           </a:p>
           <a:p>
@@ -1071,12 +888,19 @@
               <a:rPr lang="en-US"/>
               <a:t>Fifth level</a:t>
             </a:r>
-          </a:p>
-        </p:txBody>
-      </p:sp>
-      <p:sp>
-        <p:nvSpPr>
-          <p:cNvPr id="4" name="Date Placeholder 3"/>
+            <a:endParaRPr lang="en-GB"/>
+          </a:p>
+        </p:txBody>
+      </p:sp>
+      <p:sp>
+        <p:nvSpPr>
+          <p:cNvPr id="4" name="Date Placeholder 3">
+            <a:extLst>
+              <a:ext uri="{FF2B5EF4-FFF2-40B4-BE49-F238E27FC236}">
+                <a16:creationId xmlns:a16="http://schemas.microsoft.com/office/drawing/2014/main" id="{0265A946-82C8-4410-9476-58D3070F0A80}"/>
+              </a:ext>
+            </a:extLst>
+          </p:cNvPr>
           <p:cNvSpPr>
             <a:spLocks noGrp="1"/>
           </p:cNvSpPr>
@@ -1090,7 +914,7 @@
           <a:lstStyle/>
           <a:p>
             <a:fld id="{B61BEF0D-F0BB-DE4B-95CE-6DB70DBA9567}" type="datetimeFigureOut">
-              <a:rPr lang="en-US" dirty="0"/>
+              <a:rPr lang="en-US" smtClean="0"/>
               <a:pPr/>
               <a:t>11/7/2017</a:t>
             </a:fld>
@@ -1100,7 +924,13 @@
       </p:sp>
       <p:sp>
         <p:nvSpPr>
-          <p:cNvPr id="5" name="Footer Placeholder 4"/>
+          <p:cNvPr id="5" name="Footer Placeholder 4">
+            <a:extLst>
+              <a:ext uri="{FF2B5EF4-FFF2-40B4-BE49-F238E27FC236}">
+                <a16:creationId xmlns:a16="http://schemas.microsoft.com/office/drawing/2014/main" id="{7544E652-312A-44D5-9561-C61C9D6E0BE8}"/>
+              </a:ext>
+            </a:extLst>
+          </p:cNvPr>
           <p:cNvSpPr>
             <a:spLocks noGrp="1"/>
           </p:cNvSpPr>
@@ -1119,7 +949,13 @@
       </p:sp>
       <p:sp>
         <p:nvSpPr>
-          <p:cNvPr id="6" name="Slide Number Placeholder 5"/>
+          <p:cNvPr id="6" name="Slide Number Placeholder 5">
+            <a:extLst>
+              <a:ext uri="{FF2B5EF4-FFF2-40B4-BE49-F238E27FC236}">
+                <a16:creationId xmlns:a16="http://schemas.microsoft.com/office/drawing/2014/main" id="{226F9983-6B32-4807-826E-280E15666000}"/>
+              </a:ext>
+            </a:extLst>
+          </p:cNvPr>
           <p:cNvSpPr>
             <a:spLocks noGrp="1"/>
           </p:cNvSpPr>
@@ -1127,18 +963,13 @@
             <p:ph type="sldNum" sz="quarter" idx="12"/>
           </p:nvPr>
         </p:nvSpPr>
-        <p:spPr>
-          <a:xfrm>
-            <a:off x="10558300" y="5956137"/>
-            <a:ext cx="1052508" cy="365125"/>
-          </a:xfrm>
-        </p:spPr>
+        <p:spPr/>
         <p:txBody>
           <a:bodyPr/>
           <a:lstStyle/>
           <a:p>
             <a:fld id="{D57F1E4F-1CFF-5643-939E-217C01CDF565}" type="slidenum">
-              <a:rPr lang="en-US" dirty="0"/>
+              <a:rPr lang="en-US" smtClean="0"/>
               <a:pPr/>
               <a:t>‹#›</a:t>
             </a:fld>
@@ -1147,6 +978,11 @@
         </p:txBody>
       </p:sp>
     </p:spTree>
+    <p:extLst>
+      <p:ext uri="{BB962C8B-B14F-4D97-AF65-F5344CB8AC3E}">
+        <p14:creationId xmlns:p14="http://schemas.microsoft.com/office/powerpoint/2010/main" val="1531894779"/>
+      </p:ext>
+    </p:extLst>
   </p:cSld>
   <p:clrMapOvr>
     <a:masterClrMapping/>
@@ -1173,70 +1009,31 @@
       </p:grpSpPr>
       <p:sp>
         <p:nvSpPr>
-          <p:cNvPr id="8" name="Rectangle 7"/>
-          <p:cNvSpPr>
-            <a:spLocks noChangeAspect="1"/>
-          </p:cNvSpPr>
-          <p:nvPr/>
+          <p:cNvPr id="2" name="Title 1">
+            <a:extLst>
+              <a:ext uri="{FF2B5EF4-FFF2-40B4-BE49-F238E27FC236}">
+                <a16:creationId xmlns:a16="http://schemas.microsoft.com/office/drawing/2014/main" id="{81A1AC23-B26A-4090-8361-1851F1E8CF3F}"/>
+              </a:ext>
+            </a:extLst>
+          </p:cNvPr>
+          <p:cNvSpPr>
+            <a:spLocks noGrp="1"/>
+          </p:cNvSpPr>
+          <p:nvPr>
+            <p:ph type="title"/>
+          </p:nvPr>
         </p:nvSpPr>
         <p:spPr>
           <a:xfrm>
-            <a:off x="447817" y="5141974"/>
-            <a:ext cx="11290860" cy="1258827"/>
-          </a:xfrm>
-          <a:prstGeom prst="rect">
-            <a:avLst/>
-          </a:prstGeom>
-          <a:solidFill>
-            <a:schemeClr val="accent1"/>
-          </a:solidFill>
-          <a:ln>
-            <a:noFill/>
-          </a:ln>
-          <a:effectLst/>
-        </p:spPr>
-        <p:style>
-          <a:lnRef idx="1">
-            <a:schemeClr val="accent1"/>
-          </a:lnRef>
-          <a:fillRef idx="3">
-            <a:schemeClr val="accent1"/>
-          </a:fillRef>
-          <a:effectRef idx="2">
-            <a:schemeClr val="accent1"/>
-          </a:effectRef>
-          <a:fontRef idx="minor">
-            <a:schemeClr val="lt1"/>
-          </a:fontRef>
-        </p:style>
-      </p:sp>
-      <p:sp>
-        <p:nvSpPr>
-          <p:cNvPr id="2" name="Title 1"/>
-          <p:cNvSpPr>
-            <a:spLocks noGrp="1"/>
-          </p:cNvSpPr>
-          <p:nvPr>
-            <p:ph type="title"/>
-          </p:nvPr>
-        </p:nvSpPr>
-        <p:spPr>
-          <a:xfrm>
-            <a:off x="581193" y="3043910"/>
-            <a:ext cx="11029615" cy="1497507"/>
-          </a:xfrm>
-        </p:spPr>
-        <p:txBody>
-          <a:bodyPr anchor="b">
-            <a:normAutofit/>
-          </a:bodyPr>
+            <a:off x="831850" y="1709738"/>
+            <a:ext cx="10515600" cy="2852737"/>
+          </a:xfrm>
+        </p:spPr>
+        <p:txBody>
+          <a:bodyPr anchor="b"/>
           <a:lstStyle>
-            <a:lvl1pPr algn="l">
-              <a:defRPr sz="3600" b="0" cap="all">
-                <a:solidFill>
-                  <a:schemeClr val="accent1"/>
-                </a:solidFill>
-              </a:defRPr>
+            <a:lvl1pPr>
+              <a:defRPr sz="6000"/>
             </a:lvl1pPr>
           </a:lstStyle>
           <a:p>
@@ -1244,12 +1041,19 @@
               <a:rPr lang="en-US"/>
               <a:t>Click to edit Master title style</a:t>
             </a:r>
-          </a:p>
-        </p:txBody>
-      </p:sp>
-      <p:sp>
-        <p:nvSpPr>
-          <p:cNvPr id="3" name="Text Placeholder 2"/>
+            <a:endParaRPr lang="en-GB"/>
+          </a:p>
+        </p:txBody>
+      </p:sp>
+      <p:sp>
+        <p:nvSpPr>
+          <p:cNvPr id="3" name="Text Placeholder 2">
+            <a:extLst>
+              <a:ext uri="{FF2B5EF4-FFF2-40B4-BE49-F238E27FC236}">
+                <a16:creationId xmlns:a16="http://schemas.microsoft.com/office/drawing/2014/main" id="{57228ED4-C5A2-4E86-BA8F-CBD11F079AF4}"/>
+              </a:ext>
+            </a:extLst>
+          </p:cNvPr>
           <p:cNvSpPr>
             <a:spLocks noGrp="1"/>
           </p:cNvSpPr>
@@ -1259,26 +1063,26 @@
         </p:nvSpPr>
         <p:spPr>
           <a:xfrm>
-            <a:off x="581192" y="4541417"/>
-            <a:ext cx="11029615" cy="600556"/>
-          </a:xfrm>
-        </p:spPr>
-        <p:txBody>
-          <a:bodyPr anchor="t">
-            <a:normAutofit/>
-          </a:bodyPr>
+            <a:off x="831850" y="4589463"/>
+            <a:ext cx="10515600" cy="1500187"/>
+          </a:xfrm>
+        </p:spPr>
+        <p:txBody>
+          <a:bodyPr/>
           <a:lstStyle>
-            <a:lvl1pPr marL="0" indent="0" algn="l">
-              <a:buNone/>
-              <a:defRPr sz="1800" cap="all">
-                <a:solidFill>
-                  <a:schemeClr val="accent2"/>
+            <a:lvl1pPr marL="0" indent="0">
+              <a:buNone/>
+              <a:defRPr sz="2400">
+                <a:solidFill>
+                  <a:schemeClr val="tx1">
+                    <a:tint val="75000"/>
+                  </a:schemeClr>
                 </a:solidFill>
               </a:defRPr>
             </a:lvl1pPr>
             <a:lvl2pPr marL="457200" indent="0">
               <a:buNone/>
-              <a:defRPr sz="1800">
+              <a:defRPr sz="2000">
                 <a:solidFill>
                   <a:schemeClr val="tx1">
                     <a:tint val="75000"/>
@@ -1288,7 +1092,7 @@
             </a:lvl2pPr>
             <a:lvl3pPr marL="914400" indent="0">
               <a:buNone/>
-              <a:defRPr sz="1600">
+              <a:defRPr sz="1800">
                 <a:solidFill>
                   <a:schemeClr val="tx1">
                     <a:tint val="75000"/>
@@ -1298,7 +1102,7 @@
             </a:lvl3pPr>
             <a:lvl4pPr marL="1371600" indent="0">
               <a:buNone/>
-              <a:defRPr sz="1400">
+              <a:defRPr sz="1600">
                 <a:solidFill>
                   <a:schemeClr val="tx1">
                     <a:tint val="75000"/>
@@ -1308,7 +1112,7 @@
             </a:lvl4pPr>
             <a:lvl5pPr marL="1828800" indent="0">
               <a:buNone/>
-              <a:defRPr sz="1400">
+              <a:defRPr sz="1600">
                 <a:solidFill>
                   <a:schemeClr val="tx1">
                     <a:tint val="75000"/>
@@ -1318,7 +1122,7 @@
             </a:lvl5pPr>
             <a:lvl6pPr marL="2286000" indent="0">
               <a:buNone/>
-              <a:defRPr sz="1400">
+              <a:defRPr sz="1600">
                 <a:solidFill>
                   <a:schemeClr val="tx1">
                     <a:tint val="75000"/>
@@ -1328,7 +1132,7 @@
             </a:lvl6pPr>
             <a:lvl7pPr marL="2743200" indent="0">
               <a:buNone/>
-              <a:defRPr sz="1400">
+              <a:defRPr sz="1600">
                 <a:solidFill>
                   <a:schemeClr val="tx1">
                     <a:tint val="75000"/>
@@ -1338,7 +1142,7 @@
             </a:lvl7pPr>
             <a:lvl8pPr marL="3200400" indent="0">
               <a:buNone/>
-              <a:defRPr sz="1400">
+              <a:defRPr sz="1600">
                 <a:solidFill>
                   <a:schemeClr val="tx1">
                     <a:tint val="75000"/>
@@ -1348,7 +1152,7 @@
             </a:lvl8pPr>
             <a:lvl9pPr marL="3657600" indent="0">
               <a:buNone/>
-              <a:defRPr sz="1400">
+              <a:defRPr sz="1600">
                 <a:solidFill>
                   <a:schemeClr val="tx1">
                     <a:tint val="75000"/>
@@ -1361,14 +1165,20 @@
             <a:pPr lvl="0"/>
             <a:r>
               <a:rPr lang="en-US"/>
-              <a:t>Click to edit Master text styles</a:t>
-            </a:r>
-          </a:p>
-        </p:txBody>
-      </p:sp>
-      <p:sp>
-        <p:nvSpPr>
-          <p:cNvPr id="4" name="Date Placeholder 3"/>
+              <a:t>Edit Master text styles</a:t>
+            </a:r>
+          </a:p>
+        </p:txBody>
+      </p:sp>
+      <p:sp>
+        <p:nvSpPr>
+          <p:cNvPr id="4" name="Date Placeholder 3">
+            <a:extLst>
+              <a:ext uri="{FF2B5EF4-FFF2-40B4-BE49-F238E27FC236}">
+                <a16:creationId xmlns:a16="http://schemas.microsoft.com/office/drawing/2014/main" id="{68B0293F-3671-4938-BECC-2A4871B4F24D}"/>
+              </a:ext>
+            </a:extLst>
+          </p:cNvPr>
           <p:cNvSpPr>
             <a:spLocks noGrp="1"/>
           </p:cNvSpPr>
@@ -1379,21 +1189,10 @@
         <p:spPr/>
         <p:txBody>
           <a:bodyPr/>
-          <a:lstStyle>
-            <a:lvl1pPr>
-              <a:defRPr>
-                <a:solidFill>
-                  <a:schemeClr val="accent1">
-                    <a:lumMod val="75000"/>
-                    <a:lumOff val="25000"/>
-                  </a:schemeClr>
-                </a:solidFill>
-              </a:defRPr>
-            </a:lvl1pPr>
-          </a:lstStyle>
+          <a:lstStyle/>
           <a:p>
             <a:fld id="{B61BEF0D-F0BB-DE4B-95CE-6DB70DBA9567}" type="datetimeFigureOut">
-              <a:rPr lang="en-US" dirty="0"/>
+              <a:rPr lang="en-US" smtClean="0"/>
               <a:pPr/>
               <a:t>11/7/2017</a:t>
             </a:fld>
@@ -1403,7 +1202,13 @@
       </p:sp>
       <p:sp>
         <p:nvSpPr>
-          <p:cNvPr id="5" name="Footer Placeholder 4"/>
+          <p:cNvPr id="5" name="Footer Placeholder 4">
+            <a:extLst>
+              <a:ext uri="{FF2B5EF4-FFF2-40B4-BE49-F238E27FC236}">
+                <a16:creationId xmlns:a16="http://schemas.microsoft.com/office/drawing/2014/main" id="{2E5BAB9A-F6DE-46A9-A026-25717B8DFAC5}"/>
+              </a:ext>
+            </a:extLst>
+          </p:cNvPr>
           <p:cNvSpPr>
             <a:spLocks noGrp="1"/>
           </p:cNvSpPr>
@@ -1414,18 +1219,7 @@
         <p:spPr/>
         <p:txBody>
           <a:bodyPr/>
-          <a:lstStyle>
-            <a:lvl1pPr>
-              <a:defRPr>
-                <a:solidFill>
-                  <a:schemeClr val="accent1">
-                    <a:lumMod val="75000"/>
-                    <a:lumOff val="25000"/>
-                  </a:schemeClr>
-                </a:solidFill>
-              </a:defRPr>
-            </a:lvl1pPr>
-          </a:lstStyle>
+          <a:lstStyle/>
           <a:p>
             <a:endParaRPr lang="en-US"/>
           </a:p>
@@ -1433,7 +1227,13 @@
       </p:sp>
       <p:sp>
         <p:nvSpPr>
-          <p:cNvPr id="6" name="Slide Number Placeholder 5"/>
+          <p:cNvPr id="6" name="Slide Number Placeholder 5">
+            <a:extLst>
+              <a:ext uri="{FF2B5EF4-FFF2-40B4-BE49-F238E27FC236}">
+                <a16:creationId xmlns:a16="http://schemas.microsoft.com/office/drawing/2014/main" id="{E58AFFE0-B8BB-403D-9A25-20343F23D1E0}"/>
+              </a:ext>
+            </a:extLst>
+          </p:cNvPr>
           <p:cNvSpPr>
             <a:spLocks noGrp="1"/>
           </p:cNvSpPr>
@@ -1444,21 +1244,10 @@
         <p:spPr/>
         <p:txBody>
           <a:bodyPr/>
-          <a:lstStyle>
-            <a:lvl1pPr>
-              <a:defRPr>
-                <a:solidFill>
-                  <a:schemeClr val="accent1">
-                    <a:lumMod val="75000"/>
-                    <a:lumOff val="25000"/>
-                  </a:schemeClr>
-                </a:solidFill>
-              </a:defRPr>
-            </a:lvl1pPr>
-          </a:lstStyle>
+          <a:lstStyle/>
           <a:p>
             <a:fld id="{D57F1E4F-1CFF-5643-939E-217C01CDF565}" type="slidenum">
-              <a:rPr lang="en-US" dirty="0"/>
+              <a:rPr lang="en-US" smtClean="0"/>
               <a:pPr/>
               <a:t>‹#›</a:t>
             </a:fld>
@@ -1467,6 +1256,11 @@
         </p:txBody>
       </p:sp>
     </p:spTree>
+    <p:extLst>
+      <p:ext uri="{BB962C8B-B14F-4D97-AF65-F5344CB8AC3E}">
+        <p14:creationId xmlns:p14="http://schemas.microsoft.com/office/powerpoint/2010/main" val="1415137382"/>
+      </p:ext>
+    </p:extLst>
   </p:cSld>
   <p:clrMapOvr>
     <a:masterClrMapping/>
@@ -1493,46 +1287,13 @@
       </p:grpSpPr>
       <p:sp>
         <p:nvSpPr>
-          <p:cNvPr id="8" name="Rectangle 7"/>
-          <p:cNvSpPr>
-            <a:spLocks noChangeAspect="1"/>
-          </p:cNvSpPr>
-          <p:nvPr/>
-        </p:nvSpPr>
-        <p:spPr>
-          <a:xfrm>
-            <a:off x="445982" y="606554"/>
-            <a:ext cx="11300036" cy="1258827"/>
-          </a:xfrm>
-          <a:prstGeom prst="rect">
-            <a:avLst/>
-          </a:prstGeom>
-          <a:solidFill>
-            <a:schemeClr val="accent1"/>
-          </a:solidFill>
-          <a:ln>
-            <a:noFill/>
-          </a:ln>
-          <a:effectLst/>
-        </p:spPr>
-        <p:style>
-          <a:lnRef idx="1">
-            <a:schemeClr val="accent1"/>
-          </a:lnRef>
-          <a:fillRef idx="3">
-            <a:schemeClr val="accent1"/>
-          </a:fillRef>
-          <a:effectRef idx="2">
-            <a:schemeClr val="accent1"/>
-          </a:effectRef>
-          <a:fontRef idx="minor">
-            <a:schemeClr val="lt1"/>
-          </a:fontRef>
-        </p:style>
-      </p:sp>
-      <p:sp>
-        <p:nvSpPr>
-          <p:cNvPr id="2" name="Title 1"/>
+          <p:cNvPr id="2" name="Title 1">
+            <a:extLst>
+              <a:ext uri="{FF2B5EF4-FFF2-40B4-BE49-F238E27FC236}">
+                <a16:creationId xmlns:a16="http://schemas.microsoft.com/office/drawing/2014/main" id="{D38A3CDE-AD54-44EB-9F97-2219527BDB64}"/>
+              </a:ext>
+            </a:extLst>
+          </p:cNvPr>
           <p:cNvSpPr>
             <a:spLocks noGrp="1"/>
           </p:cNvSpPr>
@@ -1540,12 +1301,7 @@
             <p:ph type="title"/>
           </p:nvPr>
         </p:nvSpPr>
-        <p:spPr>
-          <a:xfrm>
-            <a:off x="581193" y="729658"/>
-            <a:ext cx="11029616" cy="988332"/>
-          </a:xfrm>
-        </p:spPr>
+        <p:spPr/>
         <p:txBody>
           <a:bodyPr/>
           <a:lstStyle/>
@@ -1554,12 +1310,19 @@
               <a:rPr lang="en-US"/>
               <a:t>Click to edit Master title style</a:t>
             </a:r>
-          </a:p>
-        </p:txBody>
-      </p:sp>
-      <p:sp>
-        <p:nvSpPr>
-          <p:cNvPr id="3" name="Content Placeholder 2"/>
+            <a:endParaRPr lang="en-GB"/>
+          </a:p>
+        </p:txBody>
+      </p:sp>
+      <p:sp>
+        <p:nvSpPr>
+          <p:cNvPr id="3" name="Content Placeholder 2">
+            <a:extLst>
+              <a:ext uri="{FF2B5EF4-FFF2-40B4-BE49-F238E27FC236}">
+                <a16:creationId xmlns:a16="http://schemas.microsoft.com/office/drawing/2014/main" id="{29E71CA7-C5C0-4ADF-8A74-2DD371B5C397}"/>
+              </a:ext>
+            </a:extLst>
+          </p:cNvPr>
           <p:cNvSpPr>
             <a:spLocks noGrp="1"/>
           </p:cNvSpPr>
@@ -1569,20 +1332,18 @@
         </p:nvSpPr>
         <p:spPr>
           <a:xfrm>
-            <a:off x="581193" y="2228003"/>
-            <a:ext cx="5422390" cy="3633047"/>
-          </a:xfrm>
-        </p:spPr>
-        <p:txBody>
-          <a:bodyPr>
-            <a:normAutofit/>
-          </a:bodyPr>
+            <a:off x="838200" y="1825625"/>
+            <a:ext cx="5181600" cy="4351338"/>
+          </a:xfrm>
+        </p:spPr>
+        <p:txBody>
+          <a:bodyPr/>
           <a:lstStyle/>
           <a:p>
             <a:pPr lvl="0"/>
             <a:r>
               <a:rPr lang="en-US"/>
-              <a:t>Click to edit Master text styles</a:t>
+              <a:t>Edit Master text styles</a:t>
             </a:r>
           </a:p>
           <a:p>
@@ -1612,12 +1373,19 @@
               <a:rPr lang="en-US"/>
               <a:t>Fifth level</a:t>
             </a:r>
-          </a:p>
-        </p:txBody>
-      </p:sp>
-      <p:sp>
-        <p:nvSpPr>
-          <p:cNvPr id="4" name="Content Placeholder 3"/>
+            <a:endParaRPr lang="en-GB"/>
+          </a:p>
+        </p:txBody>
+      </p:sp>
+      <p:sp>
+        <p:nvSpPr>
+          <p:cNvPr id="4" name="Content Placeholder 3">
+            <a:extLst>
+              <a:ext uri="{FF2B5EF4-FFF2-40B4-BE49-F238E27FC236}">
+                <a16:creationId xmlns:a16="http://schemas.microsoft.com/office/drawing/2014/main" id="{FA6408EA-CCE4-4409-95DF-321DF8CCCC42}"/>
+              </a:ext>
+            </a:extLst>
+          </p:cNvPr>
           <p:cNvSpPr>
             <a:spLocks noGrp="1"/>
           </p:cNvSpPr>
@@ -1627,20 +1395,18 @@
         </p:nvSpPr>
         <p:spPr>
           <a:xfrm>
-            <a:off x="6188417" y="2228003"/>
-            <a:ext cx="5422392" cy="3633047"/>
-          </a:xfrm>
-        </p:spPr>
-        <p:txBody>
-          <a:bodyPr>
-            <a:normAutofit/>
-          </a:bodyPr>
+            <a:off x="6172200" y="1825625"/>
+            <a:ext cx="5181600" cy="4351338"/>
+          </a:xfrm>
+        </p:spPr>
+        <p:txBody>
+          <a:bodyPr/>
           <a:lstStyle/>
           <a:p>
             <a:pPr lvl="0"/>
             <a:r>
               <a:rPr lang="en-US"/>
-              <a:t>Click to edit Master text styles</a:t>
+              <a:t>Edit Master text styles</a:t>
             </a:r>
           </a:p>
           <a:p>
@@ -1670,12 +1436,19 @@
               <a:rPr lang="en-US"/>
               <a:t>Fifth level</a:t>
             </a:r>
-          </a:p>
-        </p:txBody>
-      </p:sp>
-      <p:sp>
-        <p:nvSpPr>
-          <p:cNvPr id="5" name="Date Placeholder 4"/>
+            <a:endParaRPr lang="en-GB"/>
+          </a:p>
+        </p:txBody>
+      </p:sp>
+      <p:sp>
+        <p:nvSpPr>
+          <p:cNvPr id="5" name="Date Placeholder 4">
+            <a:extLst>
+              <a:ext uri="{FF2B5EF4-FFF2-40B4-BE49-F238E27FC236}">
+                <a16:creationId xmlns:a16="http://schemas.microsoft.com/office/drawing/2014/main" id="{EFD3F515-8CB1-4BC4-AF60-1190566A231F}"/>
+              </a:ext>
+            </a:extLst>
+          </p:cNvPr>
           <p:cNvSpPr>
             <a:spLocks noGrp="1"/>
           </p:cNvSpPr>
@@ -1689,7 +1462,7 @@
           <a:lstStyle/>
           <a:p>
             <a:fld id="{B61BEF0D-F0BB-DE4B-95CE-6DB70DBA9567}" type="datetimeFigureOut">
-              <a:rPr lang="en-US" dirty="0"/>
+              <a:rPr lang="en-US" smtClean="0"/>
               <a:pPr/>
               <a:t>11/7/2017</a:t>
             </a:fld>
@@ -1699,7 +1472,13 @@
       </p:sp>
       <p:sp>
         <p:nvSpPr>
-          <p:cNvPr id="6" name="Footer Placeholder 5"/>
+          <p:cNvPr id="6" name="Footer Placeholder 5">
+            <a:extLst>
+              <a:ext uri="{FF2B5EF4-FFF2-40B4-BE49-F238E27FC236}">
+                <a16:creationId xmlns:a16="http://schemas.microsoft.com/office/drawing/2014/main" id="{133C352F-77AE-4B6C-962A-EF90991D6967}"/>
+              </a:ext>
+            </a:extLst>
+          </p:cNvPr>
           <p:cNvSpPr>
             <a:spLocks noGrp="1"/>
           </p:cNvSpPr>
@@ -1718,7 +1497,13 @@
       </p:sp>
       <p:sp>
         <p:nvSpPr>
-          <p:cNvPr id="7" name="Slide Number Placeholder 6"/>
+          <p:cNvPr id="7" name="Slide Number Placeholder 6">
+            <a:extLst>
+              <a:ext uri="{FF2B5EF4-FFF2-40B4-BE49-F238E27FC236}">
+                <a16:creationId xmlns:a16="http://schemas.microsoft.com/office/drawing/2014/main" id="{E288C6F9-D803-4BA6-AB2A-56FB0FF5284A}"/>
+              </a:ext>
+            </a:extLst>
+          </p:cNvPr>
           <p:cNvSpPr>
             <a:spLocks noGrp="1"/>
           </p:cNvSpPr>
@@ -1732,7 +1517,7 @@
           <a:lstStyle/>
           <a:p>
             <a:fld id="{D57F1E4F-1CFF-5643-939E-217C01CDF565}" type="slidenum">
-              <a:rPr lang="en-US" dirty="0"/>
+              <a:rPr lang="en-US" smtClean="0"/>
               <a:pPr/>
               <a:t>‹#›</a:t>
             </a:fld>
@@ -1741,6 +1526,11 @@
         </p:txBody>
       </p:sp>
     </p:spTree>
+    <p:extLst>
+      <p:ext uri="{BB962C8B-B14F-4D97-AF65-F5344CB8AC3E}">
+        <p14:creationId xmlns:p14="http://schemas.microsoft.com/office/powerpoint/2010/main" val="708148838"/>
+      </p:ext>
+    </p:extLst>
   </p:cSld>
   <p:clrMapOvr>
     <a:masterClrMapping/>
@@ -1767,57 +1557,24 @@
       </p:grpSpPr>
       <p:sp>
         <p:nvSpPr>
-          <p:cNvPr id="11" name="Rectangle 10"/>
-          <p:cNvSpPr>
-            <a:spLocks noChangeAspect="1"/>
-          </p:cNvSpPr>
-          <p:nvPr/>
+          <p:cNvPr id="2" name="Title 1">
+            <a:extLst>
+              <a:ext uri="{FF2B5EF4-FFF2-40B4-BE49-F238E27FC236}">
+                <a16:creationId xmlns:a16="http://schemas.microsoft.com/office/drawing/2014/main" id="{3DE0D4FE-D954-4605-9D25-7425DCD99A05}"/>
+              </a:ext>
+            </a:extLst>
+          </p:cNvPr>
+          <p:cNvSpPr>
+            <a:spLocks noGrp="1"/>
+          </p:cNvSpPr>
+          <p:nvPr>
+            <p:ph type="title"/>
+          </p:nvPr>
         </p:nvSpPr>
         <p:spPr>
           <a:xfrm>
-            <a:off x="445982" y="606554"/>
-            <a:ext cx="11300036" cy="1258827"/>
-          </a:xfrm>
-          <a:prstGeom prst="rect">
-            <a:avLst/>
-          </a:prstGeom>
-          <a:solidFill>
-            <a:schemeClr val="accent1"/>
-          </a:solidFill>
-          <a:ln>
-            <a:noFill/>
-          </a:ln>
-          <a:effectLst/>
-        </p:spPr>
-        <p:style>
-          <a:lnRef idx="1">
-            <a:schemeClr val="accent1"/>
-          </a:lnRef>
-          <a:fillRef idx="3">
-            <a:schemeClr val="accent1"/>
-          </a:fillRef>
-          <a:effectRef idx="2">
-            <a:schemeClr val="accent1"/>
-          </a:effectRef>
-          <a:fontRef idx="minor">
-            <a:schemeClr val="lt1"/>
-          </a:fontRef>
-        </p:style>
-      </p:sp>
-      <p:sp>
-        <p:nvSpPr>
-          <p:cNvPr id="12" name="Title 1"/>
-          <p:cNvSpPr>
-            <a:spLocks noGrp="1"/>
-          </p:cNvSpPr>
-          <p:nvPr>
-            <p:ph type="title"/>
-          </p:nvPr>
-        </p:nvSpPr>
-        <p:spPr>
-          <a:xfrm>
-            <a:off x="581193" y="729658"/>
-            <a:ext cx="11029616" cy="988332"/>
+            <a:off x="839788" y="365125"/>
+            <a:ext cx="10515600" cy="1325563"/>
           </a:xfrm>
         </p:spPr>
         <p:txBody>
@@ -1828,12 +1585,19 @@
               <a:rPr lang="en-US"/>
               <a:t>Click to edit Master title style</a:t>
             </a:r>
-          </a:p>
-        </p:txBody>
-      </p:sp>
-      <p:sp>
-        <p:nvSpPr>
-          <p:cNvPr id="3" name="Text Placeholder 2"/>
+            <a:endParaRPr lang="en-GB"/>
+          </a:p>
+        </p:txBody>
+      </p:sp>
+      <p:sp>
+        <p:nvSpPr>
+          <p:cNvPr id="3" name="Text Placeholder 2">
+            <a:extLst>
+              <a:ext uri="{FF2B5EF4-FFF2-40B4-BE49-F238E27FC236}">
+                <a16:creationId xmlns:a16="http://schemas.microsoft.com/office/drawing/2014/main" id="{BE9C0556-A652-42FA-80C0-EEFFC2933941}"/>
+              </a:ext>
+            </a:extLst>
+          </p:cNvPr>
           <p:cNvSpPr>
             <a:spLocks noGrp="1"/>
           </p:cNvSpPr>
@@ -1843,22 +1607,16 @@
         </p:nvSpPr>
         <p:spPr>
           <a:xfrm>
-            <a:off x="887219" y="2250892"/>
-            <a:ext cx="5087075" cy="536005"/>
-          </a:xfrm>
-        </p:spPr>
-        <p:txBody>
-          <a:bodyPr anchor="b">
-            <a:noAutofit/>
-          </a:bodyPr>
+            <a:off x="839788" y="1681163"/>
+            <a:ext cx="5157787" cy="823912"/>
+          </a:xfrm>
+        </p:spPr>
+        <p:txBody>
+          <a:bodyPr anchor="b"/>
           <a:lstStyle>
             <a:lvl1pPr marL="0" indent="0">
               <a:buNone/>
-              <a:defRPr sz="2200" b="0">
-                <a:solidFill>
-                  <a:schemeClr val="accent2"/>
-                </a:solidFill>
-              </a:defRPr>
+              <a:defRPr sz="2400" b="1"/>
             </a:lvl1pPr>
             <a:lvl2pPr marL="457200" indent="0">
               <a:buNone/>
@@ -1897,14 +1655,20 @@
             <a:pPr lvl="0"/>
             <a:r>
               <a:rPr lang="en-US"/>
-              <a:t>Click to edit Master text styles</a:t>
-            </a:r>
-          </a:p>
-        </p:txBody>
-      </p:sp>
-      <p:sp>
-        <p:nvSpPr>
-          <p:cNvPr id="4" name="Content Placeholder 3"/>
+              <a:t>Edit Master text styles</a:t>
+            </a:r>
+          </a:p>
+        </p:txBody>
+      </p:sp>
+      <p:sp>
+        <p:nvSpPr>
+          <p:cNvPr id="4" name="Content Placeholder 3">
+            <a:extLst>
+              <a:ext uri="{FF2B5EF4-FFF2-40B4-BE49-F238E27FC236}">
+                <a16:creationId xmlns:a16="http://schemas.microsoft.com/office/drawing/2014/main" id="{0EBA7ABB-5E4B-4B69-8422-BA381448074B}"/>
+              </a:ext>
+            </a:extLst>
+          </p:cNvPr>
           <p:cNvSpPr>
             <a:spLocks noGrp="1"/>
           </p:cNvSpPr>
@@ -1914,20 +1678,18 @@
         </p:nvSpPr>
         <p:spPr>
           <a:xfrm>
-            <a:off x="581194" y="2926052"/>
-            <a:ext cx="5393100" cy="2934999"/>
-          </a:xfrm>
-        </p:spPr>
-        <p:txBody>
-          <a:bodyPr anchor="t">
-            <a:normAutofit/>
-          </a:bodyPr>
+            <a:off x="839788" y="2505075"/>
+            <a:ext cx="5157787" cy="3684588"/>
+          </a:xfrm>
+        </p:spPr>
+        <p:txBody>
+          <a:bodyPr/>
           <a:lstStyle/>
           <a:p>
             <a:pPr lvl="0"/>
             <a:r>
               <a:rPr lang="en-US"/>
-              <a:t>Click to edit Master text styles</a:t>
+              <a:t>Edit Master text styles</a:t>
             </a:r>
           </a:p>
           <a:p>
@@ -1957,12 +1719,19 @@
               <a:rPr lang="en-US"/>
               <a:t>Fifth level</a:t>
             </a:r>
-          </a:p>
-        </p:txBody>
-      </p:sp>
-      <p:sp>
-        <p:nvSpPr>
-          <p:cNvPr id="5" name="Text Placeholder 4"/>
+            <a:endParaRPr lang="en-GB"/>
+          </a:p>
+        </p:txBody>
+      </p:sp>
+      <p:sp>
+        <p:nvSpPr>
+          <p:cNvPr id="5" name="Text Placeholder 4">
+            <a:extLst>
+              <a:ext uri="{FF2B5EF4-FFF2-40B4-BE49-F238E27FC236}">
+                <a16:creationId xmlns:a16="http://schemas.microsoft.com/office/drawing/2014/main" id="{B8C6AA42-0962-42FD-A009-B272BF50724B}"/>
+              </a:ext>
+            </a:extLst>
+          </p:cNvPr>
           <p:cNvSpPr>
             <a:spLocks noGrp="1"/>
           </p:cNvSpPr>
@@ -1972,22 +1741,16 @@
         </p:nvSpPr>
         <p:spPr>
           <a:xfrm>
-            <a:off x="6523735" y="2250892"/>
-            <a:ext cx="5087073" cy="553373"/>
-          </a:xfrm>
-        </p:spPr>
-        <p:txBody>
-          <a:bodyPr anchor="b">
-            <a:noAutofit/>
-          </a:bodyPr>
+            <a:off x="6172200" y="1681163"/>
+            <a:ext cx="5183188" cy="823912"/>
+          </a:xfrm>
+        </p:spPr>
+        <p:txBody>
+          <a:bodyPr anchor="b"/>
           <a:lstStyle>
             <a:lvl1pPr marL="0" indent="0">
               <a:buNone/>
-              <a:defRPr sz="2200" b="0">
-                <a:solidFill>
-                  <a:schemeClr val="accent2"/>
-                </a:solidFill>
-              </a:defRPr>
+              <a:defRPr sz="2400" b="1"/>
             </a:lvl1pPr>
             <a:lvl2pPr marL="457200" indent="0">
               <a:buNone/>
@@ -2026,14 +1789,20 @@
             <a:pPr lvl="0"/>
             <a:r>
               <a:rPr lang="en-US"/>
-              <a:t>Click to edit Master text styles</a:t>
-            </a:r>
-          </a:p>
-        </p:txBody>
-      </p:sp>
-      <p:sp>
-        <p:nvSpPr>
-          <p:cNvPr id="6" name="Content Placeholder 5"/>
+              <a:t>Edit Master text styles</a:t>
+            </a:r>
+          </a:p>
+        </p:txBody>
+      </p:sp>
+      <p:sp>
+        <p:nvSpPr>
+          <p:cNvPr id="6" name="Content Placeholder 5">
+            <a:extLst>
+              <a:ext uri="{FF2B5EF4-FFF2-40B4-BE49-F238E27FC236}">
+                <a16:creationId xmlns:a16="http://schemas.microsoft.com/office/drawing/2014/main" id="{2DCD1209-0565-4335-9F2E-CB0A7BD08323}"/>
+              </a:ext>
+            </a:extLst>
+          </p:cNvPr>
           <p:cNvSpPr>
             <a:spLocks noGrp="1"/>
           </p:cNvSpPr>
@@ -2043,20 +1812,18 @@
         </p:nvSpPr>
         <p:spPr>
           <a:xfrm>
-            <a:off x="6217709" y="2926052"/>
-            <a:ext cx="5393100" cy="2934999"/>
-          </a:xfrm>
-        </p:spPr>
-        <p:txBody>
-          <a:bodyPr anchor="t">
-            <a:normAutofit/>
-          </a:bodyPr>
+            <a:off x="6172200" y="2505075"/>
+            <a:ext cx="5183188" cy="3684588"/>
+          </a:xfrm>
+        </p:spPr>
+        <p:txBody>
+          <a:bodyPr/>
           <a:lstStyle/>
           <a:p>
             <a:pPr lvl="0"/>
             <a:r>
               <a:rPr lang="en-US"/>
-              <a:t>Click to edit Master text styles</a:t>
+              <a:t>Edit Master text styles</a:t>
             </a:r>
           </a:p>
           <a:p>
@@ -2086,12 +1853,19 @@
               <a:rPr lang="en-US"/>
               <a:t>Fifth level</a:t>
             </a:r>
-          </a:p>
-        </p:txBody>
-      </p:sp>
-      <p:sp>
-        <p:nvSpPr>
-          <p:cNvPr id="7" name="Date Placeholder 6"/>
+            <a:endParaRPr lang="en-GB"/>
+          </a:p>
+        </p:txBody>
+      </p:sp>
+      <p:sp>
+        <p:nvSpPr>
+          <p:cNvPr id="7" name="Date Placeholder 6">
+            <a:extLst>
+              <a:ext uri="{FF2B5EF4-FFF2-40B4-BE49-F238E27FC236}">
+                <a16:creationId xmlns:a16="http://schemas.microsoft.com/office/drawing/2014/main" id="{A828476E-FE3A-4068-9D29-D3FC7B55944D}"/>
+              </a:ext>
+            </a:extLst>
+          </p:cNvPr>
           <p:cNvSpPr>
             <a:spLocks noGrp="1"/>
           </p:cNvSpPr>
@@ -2105,7 +1879,7 @@
           <a:lstStyle/>
           <a:p>
             <a:fld id="{B61BEF0D-F0BB-DE4B-95CE-6DB70DBA9567}" type="datetimeFigureOut">
-              <a:rPr lang="en-US" dirty="0"/>
+              <a:rPr lang="en-US" smtClean="0"/>
               <a:pPr/>
               <a:t>11/7/2017</a:t>
             </a:fld>
@@ -2115,7 +1889,13 @@
       </p:sp>
       <p:sp>
         <p:nvSpPr>
-          <p:cNvPr id="8" name="Footer Placeholder 7"/>
+          <p:cNvPr id="8" name="Footer Placeholder 7">
+            <a:extLst>
+              <a:ext uri="{FF2B5EF4-FFF2-40B4-BE49-F238E27FC236}">
+                <a16:creationId xmlns:a16="http://schemas.microsoft.com/office/drawing/2014/main" id="{52F2DFE6-D20C-401B-95C3-CF39B1EE1F21}"/>
+              </a:ext>
+            </a:extLst>
+          </p:cNvPr>
           <p:cNvSpPr>
             <a:spLocks noGrp="1"/>
           </p:cNvSpPr>
@@ -2134,7 +1914,13 @@
       </p:sp>
       <p:sp>
         <p:nvSpPr>
-          <p:cNvPr id="9" name="Slide Number Placeholder 8"/>
+          <p:cNvPr id="9" name="Slide Number Placeholder 8">
+            <a:extLst>
+              <a:ext uri="{FF2B5EF4-FFF2-40B4-BE49-F238E27FC236}">
+                <a16:creationId xmlns:a16="http://schemas.microsoft.com/office/drawing/2014/main" id="{40098D8A-AB4D-4E50-B9D4-A84120ABF5FB}"/>
+              </a:ext>
+            </a:extLst>
+          </p:cNvPr>
           <p:cNvSpPr>
             <a:spLocks noGrp="1"/>
           </p:cNvSpPr>
@@ -2148,7 +1934,7 @@
           <a:lstStyle/>
           <a:p>
             <a:fld id="{D57F1E4F-1CFF-5643-939E-217C01CDF565}" type="slidenum">
-              <a:rPr lang="en-US" dirty="0"/>
+              <a:rPr lang="en-US" smtClean="0"/>
               <a:pPr/>
               <a:t>‹#›</a:t>
             </a:fld>
@@ -2157,6 +1943,11 @@
         </p:txBody>
       </p:sp>
     </p:spTree>
+    <p:extLst>
+      <p:ext uri="{BB962C8B-B14F-4D97-AF65-F5344CB8AC3E}">
+        <p14:creationId xmlns:p14="http://schemas.microsoft.com/office/powerpoint/2010/main" val="3276534047"/>
+      </p:ext>
+    </p:extLst>
   </p:cSld>
   <p:clrMapOvr>
     <a:masterClrMapping/>
@@ -2183,46 +1974,13 @@
       </p:grpSpPr>
       <p:sp>
         <p:nvSpPr>
-          <p:cNvPr id="7" name="Rectangle 6"/>
-          <p:cNvSpPr>
-            <a:spLocks noChangeAspect="1"/>
-          </p:cNvSpPr>
-          <p:nvPr/>
-        </p:nvSpPr>
-        <p:spPr>
-          <a:xfrm>
-            <a:off x="440683" y="606554"/>
-            <a:ext cx="11300036" cy="1258827"/>
-          </a:xfrm>
-          <a:prstGeom prst="rect">
-            <a:avLst/>
-          </a:prstGeom>
-          <a:solidFill>
-            <a:schemeClr val="accent1"/>
-          </a:solidFill>
-          <a:ln>
-            <a:noFill/>
-          </a:ln>
-          <a:effectLst/>
-        </p:spPr>
-        <p:style>
-          <a:lnRef idx="1">
-            <a:schemeClr val="accent1"/>
-          </a:lnRef>
-          <a:fillRef idx="3">
-            <a:schemeClr val="accent1"/>
-          </a:fillRef>
-          <a:effectRef idx="2">
-            <a:schemeClr val="accent1"/>
-          </a:effectRef>
-          <a:fontRef idx="minor">
-            <a:schemeClr val="lt1"/>
-          </a:fontRef>
-        </p:style>
-      </p:sp>
-      <p:sp>
-        <p:nvSpPr>
-          <p:cNvPr id="8" name="Title 1"/>
+          <p:cNvPr id="2" name="Title 1">
+            <a:extLst>
+              <a:ext uri="{FF2B5EF4-FFF2-40B4-BE49-F238E27FC236}">
+                <a16:creationId xmlns:a16="http://schemas.microsoft.com/office/drawing/2014/main" id="{A280364C-8DB3-47A8-BB73-564C129E5DF1}"/>
+              </a:ext>
+            </a:extLst>
+          </p:cNvPr>
           <p:cNvSpPr>
             <a:spLocks noGrp="1"/>
           </p:cNvSpPr>
@@ -2230,12 +1988,7 @@
             <p:ph type="title"/>
           </p:nvPr>
         </p:nvSpPr>
-        <p:spPr>
-          <a:xfrm>
-            <a:off x="575894" y="729658"/>
-            <a:ext cx="11029616" cy="988332"/>
-          </a:xfrm>
-        </p:spPr>
+        <p:spPr/>
         <p:txBody>
           <a:bodyPr/>
           <a:lstStyle/>
@@ -2244,12 +1997,19 @@
               <a:rPr lang="en-US"/>
               <a:t>Click to edit Master title style</a:t>
             </a:r>
-          </a:p>
-        </p:txBody>
-      </p:sp>
-      <p:sp>
-        <p:nvSpPr>
-          <p:cNvPr id="3" name="Date Placeholder 2"/>
+            <a:endParaRPr lang="en-GB"/>
+          </a:p>
+        </p:txBody>
+      </p:sp>
+      <p:sp>
+        <p:nvSpPr>
+          <p:cNvPr id="3" name="Date Placeholder 2">
+            <a:extLst>
+              <a:ext uri="{FF2B5EF4-FFF2-40B4-BE49-F238E27FC236}">
+                <a16:creationId xmlns:a16="http://schemas.microsoft.com/office/drawing/2014/main" id="{7C4770A4-2757-4345-B3B4-93620AFCFF4E}"/>
+              </a:ext>
+            </a:extLst>
+          </p:cNvPr>
           <p:cNvSpPr>
             <a:spLocks noGrp="1"/>
           </p:cNvSpPr>
@@ -2263,7 +2023,7 @@
           <a:lstStyle/>
           <a:p>
             <a:fld id="{B61BEF0D-F0BB-DE4B-95CE-6DB70DBA9567}" type="datetimeFigureOut">
-              <a:rPr lang="en-US" dirty="0"/>
+              <a:rPr lang="en-US" smtClean="0"/>
               <a:pPr/>
               <a:t>11/7/2017</a:t>
             </a:fld>
@@ -2273,7 +2033,13 @@
       </p:sp>
       <p:sp>
         <p:nvSpPr>
-          <p:cNvPr id="4" name="Footer Placeholder 3"/>
+          <p:cNvPr id="4" name="Footer Placeholder 3">
+            <a:extLst>
+              <a:ext uri="{FF2B5EF4-FFF2-40B4-BE49-F238E27FC236}">
+                <a16:creationId xmlns:a16="http://schemas.microsoft.com/office/drawing/2014/main" id="{93B42834-584A-4C13-8086-FFAD67A9092F}"/>
+              </a:ext>
+            </a:extLst>
+          </p:cNvPr>
           <p:cNvSpPr>
             <a:spLocks noGrp="1"/>
           </p:cNvSpPr>
@@ -2292,7 +2058,13 @@
       </p:sp>
       <p:sp>
         <p:nvSpPr>
-          <p:cNvPr id="5" name="Slide Number Placeholder 4"/>
+          <p:cNvPr id="5" name="Slide Number Placeholder 4">
+            <a:extLst>
+              <a:ext uri="{FF2B5EF4-FFF2-40B4-BE49-F238E27FC236}">
+                <a16:creationId xmlns:a16="http://schemas.microsoft.com/office/drawing/2014/main" id="{A09209C6-BF28-4A2D-A12B-94CE4DC4FE2B}"/>
+              </a:ext>
+            </a:extLst>
+          </p:cNvPr>
           <p:cNvSpPr>
             <a:spLocks noGrp="1"/>
           </p:cNvSpPr>
@@ -2306,7 +2078,7 @@
           <a:lstStyle/>
           <a:p>
             <a:fld id="{D57F1E4F-1CFF-5643-939E-217C01CDF565}" type="slidenum">
-              <a:rPr lang="en-US" dirty="0"/>
+              <a:rPr lang="en-US" smtClean="0"/>
               <a:pPr/>
               <a:t>‹#›</a:t>
             </a:fld>
@@ -2315,6 +2087,11 @@
         </p:txBody>
       </p:sp>
     </p:spTree>
+    <p:extLst>
+      <p:ext uri="{BB962C8B-B14F-4D97-AF65-F5344CB8AC3E}">
+        <p14:creationId xmlns:p14="http://schemas.microsoft.com/office/powerpoint/2010/main" val="1803976137"/>
+      </p:ext>
+    </p:extLst>
   </p:cSld>
   <p:clrMapOvr>
     <a:masterClrMapping/>
@@ -2341,7 +2118,13 @@
       </p:grpSpPr>
       <p:sp>
         <p:nvSpPr>
-          <p:cNvPr id="2" name="Date Placeholder 1"/>
+          <p:cNvPr id="2" name="Date Placeholder 1">
+            <a:extLst>
+              <a:ext uri="{FF2B5EF4-FFF2-40B4-BE49-F238E27FC236}">
+                <a16:creationId xmlns:a16="http://schemas.microsoft.com/office/drawing/2014/main" id="{BDDEBB05-6288-4AD8-BF1C-D369B0482E28}"/>
+              </a:ext>
+            </a:extLst>
+          </p:cNvPr>
           <p:cNvSpPr>
             <a:spLocks noGrp="1"/>
           </p:cNvSpPr>
@@ -2355,7 +2138,7 @@
           <a:lstStyle/>
           <a:p>
             <a:fld id="{B61BEF0D-F0BB-DE4B-95CE-6DB70DBA9567}" type="datetimeFigureOut">
-              <a:rPr lang="en-US" dirty="0"/>
+              <a:rPr lang="en-US" smtClean="0"/>
               <a:pPr/>
               <a:t>11/7/2017</a:t>
             </a:fld>
@@ -2365,7 +2148,13 @@
       </p:sp>
       <p:sp>
         <p:nvSpPr>
-          <p:cNvPr id="3" name="Footer Placeholder 2"/>
+          <p:cNvPr id="3" name="Footer Placeholder 2">
+            <a:extLst>
+              <a:ext uri="{FF2B5EF4-FFF2-40B4-BE49-F238E27FC236}">
+                <a16:creationId xmlns:a16="http://schemas.microsoft.com/office/drawing/2014/main" id="{4A467CC3-B439-4E02-A1BB-3F996B975A41}"/>
+              </a:ext>
+            </a:extLst>
+          </p:cNvPr>
           <p:cNvSpPr>
             <a:spLocks noGrp="1"/>
           </p:cNvSpPr>
@@ -2384,7 +2173,13 @@
       </p:sp>
       <p:sp>
         <p:nvSpPr>
-          <p:cNvPr id="4" name="Slide Number Placeholder 3"/>
+          <p:cNvPr id="4" name="Slide Number Placeholder 3">
+            <a:extLst>
+              <a:ext uri="{FF2B5EF4-FFF2-40B4-BE49-F238E27FC236}">
+                <a16:creationId xmlns:a16="http://schemas.microsoft.com/office/drawing/2014/main" id="{6FC557D0-3EF0-4C28-824E-4314A10ACB26}"/>
+              </a:ext>
+            </a:extLst>
+          </p:cNvPr>
           <p:cNvSpPr>
             <a:spLocks noGrp="1"/>
           </p:cNvSpPr>
@@ -2398,7 +2193,7 @@
           <a:lstStyle/>
           <a:p>
             <a:fld id="{D57F1E4F-1CFF-5643-939E-217C01CDF565}" type="slidenum">
-              <a:rPr lang="en-US" dirty="0"/>
+              <a:rPr lang="en-US" smtClean="0"/>
               <a:pPr/>
               <a:t>‹#›</a:t>
             </a:fld>
@@ -2407,6 +2202,11 @@
         </p:txBody>
       </p:sp>
     </p:spTree>
+    <p:extLst>
+      <p:ext uri="{BB962C8B-B14F-4D97-AF65-F5344CB8AC3E}">
+        <p14:creationId xmlns:p14="http://schemas.microsoft.com/office/powerpoint/2010/main" val="2918751497"/>
+      </p:ext>
+    </p:extLst>
   </p:cSld>
   <p:clrMapOvr>
     <a:masterClrMapping/>
@@ -2433,71 +2233,31 @@
       </p:grpSpPr>
       <p:sp>
         <p:nvSpPr>
-          <p:cNvPr id="9" name="Rectangle 8"/>
-          <p:cNvSpPr>
-            <a:spLocks noChangeAspect="1"/>
-          </p:cNvSpPr>
-          <p:nvPr/>
+          <p:cNvPr id="2" name="Title 1">
+            <a:extLst>
+              <a:ext uri="{FF2B5EF4-FFF2-40B4-BE49-F238E27FC236}">
+                <a16:creationId xmlns:a16="http://schemas.microsoft.com/office/drawing/2014/main" id="{DDD6F6EE-FAB4-4EA2-989D-CC0C2B2DC1D2}"/>
+              </a:ext>
+            </a:extLst>
+          </p:cNvPr>
+          <p:cNvSpPr>
+            <a:spLocks noGrp="1"/>
+          </p:cNvSpPr>
+          <p:nvPr>
+            <p:ph type="title"/>
+          </p:nvPr>
         </p:nvSpPr>
         <p:spPr>
           <a:xfrm>
-            <a:off x="447817" y="5141973"/>
-            <a:ext cx="11298200" cy="1274702"/>
-          </a:xfrm>
-          <a:prstGeom prst="rect">
-            <a:avLst/>
-          </a:prstGeom>
-          <a:solidFill>
-            <a:schemeClr val="accent1"/>
-          </a:solidFill>
-          <a:ln>
-            <a:noFill/>
-          </a:ln>
-          <a:effectLst/>
-        </p:spPr>
-        <p:style>
-          <a:lnRef idx="1">
-            <a:schemeClr val="accent1"/>
-          </a:lnRef>
-          <a:fillRef idx="3">
-            <a:schemeClr val="accent1"/>
-          </a:fillRef>
-          <a:effectRef idx="2">
-            <a:schemeClr val="accent1"/>
-          </a:effectRef>
-          <a:fontRef idx="minor">
-            <a:schemeClr val="lt1"/>
-          </a:fontRef>
-        </p:style>
-      </p:sp>
-      <p:sp>
-        <p:nvSpPr>
-          <p:cNvPr id="2" name="Title 1"/>
-          <p:cNvSpPr>
-            <a:spLocks noGrp="1"/>
-          </p:cNvSpPr>
-          <p:nvPr>
-            <p:ph type="title"/>
-          </p:nvPr>
-        </p:nvSpPr>
-        <p:spPr>
-          <a:xfrm>
-            <a:off x="581192" y="5262296"/>
-            <a:ext cx="4909445" cy="689514"/>
-          </a:xfrm>
-        </p:spPr>
-        <p:txBody>
-          <a:bodyPr anchor="ctr"/>
+            <a:off x="839788" y="457200"/>
+            <a:ext cx="3932237" cy="1600200"/>
+          </a:xfrm>
+        </p:spPr>
+        <p:txBody>
+          <a:bodyPr anchor="b"/>
           <a:lstStyle>
-            <a:lvl1pPr algn="l">
-              <a:defRPr sz="2000" b="0">
-                <a:solidFill>
-                  <a:schemeClr val="accent1">
-                    <a:lumMod val="75000"/>
-                    <a:lumOff val="25000"/>
-                  </a:schemeClr>
-                </a:solidFill>
-              </a:defRPr>
+            <a:lvl1pPr>
+              <a:defRPr sz="3200"/>
             </a:lvl1pPr>
           </a:lstStyle>
           <a:p>
@@ -2505,12 +2265,19 @@
               <a:rPr lang="en-US"/>
               <a:t>Click to edit Master title style</a:t>
             </a:r>
-          </a:p>
-        </p:txBody>
-      </p:sp>
-      <p:sp>
-        <p:nvSpPr>
-          <p:cNvPr id="3" name="Content Placeholder 2"/>
+            <a:endParaRPr lang="en-GB"/>
+          </a:p>
+        </p:txBody>
+      </p:sp>
+      <p:sp>
+        <p:nvSpPr>
+          <p:cNvPr id="3" name="Content Placeholder 2">
+            <a:extLst>
+              <a:ext uri="{FF2B5EF4-FFF2-40B4-BE49-F238E27FC236}">
+                <a16:creationId xmlns:a16="http://schemas.microsoft.com/office/drawing/2014/main" id="{79165165-C951-4916-9E31-B4C1CAFD2910}"/>
+              </a:ext>
+            </a:extLst>
+          </p:cNvPr>
           <p:cNvSpPr>
             <a:spLocks noGrp="1"/>
           </p:cNvSpPr>
@@ -2520,215 +2287,173 @@
         </p:nvSpPr>
         <p:spPr>
           <a:xfrm>
-            <a:off x="447816" y="601200"/>
-            <a:ext cx="11292840" cy="4204800"/>
-          </a:xfrm>
-        </p:spPr>
-        <p:txBody>
-          <a:bodyPr anchor="ctr">
-            <a:normAutofit/>
-          </a:bodyPr>
-          <a:lstStyle>
-            <a:lvl1pPr>
-              <a:defRPr sz="2000">
-                <a:solidFill>
-                  <a:schemeClr val="tx2"/>
-                </a:solidFill>
-              </a:defRPr>
-            </a:lvl1pPr>
-            <a:lvl2pPr>
-              <a:defRPr sz="1800">
-                <a:solidFill>
-                  <a:schemeClr val="tx2"/>
-                </a:solidFill>
-              </a:defRPr>
-            </a:lvl2pPr>
-            <a:lvl3pPr>
-              <a:defRPr sz="1600">
-                <a:solidFill>
-                  <a:schemeClr val="tx2"/>
-                </a:solidFill>
-              </a:defRPr>
-            </a:lvl3pPr>
-            <a:lvl4pPr>
-              <a:defRPr sz="1400">
-                <a:solidFill>
-                  <a:schemeClr val="tx2"/>
-                </a:solidFill>
-              </a:defRPr>
-            </a:lvl4pPr>
-            <a:lvl5pPr>
-              <a:defRPr sz="1400">
-                <a:solidFill>
-                  <a:schemeClr val="tx2"/>
-                </a:solidFill>
-              </a:defRPr>
-            </a:lvl5pPr>
-            <a:lvl6pPr>
-              <a:defRPr sz="1400">
-                <a:solidFill>
-                  <a:schemeClr val="tx2"/>
-                </a:solidFill>
-              </a:defRPr>
-            </a:lvl6pPr>
-            <a:lvl7pPr>
-              <a:defRPr sz="1400">
-                <a:solidFill>
-                  <a:schemeClr val="tx2"/>
-                </a:solidFill>
-              </a:defRPr>
-            </a:lvl7pPr>
-            <a:lvl8pPr>
-              <a:defRPr sz="1400">
-                <a:solidFill>
-                  <a:schemeClr val="tx2"/>
-                </a:solidFill>
-              </a:defRPr>
-            </a:lvl8pPr>
-            <a:lvl9pPr>
-              <a:defRPr sz="1400">
-                <a:solidFill>
-                  <a:schemeClr val="tx2"/>
-                </a:solidFill>
-              </a:defRPr>
-            </a:lvl9pPr>
-          </a:lstStyle>
-          <a:p>
-            <a:pPr lvl="0"/>
-            <a:r>
-              <a:rPr lang="en-US"/>
-              <a:t>Click to edit Master text styles</a:t>
-            </a:r>
-          </a:p>
-          <a:p>
-            <a:pPr lvl="1"/>
-            <a:r>
-              <a:rPr lang="en-US"/>
-              <a:t>Second level</a:t>
-            </a:r>
-          </a:p>
-          <a:p>
-            <a:pPr lvl="2"/>
-            <a:r>
-              <a:rPr lang="en-US"/>
-              <a:t>Third level</a:t>
-            </a:r>
-          </a:p>
-          <a:p>
-            <a:pPr lvl="3"/>
-            <a:r>
-              <a:rPr lang="en-US"/>
-              <a:t>Fourth level</a:t>
-            </a:r>
-          </a:p>
-          <a:p>
-            <a:pPr lvl="4"/>
-            <a:r>
-              <a:rPr lang="en-US"/>
-              <a:t>Fifth level</a:t>
-            </a:r>
-          </a:p>
-        </p:txBody>
-      </p:sp>
-      <p:sp>
-        <p:nvSpPr>
-          <p:cNvPr id="4" name="Text Placeholder 3"/>
-          <p:cNvSpPr>
-            <a:spLocks noGrp="1"/>
-          </p:cNvSpPr>
-          <p:nvPr>
-            <p:ph type="body" sz="half" idx="2"/>
-          </p:nvPr>
-        </p:nvSpPr>
-        <p:spPr>
-          <a:xfrm>
-            <a:off x="5740823" y="5262296"/>
-            <a:ext cx="5869987" cy="689515"/>
-          </a:xfrm>
-        </p:spPr>
-        <p:txBody>
-          <a:bodyPr anchor="ctr">
-            <a:normAutofit/>
-          </a:bodyPr>
-          <a:lstStyle>
-            <a:lvl1pPr marL="0" indent="0" algn="r">
-              <a:buNone/>
-              <a:defRPr sz="1100">
-                <a:solidFill>
-                  <a:schemeClr val="bg1"/>
-                </a:solidFill>
-              </a:defRPr>
-            </a:lvl1pPr>
-            <a:lvl2pPr marL="457200" indent="0">
-              <a:buNone/>
-              <a:defRPr sz="1100"/>
-            </a:lvl2pPr>
-            <a:lvl3pPr marL="914400" indent="0">
-              <a:buNone/>
-              <a:defRPr sz="1000"/>
-            </a:lvl3pPr>
-            <a:lvl4pPr marL="1371600" indent="0">
-              <a:buNone/>
-              <a:defRPr sz="900"/>
-            </a:lvl4pPr>
-            <a:lvl5pPr marL="1828800" indent="0">
-              <a:buNone/>
-              <a:defRPr sz="900"/>
-            </a:lvl5pPr>
-            <a:lvl6pPr marL="2286000" indent="0">
-              <a:buNone/>
-              <a:defRPr sz="900"/>
-            </a:lvl6pPr>
-            <a:lvl7pPr marL="2743200" indent="0">
-              <a:buNone/>
-              <a:defRPr sz="900"/>
-            </a:lvl7pPr>
-            <a:lvl8pPr marL="3200400" indent="0">
-              <a:buNone/>
-              <a:defRPr sz="900"/>
-            </a:lvl8pPr>
-            <a:lvl9pPr marL="3657600" indent="0">
-              <a:buNone/>
-              <a:defRPr sz="900"/>
-            </a:lvl9pPr>
-          </a:lstStyle>
-          <a:p>
-            <a:pPr lvl="0"/>
-            <a:r>
-              <a:rPr lang="en-US"/>
-              <a:t>Click to edit Master text styles</a:t>
-            </a:r>
-          </a:p>
-        </p:txBody>
-      </p:sp>
-      <p:sp>
-        <p:nvSpPr>
-          <p:cNvPr id="5" name="Date Placeholder 4"/>
-          <p:cNvSpPr>
-            <a:spLocks noGrp="1"/>
-          </p:cNvSpPr>
-          <p:nvPr>
-            <p:ph type="dt" sz="half" idx="10"/>
-          </p:nvPr>
-        </p:nvSpPr>
-        <p:spPr/>
+            <a:off x="5183188" y="987425"/>
+            <a:ext cx="6172200" cy="4873625"/>
+          </a:xfrm>
+        </p:spPr>
         <p:txBody>
           <a:bodyPr/>
           <a:lstStyle>
             <a:lvl1pPr>
-              <a:defRPr>
-                <a:solidFill>
-                  <a:schemeClr val="accent1">
-                    <a:lumMod val="75000"/>
-                    <a:lumOff val="25000"/>
-                  </a:schemeClr>
-                </a:solidFill>
-              </a:defRPr>
+              <a:defRPr sz="3200"/>
             </a:lvl1pPr>
+            <a:lvl2pPr>
+              <a:defRPr sz="2800"/>
+            </a:lvl2pPr>
+            <a:lvl3pPr>
+              <a:defRPr sz="2400"/>
+            </a:lvl3pPr>
+            <a:lvl4pPr>
+              <a:defRPr sz="2000"/>
+            </a:lvl4pPr>
+            <a:lvl5pPr>
+              <a:defRPr sz="2000"/>
+            </a:lvl5pPr>
+            <a:lvl6pPr>
+              <a:defRPr sz="2000"/>
+            </a:lvl6pPr>
+            <a:lvl7pPr>
+              <a:defRPr sz="2000"/>
+            </a:lvl7pPr>
+            <a:lvl8pPr>
+              <a:defRPr sz="2000"/>
+            </a:lvl8pPr>
+            <a:lvl9pPr>
+              <a:defRPr sz="2000"/>
+            </a:lvl9pPr>
           </a:lstStyle>
           <a:p>
+            <a:pPr lvl="0"/>
+            <a:r>
+              <a:rPr lang="en-US"/>
+              <a:t>Edit Master text styles</a:t>
+            </a:r>
+          </a:p>
+          <a:p>
+            <a:pPr lvl="1"/>
+            <a:r>
+              <a:rPr lang="en-US"/>
+              <a:t>Second level</a:t>
+            </a:r>
+          </a:p>
+          <a:p>
+            <a:pPr lvl="2"/>
+            <a:r>
+              <a:rPr lang="en-US"/>
+              <a:t>Third level</a:t>
+            </a:r>
+          </a:p>
+          <a:p>
+            <a:pPr lvl="3"/>
+            <a:r>
+              <a:rPr lang="en-US"/>
+              <a:t>Fourth level</a:t>
+            </a:r>
+          </a:p>
+          <a:p>
+            <a:pPr lvl="4"/>
+            <a:r>
+              <a:rPr lang="en-US"/>
+              <a:t>Fifth level</a:t>
+            </a:r>
+            <a:endParaRPr lang="en-GB"/>
+          </a:p>
+        </p:txBody>
+      </p:sp>
+      <p:sp>
+        <p:nvSpPr>
+          <p:cNvPr id="4" name="Text Placeholder 3">
+            <a:extLst>
+              <a:ext uri="{FF2B5EF4-FFF2-40B4-BE49-F238E27FC236}">
+                <a16:creationId xmlns:a16="http://schemas.microsoft.com/office/drawing/2014/main" id="{5487288E-C7E5-428F-AC6C-B231F99AEE5B}"/>
+              </a:ext>
+            </a:extLst>
+          </p:cNvPr>
+          <p:cNvSpPr>
+            <a:spLocks noGrp="1"/>
+          </p:cNvSpPr>
+          <p:nvPr>
+            <p:ph type="body" sz="half" idx="2"/>
+          </p:nvPr>
+        </p:nvSpPr>
+        <p:spPr>
+          <a:xfrm>
+            <a:off x="839788" y="2057400"/>
+            <a:ext cx="3932237" cy="3811588"/>
+          </a:xfrm>
+        </p:spPr>
+        <p:txBody>
+          <a:bodyPr/>
+          <a:lstStyle>
+            <a:lvl1pPr marL="0" indent="0">
+              <a:buNone/>
+              <a:defRPr sz="1600"/>
+            </a:lvl1pPr>
+            <a:lvl2pPr marL="457200" indent="0">
+              <a:buNone/>
+              <a:defRPr sz="1400"/>
+            </a:lvl2pPr>
+            <a:lvl3pPr marL="914400" indent="0">
+              <a:buNone/>
+              <a:defRPr sz="1200"/>
+            </a:lvl3pPr>
+            <a:lvl4pPr marL="1371600" indent="0">
+              <a:buNone/>
+              <a:defRPr sz="1000"/>
+            </a:lvl4pPr>
+            <a:lvl5pPr marL="1828800" indent="0">
+              <a:buNone/>
+              <a:defRPr sz="1000"/>
+            </a:lvl5pPr>
+            <a:lvl6pPr marL="2286000" indent="0">
+              <a:buNone/>
+              <a:defRPr sz="1000"/>
+            </a:lvl6pPr>
+            <a:lvl7pPr marL="2743200" indent="0">
+              <a:buNone/>
+              <a:defRPr sz="1000"/>
+            </a:lvl7pPr>
+            <a:lvl8pPr marL="3200400" indent="0">
+              <a:buNone/>
+              <a:defRPr sz="1000"/>
+            </a:lvl8pPr>
+            <a:lvl9pPr marL="3657600" indent="0">
+              <a:buNone/>
+              <a:defRPr sz="1000"/>
+            </a:lvl9pPr>
+          </a:lstStyle>
+          <a:p>
+            <a:pPr lvl="0"/>
+            <a:r>
+              <a:rPr lang="en-US"/>
+              <a:t>Edit Master text styles</a:t>
+            </a:r>
+          </a:p>
+        </p:txBody>
+      </p:sp>
+      <p:sp>
+        <p:nvSpPr>
+          <p:cNvPr id="5" name="Date Placeholder 4">
+            <a:extLst>
+              <a:ext uri="{FF2B5EF4-FFF2-40B4-BE49-F238E27FC236}">
+                <a16:creationId xmlns:a16="http://schemas.microsoft.com/office/drawing/2014/main" id="{320847FB-51DB-4339-A825-C23A9F7BA5A1}"/>
+              </a:ext>
+            </a:extLst>
+          </p:cNvPr>
+          <p:cNvSpPr>
+            <a:spLocks noGrp="1"/>
+          </p:cNvSpPr>
+          <p:nvPr>
+            <p:ph type="dt" sz="half" idx="10"/>
+          </p:nvPr>
+        </p:nvSpPr>
+        <p:spPr/>
+        <p:txBody>
+          <a:bodyPr/>
+          <a:lstStyle/>
+          <a:p>
             <a:fld id="{B61BEF0D-F0BB-DE4B-95CE-6DB70DBA9567}" type="datetimeFigureOut">
-              <a:rPr lang="en-US" dirty="0"/>
+              <a:rPr lang="en-US" smtClean="0"/>
               <a:pPr/>
               <a:t>11/7/2017</a:t>
             </a:fld>
@@ -2738,7 +2463,13 @@
       </p:sp>
       <p:sp>
         <p:nvSpPr>
-          <p:cNvPr id="6" name="Footer Placeholder 5"/>
+          <p:cNvPr id="6" name="Footer Placeholder 5">
+            <a:extLst>
+              <a:ext uri="{FF2B5EF4-FFF2-40B4-BE49-F238E27FC236}">
+                <a16:creationId xmlns:a16="http://schemas.microsoft.com/office/drawing/2014/main" id="{B557A910-F116-4DAC-A3DB-828EFF9E30E4}"/>
+              </a:ext>
+            </a:extLst>
+          </p:cNvPr>
           <p:cNvSpPr>
             <a:spLocks noGrp="1"/>
           </p:cNvSpPr>
@@ -2749,18 +2480,7 @@
         <p:spPr/>
         <p:txBody>
           <a:bodyPr/>
-          <a:lstStyle>
-            <a:lvl1pPr>
-              <a:defRPr>
-                <a:solidFill>
-                  <a:schemeClr val="accent1">
-                    <a:lumMod val="75000"/>
-                    <a:lumOff val="25000"/>
-                  </a:schemeClr>
-                </a:solidFill>
-              </a:defRPr>
-            </a:lvl1pPr>
-          </a:lstStyle>
+          <a:lstStyle/>
           <a:p>
             <a:endParaRPr lang="en-US"/>
           </a:p>
@@ -2768,7 +2488,13 @@
       </p:sp>
       <p:sp>
         <p:nvSpPr>
-          <p:cNvPr id="7" name="Slide Number Placeholder 6"/>
+          <p:cNvPr id="7" name="Slide Number Placeholder 6">
+            <a:extLst>
+              <a:ext uri="{FF2B5EF4-FFF2-40B4-BE49-F238E27FC236}">
+                <a16:creationId xmlns:a16="http://schemas.microsoft.com/office/drawing/2014/main" id="{8D5A180E-365B-4F69-AE49-2B9D0CF95BEB}"/>
+              </a:ext>
+            </a:extLst>
+          </p:cNvPr>
           <p:cNvSpPr>
             <a:spLocks noGrp="1"/>
           </p:cNvSpPr>
@@ -2779,21 +2505,10 @@
         <p:spPr/>
         <p:txBody>
           <a:bodyPr/>
-          <a:lstStyle>
-            <a:lvl1pPr>
-              <a:defRPr>
-                <a:solidFill>
-                  <a:schemeClr val="accent1">
-                    <a:lumMod val="75000"/>
-                    <a:lumOff val="25000"/>
-                  </a:schemeClr>
-                </a:solidFill>
-              </a:defRPr>
-            </a:lvl1pPr>
-          </a:lstStyle>
+          <a:lstStyle/>
           <a:p>
             <a:fld id="{D57F1E4F-1CFF-5643-939E-217C01CDF565}" type="slidenum">
-              <a:rPr lang="en-US" dirty="0"/>
+              <a:rPr lang="en-US" smtClean="0"/>
               <a:pPr/>
               <a:t>‹#›</a:t>
             </a:fld>
@@ -2802,6 +2517,11 @@
         </p:txBody>
       </p:sp>
     </p:spTree>
+    <p:extLst>
+      <p:ext uri="{BB962C8B-B14F-4D97-AF65-F5344CB8AC3E}">
+        <p14:creationId xmlns:p14="http://schemas.microsoft.com/office/powerpoint/2010/main" val="1804362209"/>
+      </p:ext>
+    </p:extLst>
   </p:cSld>
   <p:clrMapOvr>
     <a:masterClrMapping/>
@@ -2828,7 +2548,13 @@
       </p:grpSpPr>
       <p:sp>
         <p:nvSpPr>
-          <p:cNvPr id="2" name="Title 1"/>
+          <p:cNvPr id="2" name="Title 1">
+            <a:extLst>
+              <a:ext uri="{FF2B5EF4-FFF2-40B4-BE49-F238E27FC236}">
+                <a16:creationId xmlns:a16="http://schemas.microsoft.com/office/drawing/2014/main" id="{3C5BAD48-EFED-473A-BD59-24AB40CFDC44}"/>
+              </a:ext>
+            </a:extLst>
+          </p:cNvPr>
           <p:cNvSpPr>
             <a:spLocks noGrp="1"/>
           </p:cNvSpPr>
@@ -2838,21 +2564,15 @@
         </p:nvSpPr>
         <p:spPr>
           <a:xfrm>
-            <a:off x="581193" y="4693389"/>
-            <a:ext cx="11029616" cy="566738"/>
-          </a:xfrm>
-        </p:spPr>
-        <p:txBody>
-          <a:bodyPr anchor="b">
-            <a:normAutofit/>
-          </a:bodyPr>
+            <a:off x="839788" y="457200"/>
+            <a:ext cx="3932237" cy="1600200"/>
+          </a:xfrm>
+        </p:spPr>
+        <p:txBody>
+          <a:bodyPr anchor="b"/>
           <a:lstStyle>
-            <a:lvl1pPr algn="l">
-              <a:defRPr sz="2400" b="0">
-                <a:solidFill>
-                  <a:schemeClr val="accent1"/>
-                </a:solidFill>
-              </a:defRPr>
+            <a:lvl1pPr>
+              <a:defRPr sz="3200"/>
             </a:lvl1pPr>
           </a:lstStyle>
           <a:p>
@@ -2860,14 +2580,21 @@
               <a:rPr lang="en-US"/>
               <a:t>Click to edit Master title style</a:t>
             </a:r>
-          </a:p>
-        </p:txBody>
-      </p:sp>
-      <p:sp>
-        <p:nvSpPr>
-          <p:cNvPr id="3" name="Picture Placeholder 2"/>
-          <p:cNvSpPr>
-            <a:spLocks noGrp="1" noChangeAspect="1"/>
+            <a:endParaRPr lang="en-GB"/>
+          </a:p>
+        </p:txBody>
+      </p:sp>
+      <p:sp>
+        <p:nvSpPr>
+          <p:cNvPr id="3" name="Picture Placeholder 2">
+            <a:extLst>
+              <a:ext uri="{FF2B5EF4-FFF2-40B4-BE49-F238E27FC236}">
+                <a16:creationId xmlns:a16="http://schemas.microsoft.com/office/drawing/2014/main" id="{A156B445-8A8C-49ED-A34C-F51A1836C43B}"/>
+              </a:ext>
+            </a:extLst>
+          </p:cNvPr>
+          <p:cNvSpPr>
+            <a:spLocks noGrp="1"/>
           </p:cNvSpPr>
           <p:nvPr>
             <p:ph type="pic" idx="1"/>
@@ -2875,130 +2602,135 @@
         </p:nvSpPr>
         <p:spPr>
           <a:xfrm>
-            <a:off x="447817" y="599725"/>
-            <a:ext cx="11290859" cy="3557252"/>
-          </a:xfrm>
-        </p:spPr>
-        <p:txBody>
-          <a:bodyPr anchor="t">
-            <a:normAutofit/>
-          </a:bodyPr>
+            <a:off x="5183188" y="987425"/>
+            <a:ext cx="6172200" cy="4873625"/>
+          </a:xfrm>
+        </p:spPr>
+        <p:txBody>
+          <a:bodyPr/>
           <a:lstStyle>
-            <a:lvl1pPr marL="0" indent="0" algn="ctr">
+            <a:lvl1pPr marL="0" indent="0">
+              <a:buNone/>
+              <a:defRPr sz="3200"/>
+            </a:lvl1pPr>
+            <a:lvl2pPr marL="457200" indent="0">
+              <a:buNone/>
+              <a:defRPr sz="2800"/>
+            </a:lvl2pPr>
+            <a:lvl3pPr marL="914400" indent="0">
+              <a:buNone/>
+              <a:defRPr sz="2400"/>
+            </a:lvl3pPr>
+            <a:lvl4pPr marL="1371600" indent="0">
+              <a:buNone/>
+              <a:defRPr sz="2000"/>
+            </a:lvl4pPr>
+            <a:lvl5pPr marL="1828800" indent="0">
+              <a:buNone/>
+              <a:defRPr sz="2000"/>
+            </a:lvl5pPr>
+            <a:lvl6pPr marL="2286000" indent="0">
+              <a:buNone/>
+              <a:defRPr sz="2000"/>
+            </a:lvl6pPr>
+            <a:lvl7pPr marL="2743200" indent="0">
+              <a:buNone/>
+              <a:defRPr sz="2000"/>
+            </a:lvl7pPr>
+            <a:lvl8pPr marL="3200400" indent="0">
+              <a:buNone/>
+              <a:defRPr sz="2000"/>
+            </a:lvl8pPr>
+            <a:lvl9pPr marL="3657600" indent="0">
+              <a:buNone/>
+              <a:defRPr sz="2000"/>
+            </a:lvl9pPr>
+          </a:lstStyle>
+          <a:p>
+            <a:endParaRPr lang="en-GB"/>
+          </a:p>
+        </p:txBody>
+      </p:sp>
+      <p:sp>
+        <p:nvSpPr>
+          <p:cNvPr id="4" name="Text Placeholder 3">
+            <a:extLst>
+              <a:ext uri="{FF2B5EF4-FFF2-40B4-BE49-F238E27FC236}">
+                <a16:creationId xmlns:a16="http://schemas.microsoft.com/office/drawing/2014/main" id="{9F4D7DDB-03B2-463A-B07A-0B06D0A32875}"/>
+              </a:ext>
+            </a:extLst>
+          </p:cNvPr>
+          <p:cNvSpPr>
+            <a:spLocks noGrp="1"/>
+          </p:cNvSpPr>
+          <p:nvPr>
+            <p:ph type="body" sz="half" idx="2"/>
+          </p:nvPr>
+        </p:nvSpPr>
+        <p:spPr>
+          <a:xfrm>
+            <a:off x="839788" y="2057400"/>
+            <a:ext cx="3932237" cy="3811588"/>
+          </a:xfrm>
+        </p:spPr>
+        <p:txBody>
+          <a:bodyPr/>
+          <a:lstStyle>
+            <a:lvl1pPr marL="0" indent="0">
               <a:buNone/>
               <a:defRPr sz="1600"/>
             </a:lvl1pPr>
             <a:lvl2pPr marL="457200" indent="0">
               <a:buNone/>
-              <a:defRPr sz="1600"/>
+              <a:defRPr sz="1400"/>
             </a:lvl2pPr>
             <a:lvl3pPr marL="914400" indent="0">
               <a:buNone/>
-              <a:defRPr sz="1600"/>
+              <a:defRPr sz="1200"/>
             </a:lvl3pPr>
             <a:lvl4pPr marL="1371600" indent="0">
               <a:buNone/>
-              <a:defRPr sz="1600"/>
+              <a:defRPr sz="1000"/>
             </a:lvl4pPr>
             <a:lvl5pPr marL="1828800" indent="0">
               <a:buNone/>
-              <a:defRPr sz="1600"/>
+              <a:defRPr sz="1000"/>
             </a:lvl5pPr>
             <a:lvl6pPr marL="2286000" indent="0">
               <a:buNone/>
-              <a:defRPr sz="1600"/>
+              <a:defRPr sz="1000"/>
             </a:lvl6pPr>
             <a:lvl7pPr marL="2743200" indent="0">
               <a:buNone/>
-              <a:defRPr sz="1600"/>
+              <a:defRPr sz="1000"/>
             </a:lvl7pPr>
             <a:lvl8pPr marL="3200400" indent="0">
               <a:buNone/>
-              <a:defRPr sz="1600"/>
+              <a:defRPr sz="1000"/>
             </a:lvl8pPr>
             <a:lvl9pPr marL="3657600" indent="0">
               <a:buNone/>
-              <a:defRPr sz="1600"/>
+              <a:defRPr sz="1000"/>
             </a:lvl9pPr>
           </a:lstStyle>
           <a:p>
+            <a:pPr lvl="0"/>
             <a:r>
               <a:rPr lang="en-US"/>
-              <a:t>Click icon to add picture</a:t>
-            </a:r>
-          </a:p>
-        </p:txBody>
-      </p:sp>
-      <p:sp>
-        <p:nvSpPr>
-          <p:cNvPr id="4" name="Text Placeholder 3"/>
-          <p:cNvSpPr>
-            <a:spLocks noGrp="1"/>
-          </p:cNvSpPr>
-          <p:nvPr>
-            <p:ph type="body" sz="half" idx="2"/>
-          </p:nvPr>
-        </p:nvSpPr>
-        <p:spPr>
-          <a:xfrm>
-            <a:off x="581192" y="5260127"/>
-            <a:ext cx="11029617" cy="598671"/>
-          </a:xfrm>
-        </p:spPr>
-        <p:txBody>
-          <a:bodyPr>
-            <a:normAutofit/>
-          </a:bodyPr>
-          <a:lstStyle>
-            <a:lvl1pPr marL="0" indent="0">
-              <a:buNone/>
-              <a:defRPr sz="1200"/>
-            </a:lvl1pPr>
-            <a:lvl2pPr marL="457200" indent="0">
-              <a:buNone/>
-              <a:defRPr sz="1200"/>
-            </a:lvl2pPr>
-            <a:lvl3pPr marL="914400" indent="0">
-              <a:buNone/>
-              <a:defRPr sz="1000"/>
-            </a:lvl3pPr>
-            <a:lvl4pPr marL="1371600" indent="0">
-              <a:buNone/>
-              <a:defRPr sz="900"/>
-            </a:lvl4pPr>
-            <a:lvl5pPr marL="1828800" indent="0">
-              <a:buNone/>
-              <a:defRPr sz="900"/>
-            </a:lvl5pPr>
-            <a:lvl6pPr marL="2286000" indent="0">
-              <a:buNone/>
-              <a:defRPr sz="900"/>
-            </a:lvl6pPr>
-            <a:lvl7pPr marL="2743200" indent="0">
-              <a:buNone/>
-              <a:defRPr sz="900"/>
-            </a:lvl7pPr>
-            <a:lvl8pPr marL="3200400" indent="0">
-              <a:buNone/>
-              <a:defRPr sz="900"/>
-            </a:lvl8pPr>
-            <a:lvl9pPr marL="3657600" indent="0">
-              <a:buNone/>
-              <a:defRPr sz="900"/>
-            </a:lvl9pPr>
-          </a:lstStyle>
-          <a:p>
-            <a:pPr lvl="0"/>
-            <a:r>
-              <a:rPr lang="en-US"/>
-              <a:t>Click to edit Master text styles</a:t>
-            </a:r>
-          </a:p>
-        </p:txBody>
-      </p:sp>
-      <p:sp>
-        <p:nvSpPr>
-          <p:cNvPr id="5" name="Date Placeholder 4"/>
+              <a:t>Edit Master text styles</a:t>
+            </a:r>
+          </a:p>
+        </p:txBody>
+      </p:sp>
+      <p:sp>
+        <p:nvSpPr>
+          <p:cNvPr id="5" name="Date Placeholder 4">
+            <a:extLst>
+              <a:ext uri="{FF2B5EF4-FFF2-40B4-BE49-F238E27FC236}">
+                <a16:creationId xmlns:a16="http://schemas.microsoft.com/office/drawing/2014/main" id="{49F3AB91-018E-455C-848E-622F6DA19109}"/>
+              </a:ext>
+            </a:extLst>
+          </p:cNvPr>
           <p:cNvSpPr>
             <a:spLocks noGrp="1"/>
           </p:cNvSpPr>
@@ -3012,7 +2744,7 @@
           <a:lstStyle/>
           <a:p>
             <a:fld id="{B61BEF0D-F0BB-DE4B-95CE-6DB70DBA9567}" type="datetimeFigureOut">
-              <a:rPr lang="en-US" dirty="0"/>
+              <a:rPr lang="en-US" smtClean="0"/>
               <a:pPr/>
               <a:t>11/7/2017</a:t>
             </a:fld>
@@ -3022,7 +2754,13 @@
       </p:sp>
       <p:sp>
         <p:nvSpPr>
-          <p:cNvPr id="6" name="Footer Placeholder 5"/>
+          <p:cNvPr id="6" name="Footer Placeholder 5">
+            <a:extLst>
+              <a:ext uri="{FF2B5EF4-FFF2-40B4-BE49-F238E27FC236}">
+                <a16:creationId xmlns:a16="http://schemas.microsoft.com/office/drawing/2014/main" id="{B340B579-0D46-4C04-85CF-FF3F5D90E51F}"/>
+              </a:ext>
+            </a:extLst>
+          </p:cNvPr>
           <p:cNvSpPr>
             <a:spLocks noGrp="1"/>
           </p:cNvSpPr>
@@ -3041,7 +2779,13 @@
       </p:sp>
       <p:sp>
         <p:nvSpPr>
-          <p:cNvPr id="7" name="Slide Number Placeholder 6"/>
+          <p:cNvPr id="7" name="Slide Number Placeholder 6">
+            <a:extLst>
+              <a:ext uri="{FF2B5EF4-FFF2-40B4-BE49-F238E27FC236}">
+                <a16:creationId xmlns:a16="http://schemas.microsoft.com/office/drawing/2014/main" id="{63D3C061-53DF-4A13-BC82-9FE1938EDFBC}"/>
+              </a:ext>
+            </a:extLst>
+          </p:cNvPr>
           <p:cNvSpPr>
             <a:spLocks noGrp="1"/>
           </p:cNvSpPr>
@@ -3055,7 +2799,7 @@
           <a:lstStyle/>
           <a:p>
             <a:fld id="{D57F1E4F-1CFF-5643-939E-217C01CDF565}" type="slidenum">
-              <a:rPr lang="en-US" dirty="0"/>
+              <a:rPr lang="en-US" smtClean="0"/>
               <a:pPr/>
               <a:t>‹#›</a:t>
             </a:fld>
@@ -3064,6 +2808,11 @@
         </p:txBody>
       </p:sp>
     </p:spTree>
+    <p:extLst>
+      <p:ext uri="{BB962C8B-B14F-4D97-AF65-F5344CB8AC3E}">
+        <p14:creationId xmlns:p14="http://schemas.microsoft.com/office/powerpoint/2010/main" val="2271538172"/>
+      </p:ext>
+    </p:extLst>
   </p:cSld>
   <p:clrMapOvr>
     <a:masterClrMapping/>
@@ -3075,9 +2824,18 @@
 <p:sldMaster xmlns:a="http://schemas.openxmlformats.org/drawingml/2006/main" xmlns:r="http://schemas.openxmlformats.org/officeDocument/2006/relationships" xmlns:p="http://schemas.openxmlformats.org/presentationml/2006/main">
   <p:cSld>
     <p:bg>
-      <p:bgRef idx="1001">
-        <a:schemeClr val="bg1"/>
-      </p:bgRef>
+      <p:bgPr>
+        <a:blipFill dpi="0" rotWithShape="1">
+          <a:blip r:embed="rId13">
+            <a:lum/>
+          </a:blip>
+          <a:srcRect/>
+          <a:stretch>
+            <a:fillRect/>
+          </a:stretch>
+        </a:blipFill>
+        <a:effectLst/>
+      </p:bgPr>
     </p:bg>
     <p:spTree>
       <p:nvGrpSpPr>
@@ -3095,7 +2853,13 @@
       </p:grpSpPr>
       <p:sp>
         <p:nvSpPr>
-          <p:cNvPr id="2" name="Title Placeholder 1"/>
+          <p:cNvPr id="2" name="Title Placeholder 1">
+            <a:extLst>
+              <a:ext uri="{FF2B5EF4-FFF2-40B4-BE49-F238E27FC236}">
+                <a16:creationId xmlns:a16="http://schemas.microsoft.com/office/drawing/2014/main" id="{2672D338-3FE5-491C-A904-9EEB04BBC6AE}"/>
+              </a:ext>
+            </a:extLst>
+          </p:cNvPr>
           <p:cNvSpPr>
             <a:spLocks noGrp="1"/>
           </p:cNvSpPr>
@@ -3105,15 +2869,15 @@
         </p:nvSpPr>
         <p:spPr>
           <a:xfrm>
-            <a:off x="581192" y="705124"/>
-            <a:ext cx="11029616" cy="1189554"/>
+            <a:off x="838200" y="365125"/>
+            <a:ext cx="10515600" cy="1325563"/>
           </a:xfrm>
           <a:prstGeom prst="rect">
             <a:avLst/>
           </a:prstGeom>
         </p:spPr>
         <p:txBody>
-          <a:bodyPr vert="horz" lIns="91440" tIns="45720" rIns="91440" bIns="45720" rtlCol="0" anchor="b">
+          <a:bodyPr vert="horz" lIns="91440" tIns="45720" rIns="91440" bIns="45720" rtlCol="0" anchor="ctr">
             <a:normAutofit/>
           </a:bodyPr>
           <a:lstStyle/>
@@ -3122,12 +2886,19 @@
               <a:rPr lang="en-US"/>
               <a:t>Click to edit Master title style</a:t>
             </a:r>
-          </a:p>
-        </p:txBody>
-      </p:sp>
-      <p:sp>
-        <p:nvSpPr>
-          <p:cNvPr id="3" name="Text Placeholder 2"/>
+            <a:endParaRPr lang="en-GB"/>
+          </a:p>
+        </p:txBody>
+      </p:sp>
+      <p:sp>
+        <p:nvSpPr>
+          <p:cNvPr id="3" name="Text Placeholder 2">
+            <a:extLst>
+              <a:ext uri="{FF2B5EF4-FFF2-40B4-BE49-F238E27FC236}">
+                <a16:creationId xmlns:a16="http://schemas.microsoft.com/office/drawing/2014/main" id="{FAC08E62-3ACD-4515-A759-D41741268DA7}"/>
+              </a:ext>
+            </a:extLst>
+          </p:cNvPr>
           <p:cNvSpPr>
             <a:spLocks noGrp="1"/>
           </p:cNvSpPr>
@@ -3137,15 +2908,15 @@
         </p:nvSpPr>
         <p:spPr>
           <a:xfrm>
-            <a:off x="581192" y="2336003"/>
-            <a:ext cx="11029616" cy="3522794"/>
+            <a:off x="838200" y="1825625"/>
+            <a:ext cx="10515600" cy="4351338"/>
           </a:xfrm>
           <a:prstGeom prst="rect">
             <a:avLst/>
           </a:prstGeom>
         </p:spPr>
         <p:txBody>
-          <a:bodyPr vert="horz" lIns="91440" tIns="45720" rIns="91440" bIns="45720" rtlCol="0" anchor="ctr">
+          <a:bodyPr vert="horz" lIns="91440" tIns="45720" rIns="91440" bIns="45720" rtlCol="0">
             <a:normAutofit/>
           </a:bodyPr>
           <a:lstStyle/>
@@ -3153,7 +2924,7 @@
             <a:pPr lvl="0"/>
             <a:r>
               <a:rPr lang="en-US"/>
-              <a:t>Click to edit Master text styles</a:t>
+              <a:t>Edit Master text styles</a:t>
             </a:r>
           </a:p>
           <a:p>
@@ -3183,12 +2954,19 @@
               <a:rPr lang="en-US"/>
               <a:t>Fifth level</a:t>
             </a:r>
-          </a:p>
-        </p:txBody>
-      </p:sp>
-      <p:sp>
-        <p:nvSpPr>
-          <p:cNvPr id="4" name="Date Placeholder 3"/>
+            <a:endParaRPr lang="en-GB"/>
+          </a:p>
+        </p:txBody>
+      </p:sp>
+      <p:sp>
+        <p:nvSpPr>
+          <p:cNvPr id="4" name="Date Placeholder 3">
+            <a:extLst>
+              <a:ext uri="{FF2B5EF4-FFF2-40B4-BE49-F238E27FC236}">
+                <a16:creationId xmlns:a16="http://schemas.microsoft.com/office/drawing/2014/main" id="{5D124914-A0EE-4A42-92C8-753942C907DC}"/>
+              </a:ext>
+            </a:extLst>
+          </p:cNvPr>
           <p:cNvSpPr>
             <a:spLocks noGrp="1"/>
           </p:cNvSpPr>
@@ -3198,8 +2976,8 @@
         </p:nvSpPr>
         <p:spPr>
           <a:xfrm>
-            <a:off x="7605951" y="5956137"/>
-            <a:ext cx="2844799" cy="365125"/>
+            <a:off x="838200" y="6356350"/>
+            <a:ext cx="2743200" cy="365125"/>
           </a:xfrm>
           <a:prstGeom prst="rect">
             <a:avLst/>
@@ -3208,17 +2986,19 @@
         <p:txBody>
           <a:bodyPr vert="horz" lIns="91440" tIns="45720" rIns="91440" bIns="45720" rtlCol="0" anchor="ctr"/>
           <a:lstStyle>
-            <a:lvl1pPr algn="r">
-              <a:defRPr sz="900">
-                <a:solidFill>
-                  <a:schemeClr val="accent2"/>
+            <a:lvl1pPr algn="l">
+              <a:defRPr sz="1200">
+                <a:solidFill>
+                  <a:schemeClr val="tx1">
+                    <a:tint val="75000"/>
+                  </a:schemeClr>
                 </a:solidFill>
               </a:defRPr>
             </a:lvl1pPr>
           </a:lstStyle>
           <a:p>
             <a:fld id="{B61BEF0D-F0BB-DE4B-95CE-6DB70DBA9567}" type="datetimeFigureOut">
-              <a:rPr lang="en-US" dirty="0"/>
+              <a:rPr lang="en-US" smtClean="0"/>
               <a:pPr/>
               <a:t>11/7/2017</a:t>
             </a:fld>
@@ -3228,7 +3008,13 @@
       </p:sp>
       <p:sp>
         <p:nvSpPr>
-          <p:cNvPr id="5" name="Footer Placeholder 4"/>
+          <p:cNvPr id="5" name="Footer Placeholder 4">
+            <a:extLst>
+              <a:ext uri="{FF2B5EF4-FFF2-40B4-BE49-F238E27FC236}">
+                <a16:creationId xmlns:a16="http://schemas.microsoft.com/office/drawing/2014/main" id="{665EBD6F-4C40-4866-866D-C5EA6E021374}"/>
+              </a:ext>
+            </a:extLst>
+          </p:cNvPr>
           <p:cNvSpPr>
             <a:spLocks noGrp="1"/>
           </p:cNvSpPr>
@@ -3238,8 +3024,8 @@
         </p:nvSpPr>
         <p:spPr>
           <a:xfrm>
-            <a:off x="581192" y="5951811"/>
-            <a:ext cx="6917210" cy="365125"/>
+            <a:off x="4038600" y="6356350"/>
+            <a:ext cx="4114800" cy="365125"/>
           </a:xfrm>
           <a:prstGeom prst="rect">
             <a:avLst/>
@@ -3248,10 +3034,12 @@
         <p:txBody>
           <a:bodyPr vert="horz" lIns="91440" tIns="45720" rIns="91440" bIns="45720" rtlCol="0" anchor="ctr"/>
           <a:lstStyle>
-            <a:lvl1pPr algn="l">
-              <a:defRPr sz="900" cap="all">
-                <a:solidFill>
-                  <a:schemeClr val="accent2"/>
+            <a:lvl1pPr algn="ctr">
+              <a:defRPr sz="1200">
+                <a:solidFill>
+                  <a:schemeClr val="tx1">
+                    <a:tint val="75000"/>
+                  </a:schemeClr>
                 </a:solidFill>
               </a:defRPr>
             </a:lvl1pPr>
@@ -3263,7 +3051,13 @@
       </p:sp>
       <p:sp>
         <p:nvSpPr>
-          <p:cNvPr id="6" name="Slide Number Placeholder 5"/>
+          <p:cNvPr id="6" name="Slide Number Placeholder 5">
+            <a:extLst>
+              <a:ext uri="{FF2B5EF4-FFF2-40B4-BE49-F238E27FC236}">
+                <a16:creationId xmlns:a16="http://schemas.microsoft.com/office/drawing/2014/main" id="{0C50F495-80EE-4A18-8C1D-E9BE31C86A49}"/>
+              </a:ext>
+            </a:extLst>
+          </p:cNvPr>
           <p:cNvSpPr>
             <a:spLocks noGrp="1"/>
           </p:cNvSpPr>
@@ -3273,8 +3067,8 @@
         </p:nvSpPr>
         <p:spPr>
           <a:xfrm>
-            <a:off x="10558300" y="5956137"/>
-            <a:ext cx="1052510" cy="365125"/>
+            <a:off x="8610600" y="6356350"/>
+            <a:ext cx="2743200" cy="365125"/>
           </a:xfrm>
           <a:prstGeom prst="rect">
             <a:avLst/>
@@ -3284,16 +3078,18 @@
           <a:bodyPr vert="horz" lIns="91440" tIns="45720" rIns="91440" bIns="45720" rtlCol="0" anchor="ctr"/>
           <a:lstStyle>
             <a:lvl1pPr algn="r">
-              <a:defRPr sz="900">
-                <a:solidFill>
-                  <a:schemeClr val="accent2"/>
+              <a:defRPr sz="1200">
+                <a:solidFill>
+                  <a:schemeClr val="tx1">
+                    <a:tint val="75000"/>
+                  </a:schemeClr>
                 </a:solidFill>
               </a:defRPr>
             </a:lvl1pPr>
           </a:lstStyle>
           <a:p>
             <a:fld id="{D57F1E4F-1CFF-5643-939E-217C01CDF565}" type="slidenum">
-              <a:rPr lang="en-US" dirty="0"/>
+              <a:rPr lang="en-US" smtClean="0"/>
               <a:pPr/>
               <a:t>‹#›</a:t>
             </a:fld>
@@ -3301,399 +3097,204 @@
           </a:p>
         </p:txBody>
       </p:sp>
-      <p:sp>
-        <p:nvSpPr>
-          <p:cNvPr id="9" name="Rectangle 8"/>
-          <p:cNvSpPr/>
-          <p:nvPr/>
-        </p:nvSpPr>
-        <p:spPr>
-          <a:xfrm>
-            <a:off x="446534" y="457200"/>
-            <a:ext cx="3703320" cy="94997"/>
-          </a:xfrm>
-          <a:prstGeom prst="rect">
-            <a:avLst/>
-          </a:prstGeom>
-          <a:solidFill>
-            <a:schemeClr val="accent1"/>
-          </a:solidFill>
-          <a:ln>
-            <a:noFill/>
-          </a:ln>
-          <a:effectLst/>
-        </p:spPr>
-        <p:style>
-          <a:lnRef idx="1">
-            <a:schemeClr val="accent1"/>
-          </a:lnRef>
-          <a:fillRef idx="3">
-            <a:schemeClr val="accent1"/>
-          </a:fillRef>
-          <a:effectRef idx="2">
-            <a:schemeClr val="accent1"/>
-          </a:effectRef>
-          <a:fontRef idx="minor">
-            <a:schemeClr val="lt1"/>
-          </a:fontRef>
-        </p:style>
-      </p:sp>
-      <p:sp>
-        <p:nvSpPr>
-          <p:cNvPr id="10" name="Rectangle 9"/>
-          <p:cNvSpPr/>
-          <p:nvPr/>
-        </p:nvSpPr>
-        <p:spPr>
-          <a:xfrm>
-            <a:off x="8042147" y="453643"/>
-            <a:ext cx="3703320" cy="98554"/>
-          </a:xfrm>
-          <a:prstGeom prst="rect">
-            <a:avLst/>
-          </a:prstGeom>
-          <a:solidFill>
-            <a:schemeClr val="accent4"/>
-          </a:solidFill>
-          <a:ln>
-            <a:noFill/>
-          </a:ln>
-          <a:effectLst/>
-        </p:spPr>
-        <p:style>
-          <a:lnRef idx="1">
-            <a:schemeClr val="accent1"/>
-          </a:lnRef>
-          <a:fillRef idx="3">
-            <a:schemeClr val="accent1"/>
-          </a:fillRef>
-          <a:effectRef idx="2">
-            <a:schemeClr val="accent1"/>
-          </a:effectRef>
-          <a:fontRef idx="minor">
-            <a:schemeClr val="lt1"/>
-          </a:fontRef>
-        </p:style>
-      </p:sp>
-      <p:sp>
-        <p:nvSpPr>
-          <p:cNvPr id="11" name="Rectangle 10"/>
-          <p:cNvSpPr/>
-          <p:nvPr/>
-        </p:nvSpPr>
-        <p:spPr>
-          <a:xfrm>
-            <a:off x="4241830" y="457200"/>
-            <a:ext cx="3703320" cy="91440"/>
-          </a:xfrm>
-          <a:prstGeom prst="rect">
-            <a:avLst/>
-          </a:prstGeom>
-          <a:solidFill>
-            <a:schemeClr val="accent2"/>
-          </a:solidFill>
-          <a:ln>
-            <a:noFill/>
-          </a:ln>
-          <a:effectLst/>
-        </p:spPr>
-        <p:style>
-          <a:lnRef idx="1">
-            <a:schemeClr val="accent1"/>
-          </a:lnRef>
-          <a:fillRef idx="3">
-            <a:schemeClr val="accent1"/>
-          </a:fillRef>
-          <a:effectRef idx="2">
-            <a:schemeClr val="accent1"/>
-          </a:effectRef>
-          <a:fontRef idx="minor">
-            <a:schemeClr val="lt1"/>
-          </a:fontRef>
-        </p:style>
-      </p:sp>
     </p:spTree>
+    <p:extLst>
+      <p:ext uri="{BB962C8B-B14F-4D97-AF65-F5344CB8AC3E}">
+        <p14:creationId xmlns:p14="http://schemas.microsoft.com/office/powerpoint/2010/main" val="2583204227"/>
+      </p:ext>
+    </p:extLst>
   </p:cSld>
   <p:clrMap bg1="lt1" tx1="dk1" bg2="lt2" tx2="dk2" accent1="accent1" accent2="accent2" accent3="accent3" accent4="accent4" accent5="accent5" accent6="accent6" hlink="hlink" folHlink="folHlink"/>
   <p:sldLayoutIdLst>
-    <p:sldLayoutId id="2147483649" r:id="rId1"/>
-    <p:sldLayoutId id="2147483650" r:id="rId2"/>
-    <p:sldLayoutId id="2147483651" r:id="rId3"/>
-    <p:sldLayoutId id="2147483652" r:id="rId4"/>
-    <p:sldLayoutId id="2147483653" r:id="rId5"/>
-    <p:sldLayoutId id="2147483654" r:id="rId6"/>
-    <p:sldLayoutId id="2147483655" r:id="rId7"/>
-    <p:sldLayoutId id="2147483656" r:id="rId8"/>
-    <p:sldLayoutId id="2147483657" r:id="rId9"/>
-    <p:sldLayoutId id="2147483658" r:id="rId10"/>
-    <p:sldLayoutId id="2147483659" r:id="rId11"/>
+    <p:sldLayoutId id="2147483661" r:id="rId1"/>
+    <p:sldLayoutId id="2147483662" r:id="rId2"/>
+    <p:sldLayoutId id="2147483663" r:id="rId3"/>
+    <p:sldLayoutId id="2147483664" r:id="rId4"/>
+    <p:sldLayoutId id="2147483665" r:id="rId5"/>
+    <p:sldLayoutId id="2147483666" r:id="rId6"/>
+    <p:sldLayoutId id="2147483667" r:id="rId7"/>
+    <p:sldLayoutId id="2147483668" r:id="rId8"/>
+    <p:sldLayoutId id="2147483669" r:id="rId9"/>
+    <p:sldLayoutId id="2147483670" r:id="rId10"/>
+    <p:sldLayoutId id="2147483671" r:id="rId11"/>
   </p:sldLayoutIdLst>
   <p:txStyles>
     <p:titleStyle>
-      <a:lvl1pPr algn="l" defTabSz="457200" rtl="0" eaLnBrk="1" latinLnBrk="0" hangingPunct="1">
+      <a:lvl1pPr algn="l" defTabSz="914400" rtl="0" eaLnBrk="1" latinLnBrk="0" hangingPunct="1">
+        <a:lnSpc>
+          <a:spcPct val="90000"/>
+        </a:lnSpc>
         <a:spcBef>
           <a:spcPct val="0"/>
         </a:spcBef>
         <a:buNone/>
-        <a:defRPr sz="2800" b="0" kern="1200" cap="all">
+        <a:defRPr sz="4400" kern="1200">
           <a:solidFill>
-            <a:schemeClr val="bg1"/>
+            <a:schemeClr val="tx1"/>
           </a:solidFill>
           <a:latin typeface="+mj-lt"/>
           <a:ea typeface="+mj-ea"/>
           <a:cs typeface="+mj-cs"/>
         </a:defRPr>
       </a:lvl1pPr>
-      <a:lvl2pPr eaLnBrk="1" hangingPunct="1">
-        <a:defRPr>
-          <a:solidFill>
-            <a:schemeClr val="tx2"/>
-          </a:solidFill>
-        </a:defRPr>
-      </a:lvl2pPr>
-      <a:lvl3pPr eaLnBrk="1" hangingPunct="1">
-        <a:defRPr>
-          <a:solidFill>
-            <a:schemeClr val="tx2"/>
-          </a:solidFill>
-        </a:defRPr>
-      </a:lvl3pPr>
-      <a:lvl4pPr eaLnBrk="1" hangingPunct="1">
-        <a:defRPr>
-          <a:solidFill>
-            <a:schemeClr val="tx2"/>
-          </a:solidFill>
-        </a:defRPr>
-      </a:lvl4pPr>
-      <a:lvl5pPr eaLnBrk="1" hangingPunct="1">
-        <a:defRPr>
-          <a:solidFill>
-            <a:schemeClr val="tx2"/>
-          </a:solidFill>
-        </a:defRPr>
-      </a:lvl5pPr>
-      <a:lvl6pPr eaLnBrk="1" hangingPunct="1">
-        <a:defRPr>
-          <a:solidFill>
-            <a:schemeClr val="tx2"/>
-          </a:solidFill>
-        </a:defRPr>
-      </a:lvl6pPr>
-      <a:lvl7pPr eaLnBrk="1" hangingPunct="1">
-        <a:defRPr>
-          <a:solidFill>
-            <a:schemeClr val="tx2"/>
-          </a:solidFill>
-        </a:defRPr>
-      </a:lvl7pPr>
-      <a:lvl8pPr eaLnBrk="1" hangingPunct="1">
-        <a:defRPr>
-          <a:solidFill>
-            <a:schemeClr val="tx2"/>
-          </a:solidFill>
-        </a:defRPr>
-      </a:lvl8pPr>
-      <a:lvl9pPr eaLnBrk="1" hangingPunct="1">
-        <a:defRPr>
-          <a:solidFill>
-            <a:schemeClr val="tx2"/>
-          </a:solidFill>
-        </a:defRPr>
-      </a:lvl9pPr>
     </p:titleStyle>
     <p:bodyStyle>
-      <a:lvl1pPr marL="306000" indent="-306000" algn="l" defTabSz="457200" rtl="0" eaLnBrk="1" latinLnBrk="0" hangingPunct="1">
+      <a:lvl1pPr marL="228600" indent="-228600" algn="l" defTabSz="914400" rtl="0" eaLnBrk="1" latinLnBrk="0" hangingPunct="1">
+        <a:lnSpc>
+          <a:spcPct val="90000"/>
+        </a:lnSpc>
         <a:spcBef>
-          <a:spcPct val="20000"/>
+          <a:spcPts val="1000"/>
         </a:spcBef>
-        <a:spcAft>
-          <a:spcPts val="600"/>
-        </a:spcAft>
-        <a:buClr>
-          <a:schemeClr val="accent2"/>
-        </a:buClr>
-        <a:buSzPct val="92000"/>
-        <a:buFont typeface="Wingdings 2" panose="05020102010507070707" pitchFamily="18" charset="2"/>
-        <a:buChar char=""/>
-        <a:defRPr sz="1800" kern="1200">
+        <a:buFont typeface="Arial" panose="020B0604020202020204" pitchFamily="34" charset="0"/>
+        <a:buChar char="•"/>
+        <a:defRPr sz="2800" kern="1200">
           <a:solidFill>
-            <a:schemeClr val="tx2"/>
+            <a:schemeClr val="tx1"/>
           </a:solidFill>
           <a:latin typeface="+mn-lt"/>
           <a:ea typeface="+mn-ea"/>
           <a:cs typeface="+mn-cs"/>
         </a:defRPr>
       </a:lvl1pPr>
-      <a:lvl2pPr marL="630000" indent="-306000" algn="l" defTabSz="457200" rtl="0" eaLnBrk="1" latinLnBrk="0" hangingPunct="1">
+      <a:lvl2pPr marL="685800" indent="-228600" algn="l" defTabSz="914400" rtl="0" eaLnBrk="1" latinLnBrk="0" hangingPunct="1">
+        <a:lnSpc>
+          <a:spcPct val="90000"/>
+        </a:lnSpc>
         <a:spcBef>
-          <a:spcPct val="20000"/>
+          <a:spcPts val="500"/>
         </a:spcBef>
-        <a:spcAft>
-          <a:spcPts val="600"/>
-        </a:spcAft>
-        <a:buClr>
-          <a:schemeClr val="accent2"/>
-        </a:buClr>
-        <a:buSzPct val="92000"/>
-        <a:buFont typeface="Wingdings 2" panose="05020102010507070707" pitchFamily="18" charset="2"/>
-        <a:buChar char=""/>
-        <a:defRPr sz="1600" kern="1200">
+        <a:buFont typeface="Arial" panose="020B0604020202020204" pitchFamily="34" charset="0"/>
+        <a:buChar char="•"/>
+        <a:defRPr sz="2400" kern="1200">
           <a:solidFill>
-            <a:schemeClr val="tx2"/>
+            <a:schemeClr val="tx1"/>
           </a:solidFill>
           <a:latin typeface="+mn-lt"/>
           <a:ea typeface="+mn-ea"/>
           <a:cs typeface="+mn-cs"/>
         </a:defRPr>
       </a:lvl2pPr>
-      <a:lvl3pPr marL="900000" indent="-270000" algn="l" defTabSz="457200" rtl="0" eaLnBrk="1" latinLnBrk="0" hangingPunct="1">
+      <a:lvl3pPr marL="1143000" indent="-228600" algn="l" defTabSz="914400" rtl="0" eaLnBrk="1" latinLnBrk="0" hangingPunct="1">
+        <a:lnSpc>
+          <a:spcPct val="90000"/>
+        </a:lnSpc>
         <a:spcBef>
-          <a:spcPct val="20000"/>
+          <a:spcPts val="500"/>
         </a:spcBef>
-        <a:spcAft>
-          <a:spcPts val="600"/>
-        </a:spcAft>
-        <a:buClr>
-          <a:schemeClr val="accent2"/>
-        </a:buClr>
-        <a:buSzPct val="92000"/>
-        <a:buFont typeface="Wingdings 2" panose="05020102010507070707" pitchFamily="18" charset="2"/>
-        <a:buChar char=""/>
-        <a:defRPr sz="1400" kern="1200">
+        <a:buFont typeface="Arial" panose="020B0604020202020204" pitchFamily="34" charset="0"/>
+        <a:buChar char="•"/>
+        <a:defRPr sz="2000" kern="1200">
           <a:solidFill>
-            <a:schemeClr val="tx2"/>
+            <a:schemeClr val="tx1"/>
           </a:solidFill>
           <a:latin typeface="+mn-lt"/>
           <a:ea typeface="+mn-ea"/>
           <a:cs typeface="+mn-cs"/>
         </a:defRPr>
       </a:lvl3pPr>
-      <a:lvl4pPr marL="1242000" indent="-234000" algn="l" defTabSz="457200" rtl="0" eaLnBrk="1" latinLnBrk="0" hangingPunct="1">
+      <a:lvl4pPr marL="1600200" indent="-228600" algn="l" defTabSz="914400" rtl="0" eaLnBrk="1" latinLnBrk="0" hangingPunct="1">
+        <a:lnSpc>
+          <a:spcPct val="90000"/>
+        </a:lnSpc>
         <a:spcBef>
-          <a:spcPct val="20000"/>
+          <a:spcPts val="500"/>
         </a:spcBef>
-        <a:spcAft>
-          <a:spcPts val="600"/>
-        </a:spcAft>
-        <a:buClr>
-          <a:schemeClr val="accent2"/>
-        </a:buClr>
-        <a:buSzPct val="92000"/>
-        <a:buFont typeface="Wingdings 2" panose="05020102010507070707" pitchFamily="18" charset="2"/>
-        <a:buChar char=""/>
-        <a:defRPr sz="1200" kern="1200">
+        <a:buFont typeface="Arial" panose="020B0604020202020204" pitchFamily="34" charset="0"/>
+        <a:buChar char="•"/>
+        <a:defRPr sz="1800" kern="1200">
           <a:solidFill>
-            <a:schemeClr val="tx2"/>
+            <a:schemeClr val="tx1"/>
           </a:solidFill>
           <a:latin typeface="+mn-lt"/>
           <a:ea typeface="+mn-ea"/>
           <a:cs typeface="+mn-cs"/>
         </a:defRPr>
       </a:lvl4pPr>
-      <a:lvl5pPr marL="1602000" indent="-234000" algn="l" defTabSz="457200" rtl="0" eaLnBrk="1" latinLnBrk="0" hangingPunct="1">
+      <a:lvl5pPr marL="2057400" indent="-228600" algn="l" defTabSz="914400" rtl="0" eaLnBrk="1" latinLnBrk="0" hangingPunct="1">
+        <a:lnSpc>
+          <a:spcPct val="90000"/>
+        </a:lnSpc>
         <a:spcBef>
-          <a:spcPct val="20000"/>
+          <a:spcPts val="500"/>
         </a:spcBef>
-        <a:spcAft>
-          <a:spcPts val="600"/>
-        </a:spcAft>
-        <a:buClr>
-          <a:schemeClr val="accent2"/>
-        </a:buClr>
-        <a:buSzPct val="92000"/>
-        <a:buFont typeface="Wingdings 2" panose="05020102010507070707" pitchFamily="18" charset="2"/>
-        <a:buChar char=""/>
-        <a:defRPr sz="1200" kern="1200">
+        <a:buFont typeface="Arial" panose="020B0604020202020204" pitchFamily="34" charset="0"/>
+        <a:buChar char="•"/>
+        <a:defRPr sz="1800" kern="1200">
           <a:solidFill>
-            <a:schemeClr val="tx2"/>
+            <a:schemeClr val="tx1"/>
           </a:solidFill>
           <a:latin typeface="+mn-lt"/>
           <a:ea typeface="+mn-ea"/>
           <a:cs typeface="+mn-cs"/>
         </a:defRPr>
       </a:lvl5pPr>
-      <a:lvl6pPr marL="1900000" indent="-228600" algn="l" defTabSz="457200" rtl="0" eaLnBrk="1" latinLnBrk="0" hangingPunct="1">
+      <a:lvl6pPr marL="2514600" indent="-228600" algn="l" defTabSz="914400" rtl="0" eaLnBrk="1" latinLnBrk="0" hangingPunct="1">
+        <a:lnSpc>
+          <a:spcPct val="90000"/>
+        </a:lnSpc>
         <a:spcBef>
-          <a:spcPct val="20000"/>
+          <a:spcPts val="500"/>
         </a:spcBef>
-        <a:spcAft>
-          <a:spcPts val="600"/>
-        </a:spcAft>
-        <a:buClr>
-          <a:schemeClr val="accent2"/>
-        </a:buClr>
-        <a:buSzPct val="92000"/>
-        <a:buFont typeface="Wingdings 2" panose="05020102010507070707" pitchFamily="18" charset="2"/>
-        <a:buChar char=""/>
-        <a:defRPr sz="1200" kern="1200">
+        <a:buFont typeface="Arial" panose="020B0604020202020204" pitchFamily="34" charset="0"/>
+        <a:buChar char="•"/>
+        <a:defRPr sz="1800" kern="1200">
           <a:solidFill>
-            <a:schemeClr val="tx2"/>
+            <a:schemeClr val="tx1"/>
           </a:solidFill>
           <a:latin typeface="+mn-lt"/>
           <a:ea typeface="+mn-ea"/>
           <a:cs typeface="+mn-cs"/>
         </a:defRPr>
       </a:lvl6pPr>
-      <a:lvl7pPr marL="2200000" indent="-228600" algn="l" defTabSz="457200" rtl="0" eaLnBrk="1" latinLnBrk="0" hangingPunct="1">
+      <a:lvl7pPr marL="2971800" indent="-228600" algn="l" defTabSz="914400" rtl="0" eaLnBrk="1" latinLnBrk="0" hangingPunct="1">
+        <a:lnSpc>
+          <a:spcPct val="90000"/>
+        </a:lnSpc>
         <a:spcBef>
-          <a:spcPct val="20000"/>
+          <a:spcPts val="500"/>
         </a:spcBef>
-        <a:spcAft>
-          <a:spcPts val="600"/>
-        </a:spcAft>
-        <a:buClr>
-          <a:schemeClr val="accent2"/>
-        </a:buClr>
-        <a:buSzPct val="92000"/>
-        <a:buFont typeface="Wingdings 2" panose="05020102010507070707" pitchFamily="18" charset="2"/>
-        <a:buChar char=""/>
-        <a:defRPr sz="1200" kern="1200">
+        <a:buFont typeface="Arial" panose="020B0604020202020204" pitchFamily="34" charset="0"/>
+        <a:buChar char="•"/>
+        <a:defRPr sz="1800" kern="1200">
           <a:solidFill>
-            <a:schemeClr val="tx2"/>
+            <a:schemeClr val="tx1"/>
           </a:solidFill>
           <a:latin typeface="+mn-lt"/>
           <a:ea typeface="+mn-ea"/>
           <a:cs typeface="+mn-cs"/>
         </a:defRPr>
       </a:lvl7pPr>
-      <a:lvl8pPr marL="2500000" indent="-228600" algn="l" defTabSz="457200" rtl="0" eaLnBrk="1" latinLnBrk="0" hangingPunct="1">
+      <a:lvl8pPr marL="3429000" indent="-228600" algn="l" defTabSz="914400" rtl="0" eaLnBrk="1" latinLnBrk="0" hangingPunct="1">
+        <a:lnSpc>
+          <a:spcPct val="90000"/>
+        </a:lnSpc>
         <a:spcBef>
-          <a:spcPct val="20000"/>
+          <a:spcPts val="500"/>
         </a:spcBef>
-        <a:spcAft>
-          <a:spcPts val="600"/>
-        </a:spcAft>
-        <a:buClr>
-          <a:schemeClr val="accent2"/>
-        </a:buClr>
-        <a:buSzPct val="92000"/>
-        <a:buFont typeface="Wingdings 2" panose="05020102010507070707" pitchFamily="18" charset="2"/>
-        <a:buChar char=""/>
-        <a:defRPr sz="1200" kern="1200">
+        <a:buFont typeface="Arial" panose="020B0604020202020204" pitchFamily="34" charset="0"/>
+        <a:buChar char="•"/>
+        <a:defRPr sz="1800" kern="1200">
           <a:solidFill>
-            <a:schemeClr val="tx2"/>
+            <a:schemeClr val="tx1"/>
           </a:solidFill>
           <a:latin typeface="+mn-lt"/>
           <a:ea typeface="+mn-ea"/>
           <a:cs typeface="+mn-cs"/>
         </a:defRPr>
       </a:lvl8pPr>
-      <a:lvl9pPr marL="2800000" indent="-228600" algn="l" defTabSz="457200" rtl="0" eaLnBrk="1" latinLnBrk="0" hangingPunct="1">
+      <a:lvl9pPr marL="3886200" indent="-228600" algn="l" defTabSz="914400" rtl="0" eaLnBrk="1" latinLnBrk="0" hangingPunct="1">
+        <a:lnSpc>
+          <a:spcPct val="90000"/>
+        </a:lnSpc>
         <a:spcBef>
-          <a:spcPct val="20000"/>
+          <a:spcPts val="500"/>
         </a:spcBef>
-        <a:spcAft>
-          <a:spcPts val="600"/>
-        </a:spcAft>
-        <a:buClr>
-          <a:schemeClr val="accent2"/>
-        </a:buClr>
-        <a:buSzPct val="92000"/>
-        <a:buFont typeface="Wingdings 2" panose="05020102010507070707" pitchFamily="18" charset="2"/>
-        <a:buChar char=""/>
-        <a:defRPr sz="1200" kern="1200">
+        <a:buFont typeface="Arial" panose="020B0604020202020204" pitchFamily="34" charset="0"/>
+        <a:buChar char="•"/>
+        <a:defRPr sz="1800" kern="1200">
           <a:solidFill>
-            <a:schemeClr val="tx2"/>
+            <a:schemeClr val="tx1"/>
           </a:solidFill>
           <a:latin typeface="+mn-lt"/>
           <a:ea typeface="+mn-ea"/>
@@ -3705,7 +3306,7 @@
       <a:defPPr>
         <a:defRPr lang="en-US"/>
       </a:defPPr>
-      <a:lvl1pPr marL="0" algn="l" defTabSz="457200" rtl="0" eaLnBrk="1" latinLnBrk="0" hangingPunct="1">
+      <a:lvl1pPr marL="0" algn="l" defTabSz="914400" rtl="0" eaLnBrk="1" latinLnBrk="0" hangingPunct="1">
         <a:defRPr sz="1800" kern="1200">
           <a:solidFill>
             <a:schemeClr val="tx1"/>
@@ -3715,7 +3316,7 @@
           <a:cs typeface="+mn-cs"/>
         </a:defRPr>
       </a:lvl1pPr>
-      <a:lvl2pPr marL="457200" algn="l" defTabSz="457200" rtl="0" eaLnBrk="1" latinLnBrk="0" hangingPunct="1">
+      <a:lvl2pPr marL="457200" algn="l" defTabSz="914400" rtl="0" eaLnBrk="1" latinLnBrk="0" hangingPunct="1">
         <a:defRPr sz="1800" kern="1200">
           <a:solidFill>
             <a:schemeClr val="tx1"/>
@@ -3725,7 +3326,7 @@
           <a:cs typeface="+mn-cs"/>
         </a:defRPr>
       </a:lvl2pPr>
-      <a:lvl3pPr marL="914400" algn="l" defTabSz="457200" rtl="0" eaLnBrk="1" latinLnBrk="0" hangingPunct="1">
+      <a:lvl3pPr marL="914400" algn="l" defTabSz="914400" rtl="0" eaLnBrk="1" latinLnBrk="0" hangingPunct="1">
         <a:defRPr sz="1800" kern="1200">
           <a:solidFill>
             <a:schemeClr val="tx1"/>
@@ -3735,7 +3336,7 @@
           <a:cs typeface="+mn-cs"/>
         </a:defRPr>
       </a:lvl3pPr>
-      <a:lvl4pPr marL="1371600" algn="l" defTabSz="457200" rtl="0" eaLnBrk="1" latinLnBrk="0" hangingPunct="1">
+      <a:lvl4pPr marL="1371600" algn="l" defTabSz="914400" rtl="0" eaLnBrk="1" latinLnBrk="0" hangingPunct="1">
         <a:defRPr sz="1800" kern="1200">
           <a:solidFill>
             <a:schemeClr val="tx1"/>
@@ -3745,7 +3346,7 @@
           <a:cs typeface="+mn-cs"/>
         </a:defRPr>
       </a:lvl4pPr>
-      <a:lvl5pPr marL="1828800" algn="l" defTabSz="457200" rtl="0" eaLnBrk="1" latinLnBrk="0" hangingPunct="1">
+      <a:lvl5pPr marL="1828800" algn="l" defTabSz="914400" rtl="0" eaLnBrk="1" latinLnBrk="0" hangingPunct="1">
         <a:defRPr sz="1800" kern="1200">
           <a:solidFill>
             <a:schemeClr val="tx1"/>
@@ -3755,7 +3356,7 @@
           <a:cs typeface="+mn-cs"/>
         </a:defRPr>
       </a:lvl5pPr>
-      <a:lvl6pPr marL="2286000" algn="l" defTabSz="457200" rtl="0" eaLnBrk="1" latinLnBrk="0" hangingPunct="1">
+      <a:lvl6pPr marL="2286000" algn="l" defTabSz="914400" rtl="0" eaLnBrk="1" latinLnBrk="0" hangingPunct="1">
         <a:defRPr sz="1800" kern="1200">
           <a:solidFill>
             <a:schemeClr val="tx1"/>
@@ -3765,7 +3366,7 @@
           <a:cs typeface="+mn-cs"/>
         </a:defRPr>
       </a:lvl6pPr>
-      <a:lvl7pPr marL="2743200" algn="l" defTabSz="457200" rtl="0" eaLnBrk="1" latinLnBrk="0" hangingPunct="1">
+      <a:lvl7pPr marL="2743200" algn="l" defTabSz="914400" rtl="0" eaLnBrk="1" latinLnBrk="0" hangingPunct="1">
         <a:defRPr sz="1800" kern="1200">
           <a:solidFill>
             <a:schemeClr val="tx1"/>
@@ -3775,7 +3376,7 @@
           <a:cs typeface="+mn-cs"/>
         </a:defRPr>
       </a:lvl7pPr>
-      <a:lvl8pPr marL="3200400" algn="l" defTabSz="457200" rtl="0" eaLnBrk="1" latinLnBrk="0" hangingPunct="1">
+      <a:lvl8pPr marL="3200400" algn="l" defTabSz="914400" rtl="0" eaLnBrk="1" latinLnBrk="0" hangingPunct="1">
         <a:defRPr sz="1800" kern="1200">
           <a:solidFill>
             <a:schemeClr val="tx1"/>
@@ -3785,7 +3386,7 @@
           <a:cs typeface="+mn-cs"/>
         </a:defRPr>
       </a:lvl8pPr>
-      <a:lvl9pPr marL="3657600" algn="l" defTabSz="457200" rtl="0" eaLnBrk="1" latinLnBrk="0" hangingPunct="1">
+      <a:lvl9pPr marL="3657600" algn="l" defTabSz="914400" rtl="0" eaLnBrk="1" latinLnBrk="0" hangingPunct="1">
         <a:defRPr sz="1800" kern="1200">
           <a:solidFill>
             <a:schemeClr val="tx1"/>
@@ -3817,9 +3418,105 @@
           <a:chExt cx="0" cy="0"/>
         </a:xfrm>
       </p:grpSpPr>
-      <p:sp>
-        <p:nvSpPr>
-          <p:cNvPr id="2" name="Title 1"/>
+      <p:pic>
+        <p:nvPicPr>
+          <p:cNvPr id="8" name="Picture 7">
+            <a:extLst>
+              <a:ext uri="{FF2B5EF4-FFF2-40B4-BE49-F238E27FC236}">
+                <a16:creationId xmlns:a16="http://schemas.microsoft.com/office/drawing/2014/main" id="{F0728700-AAF6-417B-BEFB-1B91E0518365}"/>
+              </a:ext>
+            </a:extLst>
+          </p:cNvPr>
+          <p:cNvPicPr>
+            <a:picLocks noChangeAspect="1"/>
+          </p:cNvPicPr>
+          <p:nvPr/>
+        </p:nvPicPr>
+        <p:blipFill>
+          <a:blip r:embed="rId2"/>
+          <a:stretch>
+            <a:fillRect/>
+          </a:stretch>
+        </p:blipFill>
+        <p:spPr>
+          <a:xfrm>
+            <a:off x="-198665" y="3053443"/>
+            <a:ext cx="11772900" cy="3960443"/>
+          </a:xfrm>
+          <a:prstGeom prst="rect">
+            <a:avLst/>
+          </a:prstGeom>
+        </p:spPr>
+      </p:pic>
+      <p:pic>
+        <p:nvPicPr>
+          <p:cNvPr id="9" name="Picture 8">
+            <a:extLst>
+              <a:ext uri="{FF2B5EF4-FFF2-40B4-BE49-F238E27FC236}">
+                <a16:creationId xmlns:a16="http://schemas.microsoft.com/office/drawing/2014/main" id="{4FE79D66-1F3B-4F94-902A-64A113732ED5}"/>
+              </a:ext>
+            </a:extLst>
+          </p:cNvPr>
+          <p:cNvPicPr>
+            <a:picLocks noChangeAspect="1"/>
+          </p:cNvPicPr>
+          <p:nvPr/>
+        </p:nvPicPr>
+        <p:blipFill>
+          <a:blip r:embed="rId2"/>
+          <a:stretch>
+            <a:fillRect/>
+          </a:stretch>
+        </p:blipFill>
+        <p:spPr>
+          <a:xfrm>
+            <a:off x="1118406" y="1894701"/>
+            <a:ext cx="4310743" cy="2317483"/>
+          </a:xfrm>
+          <a:prstGeom prst="rect">
+            <a:avLst/>
+          </a:prstGeom>
+        </p:spPr>
+      </p:pic>
+      <p:pic>
+        <p:nvPicPr>
+          <p:cNvPr id="10" name="Picture 9">
+            <a:extLst>
+              <a:ext uri="{FF2B5EF4-FFF2-40B4-BE49-F238E27FC236}">
+                <a16:creationId xmlns:a16="http://schemas.microsoft.com/office/drawing/2014/main" id="{8DC42448-4B43-496C-A7FA-D061D1D44C9F}"/>
+              </a:ext>
+            </a:extLst>
+          </p:cNvPr>
+          <p:cNvPicPr>
+            <a:picLocks noChangeAspect="1"/>
+          </p:cNvPicPr>
+          <p:nvPr/>
+        </p:nvPicPr>
+        <p:blipFill>
+          <a:blip r:embed="rId2"/>
+          <a:stretch>
+            <a:fillRect/>
+          </a:stretch>
+        </p:blipFill>
+        <p:spPr>
+          <a:xfrm>
+            <a:off x="-198665" y="-294359"/>
+            <a:ext cx="7399565" cy="3386162"/>
+          </a:xfrm>
+          <a:prstGeom prst="rect">
+            <a:avLst/>
+          </a:prstGeom>
+        </p:spPr>
+      </p:pic>
+      <p:sp>
+        <p:nvSpPr>
+          <p:cNvPr id="5" name="Title 4">
+            <a:extLst>
+              <a:ext uri="{FF2B5EF4-FFF2-40B4-BE49-F238E27FC236}">
+                <a16:creationId xmlns:a16="http://schemas.microsoft.com/office/drawing/2014/main" id="{43DCCCAF-FCC9-417C-AE4E-4A6AC05184C7}"/>
+              </a:ext>
+            </a:extLst>
+          </p:cNvPr>
           <p:cNvSpPr>
             <a:spLocks noGrp="1"/>
           </p:cNvSpPr>
@@ -3827,139 +3524,157 @@
             <p:ph type="ctrTitle"/>
           </p:nvPr>
         </p:nvSpPr>
-        <p:spPr/>
+        <p:spPr>
+          <a:xfrm>
+            <a:off x="-1298222" y="-559682"/>
+            <a:ext cx="9144000" cy="2387600"/>
+          </a:xfrm>
+        </p:spPr>
         <p:txBody>
           <a:bodyPr/>
           <a:lstStyle/>
           <a:p>
             <a:r>
-              <a:rPr lang="en-US" dirty="0"/>
+              <a:rPr lang="en-GB" dirty="0">
+                <a:solidFill>
+                  <a:srgbClr val="7E327B"/>
+                </a:solidFill>
+                <a:latin typeface="Eras Bold ITC" panose="020B0907030504020204" pitchFamily="34" charset="0"/>
+              </a:rPr>
               <a:t>Project </a:t>
             </a:r>
             <a:r>
-              <a:rPr lang="en-US" dirty="0" err="1"/>
-              <a:t>maarii</a:t>
-            </a:r>
+              <a:rPr lang="en-GB" dirty="0" err="1">
+                <a:solidFill>
+                  <a:srgbClr val="7E327B"/>
+                </a:solidFill>
+                <a:latin typeface="Eras Bold ITC" panose="020B0907030504020204" pitchFamily="34" charset="0"/>
+              </a:rPr>
+              <a:t>Maarii</a:t>
+            </a:r>
+            <a:endParaRPr lang="en-GB" dirty="0">
+              <a:solidFill>
+                <a:srgbClr val="7E327B"/>
+              </a:solidFill>
+              <a:latin typeface="Eras Bold ITC" panose="020B0907030504020204" pitchFamily="34" charset="0"/>
+            </a:endParaRPr>
+          </a:p>
+        </p:txBody>
+      </p:sp>
+      <p:sp>
+        <p:nvSpPr>
+          <p:cNvPr id="3" name="Subtitle 2"/>
+          <p:cNvSpPr>
+            <a:spLocks noGrp="1"/>
+          </p:cNvSpPr>
+          <p:nvPr>
+            <p:ph type="subTitle" idx="1"/>
+          </p:nvPr>
+        </p:nvSpPr>
+        <p:spPr>
+          <a:xfrm>
+            <a:off x="-1298222" y="2601119"/>
+            <a:ext cx="9144000" cy="1655762"/>
+          </a:xfrm>
+        </p:spPr>
+        <p:txBody>
+          <a:bodyPr>
+            <a:normAutofit/>
+          </a:bodyPr>
+          <a:lstStyle/>
+          <a:p>
+            <a:r>
+              <a:rPr lang="en-US" sz="5400" dirty="0">
+                <a:solidFill>
+                  <a:srgbClr val="7E327B"/>
+                </a:solidFill>
+                <a:latin typeface="Eras Bold ITC" panose="020B0907030504020204" pitchFamily="34" charset="0"/>
+              </a:rPr>
+              <a:t>Group 6</a:t>
+            </a:r>
+          </a:p>
+          <a:p>
             <a:endParaRPr lang="en-US" dirty="0">
               <a:solidFill>
-                <a:schemeClr val="tx1"/>
+                <a:srgbClr val="7E327B"/>
               </a:solidFill>
+              <a:latin typeface="Eras Bold ITC" panose="020B0907030504020204" pitchFamily="34" charset="0"/>
             </a:endParaRPr>
           </a:p>
         </p:txBody>
       </p:sp>
       <p:sp>
         <p:nvSpPr>
-          <p:cNvPr id="3" name="Subtitle 2"/>
-          <p:cNvSpPr>
-            <a:spLocks noGrp="1"/>
-          </p:cNvSpPr>
-          <p:nvPr>
-            <p:ph type="subTitle" idx="1"/>
-          </p:nvPr>
-        </p:nvSpPr>
-        <p:spPr/>
-        <p:txBody>
-          <a:bodyPr/>
-          <a:lstStyle/>
-          <a:p>
-            <a:r>
-              <a:rPr lang="en-US" dirty="0"/>
-              <a:t>Level 6</a:t>
-            </a:r>
-            <a:r>
-              <a:rPr lang="en-US" dirty="0">
-                <a:solidFill>
-                  <a:srgbClr val="903163"/>
-                </a:solidFill>
+          <p:cNvPr id="6" name="Rectangle 5">
+            <a:extLst>
+              <a:ext uri="{FF2B5EF4-FFF2-40B4-BE49-F238E27FC236}">
+                <a16:creationId xmlns:a16="http://schemas.microsoft.com/office/drawing/2014/main" id="{18ECF627-8CB3-4C2A-B898-10CE36D2F4C1}"/>
+              </a:ext>
+            </a:extLst>
+          </p:cNvPr>
+          <p:cNvSpPr/>
+          <p:nvPr/>
+        </p:nvSpPr>
+        <p:spPr>
+          <a:xfrm>
+            <a:off x="845275" y="4368362"/>
+            <a:ext cx="10501449" cy="1200329"/>
+          </a:xfrm>
+          <a:prstGeom prst="rect">
+            <a:avLst/>
+          </a:prstGeom>
+        </p:spPr>
+        <p:txBody>
+          <a:bodyPr wrap="square">
+            <a:spAutoFit/>
+          </a:bodyPr>
+          <a:lstStyle/>
+          <a:p>
+            <a:r>
+              <a:rPr lang="en-US" sz="3600" dirty="0">
+                <a:solidFill>
+                  <a:srgbClr val="7E327B"/>
+                </a:solidFill>
+                <a:latin typeface="Eras Bold ITC" panose="020B0907030504020204" pitchFamily="34" charset="0"/>
               </a:rPr>
-              <a:t> group 6: Charlie </a:t>
-            </a:r>
-            <a:r>
-              <a:rPr lang="en-US" dirty="0" err="1">
-                <a:solidFill>
-                  <a:srgbClr val="903163"/>
-                </a:solidFill>
+              <a:t>Charlie Crewe, George Flude, Alex </a:t>
+            </a:r>
+            <a:r>
+              <a:rPr lang="en-US" sz="3600" dirty="0" err="1">
+                <a:solidFill>
+                  <a:srgbClr val="7E327B"/>
+                </a:solidFill>
+                <a:latin typeface="Eras Bold ITC" panose="020B0907030504020204" pitchFamily="34" charset="0"/>
               </a:rPr>
-              <a:t>crewe</a:t>
-            </a:r>
-            <a:r>
-              <a:rPr lang="en-US" dirty="0">
-                <a:solidFill>
-                  <a:srgbClr val="903163"/>
-                </a:solidFill>
-              </a:rPr>
-              <a:t>, George </a:t>
-            </a:r>
-            <a:r>
-              <a:rPr lang="en-US" dirty="0" err="1">
-                <a:solidFill>
-                  <a:srgbClr val="903163"/>
-                </a:solidFill>
-              </a:rPr>
-              <a:t>flude</a:t>
-            </a:r>
-            <a:r>
-              <a:rPr lang="en-US" dirty="0">
-                <a:solidFill>
-                  <a:srgbClr val="903163"/>
-                </a:solidFill>
-              </a:rPr>
-              <a:t>, Alex </a:t>
-            </a:r>
-            <a:r>
-              <a:rPr lang="en-US" dirty="0" err="1">
-                <a:solidFill>
-                  <a:srgbClr val="903163"/>
-                </a:solidFill>
-              </a:rPr>
-              <a:t>polley</a:t>
-            </a:r>
-            <a:r>
-              <a:rPr lang="en-US" dirty="0">
-                <a:solidFill>
-                  <a:srgbClr val="903163"/>
-                </a:solidFill>
+              <a:t>Polley</a:t>
+            </a:r>
+            <a:r>
+              <a:rPr lang="en-US" sz="3600" dirty="0">
+                <a:solidFill>
+                  <a:srgbClr val="7E327B"/>
+                </a:solidFill>
+                <a:latin typeface="Eras Bold ITC" panose="020B0907030504020204" pitchFamily="34" charset="0"/>
               </a:rPr>
               <a:t> and </a:t>
             </a:r>
             <a:r>
-              <a:rPr lang="en-US" dirty="0" err="1">
-                <a:solidFill>
-                  <a:srgbClr val="903163"/>
-                </a:solidFill>
+              <a:rPr lang="en-US" sz="3600" dirty="0" err="1">
+                <a:solidFill>
+                  <a:srgbClr val="7E327B"/>
+                </a:solidFill>
+                <a:latin typeface="Eras Bold ITC" panose="020B0907030504020204" pitchFamily="34" charset="0"/>
               </a:rPr>
-              <a:t>callum</a:t>
-            </a:r>
-            <a:r>
-              <a:rPr lang="en-US" dirty="0">
-                <a:solidFill>
-                  <a:srgbClr val="903163"/>
-                </a:solidFill>
+              <a:t>Callum</a:t>
+            </a:r>
+            <a:r>
+              <a:rPr lang="en-US" sz="3600" dirty="0">
+                <a:solidFill>
+                  <a:srgbClr val="7E327B"/>
+                </a:solidFill>
+                <a:latin typeface="Eras Bold ITC" panose="020B0907030504020204" pitchFamily="34" charset="0"/>
               </a:rPr>
-              <a:t> </a:t>
-            </a:r>
-            <a:r>
-              <a:rPr lang="en-US" dirty="0" err="1">
-                <a:solidFill>
-                  <a:srgbClr val="903163"/>
-                </a:solidFill>
-              </a:rPr>
-              <a:t>walsh</a:t>
-            </a:r>
-            <a:r>
-              <a:rPr lang="en-US" dirty="0">
-                <a:solidFill>
-                  <a:srgbClr val="903163"/>
-                </a:solidFill>
-              </a:rPr>
-              <a:t>.</a:t>
-            </a:r>
-            <a:endParaRPr lang="en-US" dirty="0">
-              <a:solidFill>
-                <a:schemeClr val="tx1"/>
-              </a:solidFill>
-            </a:endParaRPr>
+              <a:t> Walsh.</a:t>
+            </a:r>
           </a:p>
         </p:txBody>
       </p:sp>
@@ -3993,12 +3708,72 @@
           <a:chExt cx="0" cy="0"/>
         </a:xfrm>
       </p:grpSpPr>
+      <p:pic>
+        <p:nvPicPr>
+          <p:cNvPr id="8" name="Picture 7">
+            <a:extLst>
+              <a:ext uri="{FF2B5EF4-FFF2-40B4-BE49-F238E27FC236}">
+                <a16:creationId xmlns:a16="http://schemas.microsoft.com/office/drawing/2014/main" id="{55D83E1D-25F3-4A47-84C9-99E74D94A327}"/>
+              </a:ext>
+            </a:extLst>
+          </p:cNvPr>
+          <p:cNvPicPr>
+            <a:picLocks noChangeAspect="1"/>
+          </p:cNvPicPr>
+          <p:nvPr/>
+        </p:nvPicPr>
+        <p:blipFill>
+          <a:blip r:embed="rId2"/>
+          <a:stretch>
+            <a:fillRect/>
+          </a:stretch>
+        </p:blipFill>
+        <p:spPr>
+          <a:xfrm>
+            <a:off x="-528372" y="800100"/>
+            <a:ext cx="12139179" cy="6613072"/>
+          </a:xfrm>
+          <a:prstGeom prst="rect">
+            <a:avLst/>
+          </a:prstGeom>
+        </p:spPr>
+      </p:pic>
+      <p:pic>
+        <p:nvPicPr>
+          <p:cNvPr id="9" name="Picture 8">
+            <a:extLst>
+              <a:ext uri="{FF2B5EF4-FFF2-40B4-BE49-F238E27FC236}">
+                <a16:creationId xmlns:a16="http://schemas.microsoft.com/office/drawing/2014/main" id="{47891DD2-4970-42D4-9971-FC8322C09B44}"/>
+              </a:ext>
+            </a:extLst>
+          </p:cNvPr>
+          <p:cNvPicPr>
+            <a:picLocks noChangeAspect="1"/>
+          </p:cNvPicPr>
+          <p:nvPr/>
+        </p:nvPicPr>
+        <p:blipFill>
+          <a:blip r:embed="rId2"/>
+          <a:stretch>
+            <a:fillRect/>
+          </a:stretch>
+        </p:blipFill>
+        <p:spPr>
+          <a:xfrm>
+            <a:off x="0" y="-458991"/>
+            <a:ext cx="7625443" cy="3489527"/>
+          </a:xfrm>
+          <a:prstGeom prst="rect">
+            <a:avLst/>
+          </a:prstGeom>
+        </p:spPr>
+      </p:pic>
       <p:sp>
         <p:nvSpPr>
           <p:cNvPr id="2" name="Title 1">
             <a:extLst>
               <a:ext uri="{FF2B5EF4-FFF2-40B4-BE49-F238E27FC236}">
-                <a16:creationId xmlns:a16="http://schemas.microsoft.com/office/drawing/2014/main" id="{019ABB46-2D21-4D81-B408-8D01F700D294}"/>
+                <a16:creationId xmlns:a16="http://schemas.microsoft.com/office/drawing/2014/main" id="{8115CB3F-F892-4D3F-8FB1-B73976B7BA4C}"/>
               </a:ext>
             </a:extLst>
           </p:cNvPr>
@@ -4011,13 +3786,21 @@
         </p:nvSpPr>
         <p:spPr/>
         <p:txBody>
-          <a:bodyPr/>
-          <a:lstStyle/>
-          <a:p>
-            <a:r>
-              <a:rPr lang="en-US" dirty="0"/>
-              <a:t>PLAYER Experience </a:t>
-            </a:r>
+          <a:bodyPr>
+            <a:normAutofit/>
+          </a:bodyPr>
+          <a:lstStyle/>
+          <a:p>
+            <a:r>
+              <a:rPr lang="en-US" sz="6000" dirty="0">
+                <a:solidFill>
+                  <a:srgbClr val="7E327B"/>
+                </a:solidFill>
+                <a:latin typeface="Eras Bold ITC" panose="020B0907030504020204" pitchFamily="34" charset="0"/>
+              </a:rPr>
+              <a:t>Platform</a:t>
+            </a:r>
+            <a:endParaRPr lang="en-US" dirty="0"/>
           </a:p>
         </p:txBody>
       </p:sp>
@@ -4026,7 +3809,7 @@
           <p:cNvPr id="3" name="Content Placeholder 2">
             <a:extLst>
               <a:ext uri="{FF2B5EF4-FFF2-40B4-BE49-F238E27FC236}">
-                <a16:creationId xmlns:a16="http://schemas.microsoft.com/office/drawing/2014/main" id="{3A5A1096-5A16-4D1C-AA65-2A22FC2EEC28}"/>
+                <a16:creationId xmlns:a16="http://schemas.microsoft.com/office/drawing/2014/main" id="{143BFBD5-2C2B-4A1A-A53F-6D1B43FE4FDD}"/>
               </a:ext>
             </a:extLst>
           </p:cNvPr>
@@ -4039,35 +3822,68 @@
         </p:nvSpPr>
         <p:spPr>
           <a:xfrm>
-            <a:off x="581192" y="2180496"/>
-            <a:ext cx="11029615" cy="3678303"/>
-          </a:xfrm>
-        </p:spPr>
-        <p:txBody>
-          <a:bodyPr/>
-          <a:lstStyle/>
-          <a:p>
-            <a:r>
-              <a:rPr lang="en-US" dirty="0"/>
-              <a:t>Immersive Gameplay</a:t>
-            </a:r>
-          </a:p>
-          <a:p>
-            <a:endParaRPr lang="en-US" dirty="0"/>
-          </a:p>
-          <a:p>
-            <a:r>
-              <a:rPr lang="en-US" dirty="0"/>
-              <a:t>Simple but Addictive</a:t>
-            </a:r>
-          </a:p>
-          <a:p>
-            <a:endParaRPr lang="en-US" dirty="0"/>
-          </a:p>
-          <a:p>
-            <a:r>
-              <a:rPr lang="en-US" dirty="0"/>
-              <a:t>Enjoying the feeling of creation and bringing something to life</a:t>
+            <a:off x="581193" y="1962377"/>
+            <a:ext cx="10515600" cy="4800600"/>
+          </a:xfrm>
+        </p:spPr>
+        <p:txBody>
+          <a:bodyPr>
+            <a:normAutofit/>
+          </a:bodyPr>
+          <a:lstStyle/>
+          <a:p>
+            <a:r>
+              <a:rPr lang="en-US" sz="3600" dirty="0">
+                <a:solidFill>
+                  <a:srgbClr val="7E327B"/>
+                </a:solidFill>
+                <a:latin typeface="Eras Bold ITC" panose="020B0907030504020204" pitchFamily="34" charset="0"/>
+              </a:rPr>
+              <a:t>Tablet</a:t>
+            </a:r>
+          </a:p>
+          <a:p>
+            <a:pPr lvl="1"/>
+            <a:r>
+              <a:rPr lang="en-US" sz="3200" dirty="0">
+                <a:solidFill>
+                  <a:srgbClr val="7E327B"/>
+                </a:solidFill>
+                <a:latin typeface="Eras Bold ITC" panose="020B0907030504020204" pitchFamily="34" charset="0"/>
+              </a:rPr>
+              <a:t>Screen size suitable for psychographic</a:t>
+            </a:r>
+          </a:p>
+          <a:p>
+            <a:pPr lvl="1"/>
+            <a:endParaRPr lang="en-US" sz="3200" dirty="0">
+              <a:solidFill>
+                <a:srgbClr val="7E327B"/>
+              </a:solidFill>
+              <a:latin typeface="Eras Bold ITC" panose="020B0907030504020204" pitchFamily="34" charset="0"/>
+            </a:endParaRPr>
+          </a:p>
+          <a:p>
+            <a:r>
+              <a:rPr lang="en-US" sz="3600" dirty="0">
+                <a:solidFill>
+                  <a:srgbClr val="7E327B"/>
+                </a:solidFill>
+                <a:latin typeface="Eras Bold ITC" panose="020B0907030504020204" pitchFamily="34" charset="0"/>
+              </a:rPr>
+              <a:t>Mobile Devices</a:t>
+            </a:r>
+          </a:p>
+          <a:p>
+            <a:pPr lvl="1"/>
+            <a:r>
+              <a:rPr lang="en-US" sz="3200" dirty="0">
+                <a:solidFill>
+                  <a:srgbClr val="7E327B"/>
+                </a:solidFill>
+                <a:latin typeface="Eras Bold ITC" panose="020B0907030504020204" pitchFamily="34" charset="0"/>
+              </a:rPr>
+              <a:t>Provides the means to play on-the-go</a:t>
             </a:r>
           </a:p>
         </p:txBody>
@@ -4075,102 +3891,7 @@
     </p:spTree>
     <p:extLst>
       <p:ext uri="{BB962C8B-B14F-4D97-AF65-F5344CB8AC3E}">
-        <p14:creationId xmlns:p14="http://schemas.microsoft.com/office/powerpoint/2010/main" val="581000174"/>
-      </p:ext>
-    </p:extLst>
-  </p:cSld>
-  <p:clrMapOvr>
-    <a:masterClrMapping/>
-  </p:clrMapOvr>
-</p:sld>
-</file>
-
-<file path=ppt/slides/slide11.xml><?xml version="1.0" encoding="utf-8"?>
-<p:sld xmlns:a="http://schemas.openxmlformats.org/drawingml/2006/main" xmlns:r="http://schemas.openxmlformats.org/officeDocument/2006/relationships" xmlns:p="http://schemas.openxmlformats.org/presentationml/2006/main">
-  <p:cSld>
-    <p:spTree>
-      <p:nvGrpSpPr>
-        <p:cNvPr id="1" name=""/>
-        <p:cNvGrpSpPr/>
-        <p:nvPr/>
-      </p:nvGrpSpPr>
-      <p:grpSpPr>
-        <a:xfrm>
-          <a:off x="0" y="0"/>
-          <a:ext cx="0" cy="0"/>
-          <a:chOff x="0" y="0"/>
-          <a:chExt cx="0" cy="0"/>
-        </a:xfrm>
-      </p:grpSpPr>
-      <p:sp>
-        <p:nvSpPr>
-          <p:cNvPr id="2" name="Title 1">
-            <a:extLst>
-              <a:ext uri="{FF2B5EF4-FFF2-40B4-BE49-F238E27FC236}">
-                <a16:creationId xmlns:a16="http://schemas.microsoft.com/office/drawing/2014/main" id="{4746D86E-1C1A-41DD-A82A-9949E5DB2406}"/>
-              </a:ext>
-            </a:extLst>
-          </p:cNvPr>
-          <p:cNvSpPr>
-            <a:spLocks noGrp="1"/>
-          </p:cNvSpPr>
-          <p:nvPr>
-            <p:ph type="title"/>
-          </p:nvPr>
-        </p:nvSpPr>
-        <p:spPr/>
-        <p:txBody>
-          <a:bodyPr/>
-          <a:lstStyle/>
-          <a:p>
-            <a:r>
-              <a:rPr lang="en-US"/>
-              <a:t>PLATFORMS FOR RELEASED </a:t>
-            </a:r>
-          </a:p>
-        </p:txBody>
-      </p:sp>
-      <p:sp>
-        <p:nvSpPr>
-          <p:cNvPr id="3" name="Content Placeholder 2">
-            <a:extLst>
-              <a:ext uri="{FF2B5EF4-FFF2-40B4-BE49-F238E27FC236}">
-                <a16:creationId xmlns:a16="http://schemas.microsoft.com/office/drawing/2014/main" id="{B2A18BA9-4B07-45C0-BEB3-51A93BBE80E0}"/>
-              </a:ext>
-            </a:extLst>
-          </p:cNvPr>
-          <p:cNvSpPr>
-            <a:spLocks noGrp="1"/>
-          </p:cNvSpPr>
-          <p:nvPr>
-            <p:ph idx="1"/>
-          </p:nvPr>
-        </p:nvSpPr>
-        <p:spPr/>
-        <p:txBody>
-          <a:bodyPr/>
-          <a:lstStyle/>
-          <a:p>
-            <a:r>
-              <a:rPr lang="en-US" dirty="0"/>
-              <a:t>Tablet</a:t>
-            </a:r>
-          </a:p>
-          <a:p>
-            <a:endParaRPr lang="en-US" dirty="0"/>
-          </a:p>
-          <a:p>
-            <a:r>
-              <a:rPr lang="en-US" dirty="0"/>
-              <a:t>Stretch Goal of mobile devices</a:t>
-            </a:r>
-          </a:p>
-        </p:txBody>
-      </p:sp>
-    </p:spTree>
-    <p:extLst>
-      <p:ext uri="{BB962C8B-B14F-4D97-AF65-F5344CB8AC3E}">
-        <p14:creationId xmlns:p14="http://schemas.microsoft.com/office/powerpoint/2010/main" val="1047722689"/>
+        <p14:creationId xmlns:p14="http://schemas.microsoft.com/office/powerpoint/2010/main" val="2262593386"/>
       </p:ext>
     </p:extLst>
   </p:cSld>
@@ -4197,6 +3918,66 @@
           <a:chExt cx="0" cy="0"/>
         </a:xfrm>
       </p:grpSpPr>
+      <p:pic>
+        <p:nvPicPr>
+          <p:cNvPr id="4" name="Picture 3">
+            <a:extLst>
+              <a:ext uri="{FF2B5EF4-FFF2-40B4-BE49-F238E27FC236}">
+                <a16:creationId xmlns:a16="http://schemas.microsoft.com/office/drawing/2014/main" id="{D22EAFC1-C707-46DB-A380-C44B3204D8DF}"/>
+              </a:ext>
+            </a:extLst>
+          </p:cNvPr>
+          <p:cNvPicPr>
+            <a:picLocks noChangeAspect="1"/>
+          </p:cNvPicPr>
+          <p:nvPr/>
+        </p:nvPicPr>
+        <p:blipFill>
+          <a:blip r:embed="rId2"/>
+          <a:stretch>
+            <a:fillRect/>
+          </a:stretch>
+        </p:blipFill>
+        <p:spPr>
+          <a:xfrm>
+            <a:off x="0" y="685006"/>
+            <a:ext cx="11772900" cy="3960443"/>
+          </a:xfrm>
+          <a:prstGeom prst="rect">
+            <a:avLst/>
+          </a:prstGeom>
+        </p:spPr>
+      </p:pic>
+      <p:pic>
+        <p:nvPicPr>
+          <p:cNvPr id="5" name="Picture 4">
+            <a:extLst>
+              <a:ext uri="{FF2B5EF4-FFF2-40B4-BE49-F238E27FC236}">
+                <a16:creationId xmlns:a16="http://schemas.microsoft.com/office/drawing/2014/main" id="{FEE678B5-31F7-4BF6-A120-0F8A349D9C49}"/>
+              </a:ext>
+            </a:extLst>
+          </p:cNvPr>
+          <p:cNvPicPr>
+            <a:picLocks noChangeAspect="1"/>
+          </p:cNvPicPr>
+          <p:nvPr/>
+        </p:nvPicPr>
+        <p:blipFill>
+          <a:blip r:embed="rId2"/>
+          <a:stretch>
+            <a:fillRect/>
+          </a:stretch>
+        </p:blipFill>
+        <p:spPr>
+          <a:xfrm>
+            <a:off x="419100" y="-163286"/>
+            <a:ext cx="5393871" cy="2961309"/>
+          </a:xfrm>
+          <a:prstGeom prst="rect">
+            <a:avLst/>
+          </a:prstGeom>
+        </p:spPr>
+      </p:pic>
       <p:sp>
         <p:nvSpPr>
           <p:cNvPr id="2" name="Title 1">
@@ -4215,14 +3996,17 @@
         </p:nvSpPr>
         <p:spPr/>
         <p:txBody>
-          <a:bodyPr/>
-          <a:lstStyle/>
-          <a:p>
-            <a:r>
-              <a:rPr lang="en-US">
-                <a:solidFill>
-                  <a:srgbClr val="FFFFFF"/>
-                </a:solidFill>
+          <a:bodyPr>
+            <a:normAutofit/>
+          </a:bodyPr>
+          <a:lstStyle/>
+          <a:p>
+            <a:r>
+              <a:rPr lang="en-US" sz="6000" dirty="0">
+                <a:solidFill>
+                  <a:srgbClr val="7E327B"/>
+                </a:solidFill>
+                <a:latin typeface="Eras Bold ITC" panose="020B0907030504020204" pitchFamily="34" charset="0"/>
               </a:rPr>
               <a:t>Our brief </a:t>
             </a:r>
@@ -4247,59 +4031,43 @@
         </p:nvSpPr>
         <p:spPr>
           <a:xfrm>
-            <a:off x="581192" y="2180496"/>
-            <a:ext cx="11029615" cy="3678303"/>
-          </a:xfrm>
-        </p:spPr>
-        <p:txBody>
-          <a:bodyPr/>
-          <a:lstStyle/>
-          <a:p>
-            <a:r>
-              <a:rPr lang="en-US" dirty="0"/>
+            <a:off x="838200" y="1825625"/>
+            <a:ext cx="10515600" cy="4667250"/>
+          </a:xfrm>
+        </p:spPr>
+        <p:txBody>
+          <a:bodyPr>
+            <a:normAutofit/>
+          </a:bodyPr>
+          <a:lstStyle/>
+          <a:p>
+            <a:r>
+              <a:rPr lang="en-US" sz="3600" dirty="0">
+                <a:solidFill>
+                  <a:srgbClr val="7E327B"/>
+                </a:solidFill>
+                <a:latin typeface="Eras Bold ITC" panose="020B0907030504020204" pitchFamily="34" charset="0"/>
+              </a:rPr>
               <a:t>Use coercive </a:t>
             </a:r>
             <a:r>
-              <a:rPr lang="en-US" dirty="0" err="1"/>
+              <a:rPr lang="en-US" sz="3600" dirty="0" err="1">
+                <a:solidFill>
+                  <a:srgbClr val="7E327B"/>
+                </a:solidFill>
+                <a:latin typeface="Eras Bold ITC" panose="020B0907030504020204" pitchFamily="34" charset="0"/>
+              </a:rPr>
               <a:t>monetisation</a:t>
             </a:r>
             <a:r>
-              <a:rPr lang="en-US" dirty="0"/>
+              <a:rPr lang="en-US" sz="3600" dirty="0">
+                <a:solidFill>
+                  <a:srgbClr val="7E327B"/>
+                </a:solidFill>
+                <a:latin typeface="Eras Bold ITC" panose="020B0907030504020204" pitchFamily="34" charset="0"/>
+              </a:rPr>
               <a:t> techniques to generate revenue for a game on a mobile platform</a:t>
             </a:r>
-          </a:p>
-          <a:p>
-            <a:endParaRPr lang="en-US" dirty="0"/>
-          </a:p>
-          <a:p>
-            <a:r>
-              <a:rPr lang="en-GB" sz="2000" dirty="0"/>
-              <a:t>Learning outcomes</a:t>
-            </a:r>
-          </a:p>
-          <a:p>
-            <a:pPr lvl="1"/>
-            <a:r>
-              <a:rPr lang="en-GB" sz="2000" dirty="0"/>
-              <a:t>Establish constraints that keep the project on track, and maintains a consistent flow of design and management.</a:t>
-            </a:r>
-          </a:p>
-          <a:p>
-            <a:pPr lvl="1"/>
-            <a:r>
-              <a:rPr lang="en-GB" sz="2000" dirty="0"/>
-              <a:t>Able to realistically adhere to milestones and set deadlines for the project. </a:t>
-            </a:r>
-          </a:p>
-          <a:p>
-            <a:pPr lvl="1"/>
-            <a:r>
-              <a:rPr lang="en-GB" sz="2000" dirty="0"/>
-              <a:t>Gain an understanding of various monetisation methods used within the mobile game industry.</a:t>
-            </a:r>
-          </a:p>
-          <a:p>
-            <a:endParaRPr lang="en-US" dirty="0"/>
           </a:p>
         </p:txBody>
       </p:sp>
@@ -4333,6 +4101,66 @@
           <a:chExt cx="0" cy="0"/>
         </a:xfrm>
       </p:grpSpPr>
+      <p:pic>
+        <p:nvPicPr>
+          <p:cNvPr id="9" name="Picture 8">
+            <a:extLst>
+              <a:ext uri="{FF2B5EF4-FFF2-40B4-BE49-F238E27FC236}">
+                <a16:creationId xmlns:a16="http://schemas.microsoft.com/office/drawing/2014/main" id="{D43FC0ED-19C9-48AA-9DC1-C27DFBDC8B0E}"/>
+              </a:ext>
+            </a:extLst>
+          </p:cNvPr>
+          <p:cNvPicPr>
+            <a:picLocks noChangeAspect="1"/>
+          </p:cNvPicPr>
+          <p:nvPr/>
+        </p:nvPicPr>
+        <p:blipFill>
+          <a:blip r:embed="rId2"/>
+          <a:stretch>
+            <a:fillRect/>
+          </a:stretch>
+        </p:blipFill>
+        <p:spPr>
+          <a:xfrm>
+            <a:off x="-528372" y="800100"/>
+            <a:ext cx="12139179" cy="6613072"/>
+          </a:xfrm>
+          <a:prstGeom prst="rect">
+            <a:avLst/>
+          </a:prstGeom>
+        </p:spPr>
+      </p:pic>
+      <p:pic>
+        <p:nvPicPr>
+          <p:cNvPr id="10" name="Picture 9">
+            <a:extLst>
+              <a:ext uri="{FF2B5EF4-FFF2-40B4-BE49-F238E27FC236}">
+                <a16:creationId xmlns:a16="http://schemas.microsoft.com/office/drawing/2014/main" id="{286C6907-10C9-46EB-A658-180B5331CB49}"/>
+              </a:ext>
+            </a:extLst>
+          </p:cNvPr>
+          <p:cNvPicPr>
+            <a:picLocks noChangeAspect="1"/>
+          </p:cNvPicPr>
+          <p:nvPr/>
+        </p:nvPicPr>
+        <p:blipFill>
+          <a:blip r:embed="rId2"/>
+          <a:stretch>
+            <a:fillRect/>
+          </a:stretch>
+        </p:blipFill>
+        <p:spPr>
+          <a:xfrm>
+            <a:off x="0" y="-458991"/>
+            <a:ext cx="7625443" cy="3489527"/>
+          </a:xfrm>
+          <a:prstGeom prst="rect">
+            <a:avLst/>
+          </a:prstGeom>
+        </p:spPr>
+      </p:pic>
       <p:sp>
         <p:nvSpPr>
           <p:cNvPr id="2" name="Title 1">
@@ -4351,62 +4179,94 @@
         </p:nvSpPr>
         <p:spPr/>
         <p:txBody>
+          <a:bodyPr>
+            <a:normAutofit/>
+          </a:bodyPr>
+          <a:lstStyle/>
+          <a:p>
+            <a:r>
+              <a:rPr lang="en-US" sz="6000" dirty="0">
+                <a:solidFill>
+                  <a:srgbClr val="7E327B"/>
+                </a:solidFill>
+                <a:latin typeface="Eras Bold ITC" panose="020B0907030504020204" pitchFamily="34" charset="0"/>
+              </a:rPr>
+              <a:t>Demographic</a:t>
+            </a:r>
+          </a:p>
+        </p:txBody>
+      </p:sp>
+      <p:sp>
+        <p:nvSpPr>
+          <p:cNvPr id="3" name="Content Placeholder 2">
+            <a:extLst>
+              <a:ext uri="{FF2B5EF4-FFF2-40B4-BE49-F238E27FC236}">
+                <a16:creationId xmlns:a16="http://schemas.microsoft.com/office/drawing/2014/main" id="{720B9DCD-350F-4EBE-85E5-88F399111831}"/>
+              </a:ext>
+            </a:extLst>
+          </p:cNvPr>
+          <p:cNvSpPr>
+            <a:spLocks noGrp="1"/>
+          </p:cNvSpPr>
+          <p:nvPr>
+            <p:ph idx="1"/>
+          </p:nvPr>
+        </p:nvSpPr>
+        <p:spPr>
+          <a:xfrm>
+            <a:off x="821872" y="2192039"/>
+            <a:ext cx="10515600" cy="4351338"/>
+          </a:xfrm>
+        </p:spPr>
+        <p:txBody>
           <a:bodyPr/>
           <a:lstStyle/>
           <a:p>
             <a:r>
-              <a:rPr lang="en-US" err="1"/>
-              <a:t>T.a</a:t>
-            </a:r>
-            <a:r>
-              <a:rPr lang="en-US"/>
-              <a:t> demographic</a:t>
-            </a:r>
-            <a:endParaRPr lang="en-US" err="1"/>
-          </a:p>
-        </p:txBody>
-      </p:sp>
-      <p:sp>
-        <p:nvSpPr>
-          <p:cNvPr id="3" name="Content Placeholder 2">
-            <a:extLst>
-              <a:ext uri="{FF2B5EF4-FFF2-40B4-BE49-F238E27FC236}">
-                <a16:creationId xmlns:a16="http://schemas.microsoft.com/office/drawing/2014/main" id="{720B9DCD-350F-4EBE-85E5-88F399111831}"/>
-              </a:ext>
-            </a:extLst>
-          </p:cNvPr>
-          <p:cNvSpPr>
-            <a:spLocks noGrp="1"/>
-          </p:cNvSpPr>
-          <p:nvPr>
-            <p:ph idx="1"/>
-          </p:nvPr>
-        </p:nvSpPr>
-        <p:spPr/>
-        <p:txBody>
-          <a:bodyPr/>
-          <a:lstStyle/>
-          <a:p>
-            <a:r>
-              <a:rPr lang="en-US" dirty="0"/>
+              <a:rPr lang="en-US" sz="3600" dirty="0">
+                <a:solidFill>
+                  <a:srgbClr val="7E327B"/>
+                </a:solidFill>
+                <a:latin typeface="Eras Bold ITC" panose="020B0907030504020204" pitchFamily="34" charset="0"/>
+              </a:rPr>
               <a:t>Females</a:t>
             </a:r>
           </a:p>
           <a:p>
-            <a:endParaRPr lang="en-US" dirty="0"/>
-          </a:p>
-          <a:p>
-            <a:r>
-              <a:rPr lang="en-US" dirty="0"/>
+            <a:endParaRPr lang="en-US" sz="3600" dirty="0">
+              <a:solidFill>
+                <a:srgbClr val="7E327B"/>
+              </a:solidFill>
+              <a:latin typeface="Eras Bold ITC" panose="020B0907030504020204" pitchFamily="34" charset="0"/>
+            </a:endParaRPr>
+          </a:p>
+          <a:p>
+            <a:r>
+              <a:rPr lang="en-US" sz="3600" dirty="0">
+                <a:solidFill>
+                  <a:srgbClr val="7E327B"/>
+                </a:solidFill>
+                <a:latin typeface="Eras Bold ITC" panose="020B0907030504020204" pitchFamily="34" charset="0"/>
+              </a:rPr>
               <a:t>35-50</a:t>
             </a:r>
           </a:p>
           <a:p>
-            <a:endParaRPr lang="en-US" dirty="0"/>
-          </a:p>
-          <a:p>
-            <a:r>
-              <a:rPr lang="en-US" dirty="0"/>
+            <a:endParaRPr lang="en-US" sz="3600" dirty="0">
+              <a:solidFill>
+                <a:srgbClr val="7E327B"/>
+              </a:solidFill>
+              <a:latin typeface="Eras Bold ITC" panose="020B0907030504020204" pitchFamily="34" charset="0"/>
+            </a:endParaRPr>
+          </a:p>
+          <a:p>
+            <a:r>
+              <a:rPr lang="en-US" sz="3600" dirty="0">
+                <a:solidFill>
+                  <a:srgbClr val="7E327B"/>
+                </a:solidFill>
+                <a:latin typeface="Eras Bold ITC" panose="020B0907030504020204" pitchFamily="34" charset="0"/>
+              </a:rPr>
               <a:t>Casual Gamers</a:t>
             </a:r>
           </a:p>
@@ -4445,6 +4305,66 @@
           <a:chExt cx="0" cy="0"/>
         </a:xfrm>
       </p:grpSpPr>
+      <p:pic>
+        <p:nvPicPr>
+          <p:cNvPr id="4" name="Picture 3">
+            <a:extLst>
+              <a:ext uri="{FF2B5EF4-FFF2-40B4-BE49-F238E27FC236}">
+                <a16:creationId xmlns:a16="http://schemas.microsoft.com/office/drawing/2014/main" id="{6EE2C5AF-8891-4790-A2CC-6448F4F14BE0}"/>
+              </a:ext>
+            </a:extLst>
+          </p:cNvPr>
+          <p:cNvPicPr>
+            <a:picLocks noChangeAspect="1"/>
+          </p:cNvPicPr>
+          <p:nvPr/>
+        </p:nvPicPr>
+        <p:blipFill>
+          <a:blip r:embed="rId2"/>
+          <a:stretch>
+            <a:fillRect/>
+          </a:stretch>
+        </p:blipFill>
+        <p:spPr>
+          <a:xfrm>
+            <a:off x="-528372" y="800100"/>
+            <a:ext cx="12139179" cy="6613072"/>
+          </a:xfrm>
+          <a:prstGeom prst="rect">
+            <a:avLst/>
+          </a:prstGeom>
+        </p:spPr>
+      </p:pic>
+      <p:pic>
+        <p:nvPicPr>
+          <p:cNvPr id="5" name="Picture 4">
+            <a:extLst>
+              <a:ext uri="{FF2B5EF4-FFF2-40B4-BE49-F238E27FC236}">
+                <a16:creationId xmlns:a16="http://schemas.microsoft.com/office/drawing/2014/main" id="{4D1D260D-961C-4010-84F8-F66561C1406D}"/>
+              </a:ext>
+            </a:extLst>
+          </p:cNvPr>
+          <p:cNvPicPr>
+            <a:picLocks noChangeAspect="1"/>
+          </p:cNvPicPr>
+          <p:nvPr/>
+        </p:nvPicPr>
+        <p:blipFill>
+          <a:blip r:embed="rId2"/>
+          <a:stretch>
+            <a:fillRect/>
+          </a:stretch>
+        </p:blipFill>
+        <p:spPr>
+          <a:xfrm>
+            <a:off x="0" y="-458991"/>
+            <a:ext cx="7625443" cy="3489527"/>
+          </a:xfrm>
+          <a:prstGeom prst="rect">
+            <a:avLst/>
+          </a:prstGeom>
+        </p:spPr>
+      </p:pic>
       <p:sp>
         <p:nvSpPr>
           <p:cNvPr id="2" name="Title 1">
@@ -4466,16 +4386,18 @@
           <a:bodyPr/>
           <a:lstStyle/>
           <a:p>
-            <a:br>
-              <a:rPr lang="en-US">
-                <a:solidFill>
-                  <a:schemeClr val="tx1"/>
-                </a:solidFill>
+            <a:r>
+              <a:rPr lang="en-US" sz="6000" dirty="0">
+                <a:solidFill>
+                  <a:srgbClr val="7E327B"/>
+                </a:solidFill>
+                <a:latin typeface="Eras Bold ITC" panose="020B0907030504020204" pitchFamily="34" charset="0"/>
               </a:rPr>
-            </a:br>
-            <a:r>
-              <a:rPr lang="en-US"/>
-              <a:t>psychographic </a:t>
+              <a:t>Psychographic</a:t>
+            </a:r>
+            <a:r>
+              <a:rPr lang="en-US" dirty="0"/>
+              <a:t> </a:t>
             </a:r>
           </a:p>
         </p:txBody>
@@ -4498,54 +4420,99 @@
         </p:nvSpPr>
         <p:spPr>
           <a:xfrm>
-            <a:off x="581192" y="2598506"/>
-            <a:ext cx="11029615" cy="3678303"/>
+            <a:off x="581192" y="1962377"/>
+            <a:ext cx="11029615" cy="4800600"/>
           </a:xfrm>
         </p:spPr>
         <p:txBody>
           <a:bodyPr>
-            <a:normAutofit lnSpcReduction="10000"/>
+            <a:normAutofit fontScale="47500" lnSpcReduction="20000"/>
           </a:bodyPr>
           <a:lstStyle/>
           <a:p>
             <a:r>
-              <a:rPr lang="en-US" dirty="0"/>
-              <a:t>Mothers who either work a small number of hours or not at all</a:t>
-            </a:r>
-          </a:p>
-          <a:p>
-            <a:endParaRPr lang="en-US" dirty="0"/>
-          </a:p>
-          <a:p>
-            <a:r>
-              <a:rPr lang="en-US" dirty="0"/>
-              <a:t>Home alone during the day as their kids have left and spouse works till late</a:t>
-            </a:r>
-          </a:p>
-          <a:p>
-            <a:endParaRPr lang="en-US" dirty="0"/>
-          </a:p>
-          <a:p>
-            <a:r>
-              <a:rPr lang="en-US" dirty="0"/>
+              <a:rPr lang="en-US" sz="6500" dirty="0">
+                <a:solidFill>
+                  <a:srgbClr val="7E327B"/>
+                </a:solidFill>
+                <a:latin typeface="Eras Bold ITC" panose="020B0907030504020204" pitchFamily="34" charset="0"/>
+              </a:rPr>
+              <a:t>Mothers who work short hours or not at all</a:t>
+            </a:r>
+          </a:p>
+          <a:p>
+            <a:endParaRPr lang="en-US" sz="6500" dirty="0">
+              <a:solidFill>
+                <a:srgbClr val="7E327B"/>
+              </a:solidFill>
+              <a:latin typeface="Eras Bold ITC" panose="020B0907030504020204" pitchFamily="34" charset="0"/>
+            </a:endParaRPr>
+          </a:p>
+          <a:p>
+            <a:r>
+              <a:rPr lang="en-US" sz="6500" dirty="0">
+                <a:solidFill>
+                  <a:srgbClr val="7E327B"/>
+                </a:solidFill>
+                <a:latin typeface="Eras Bold ITC" panose="020B0907030504020204" pitchFamily="34" charset="0"/>
+              </a:rPr>
+              <a:t>Home alone during the day</a:t>
+            </a:r>
+          </a:p>
+          <a:p>
+            <a:endParaRPr lang="en-US" sz="6500" dirty="0">
+              <a:solidFill>
+                <a:srgbClr val="7E327B"/>
+              </a:solidFill>
+              <a:latin typeface="Eras Bold ITC" panose="020B0907030504020204" pitchFamily="34" charset="0"/>
+            </a:endParaRPr>
+          </a:p>
+          <a:p>
+            <a:r>
+              <a:rPr lang="en-US" sz="6500" dirty="0">
+                <a:solidFill>
+                  <a:srgbClr val="7E327B"/>
+                </a:solidFill>
+                <a:latin typeface="Eras Bold ITC" panose="020B0907030504020204" pitchFamily="34" charset="0"/>
+              </a:rPr>
               <a:t>Have a love of animals, especially smaller breeds</a:t>
             </a:r>
           </a:p>
           <a:p>
-            <a:endParaRPr lang="en-US" dirty="0"/>
-          </a:p>
-          <a:p>
-            <a:r>
-              <a:rPr lang="en-US" dirty="0"/>
+            <a:endParaRPr lang="en-US" sz="6500" dirty="0">
+              <a:solidFill>
+                <a:srgbClr val="7E327B"/>
+              </a:solidFill>
+              <a:latin typeface="Eras Bold ITC" panose="020B0907030504020204" pitchFamily="34" charset="0"/>
+            </a:endParaRPr>
+          </a:p>
+          <a:p>
+            <a:r>
+              <a:rPr lang="en-US" sz="6500" dirty="0">
+                <a:solidFill>
+                  <a:srgbClr val="7E327B"/>
+                </a:solidFill>
+                <a:latin typeface="Eras Bold ITC" panose="020B0907030504020204" pitchFamily="34" charset="0"/>
+              </a:rPr>
               <a:t>Love of natural landscapes and environments</a:t>
             </a:r>
           </a:p>
           <a:p>
-            <a:endParaRPr lang="en-US" dirty="0"/>
-          </a:p>
-          <a:p>
-            <a:r>
-              <a:rPr lang="en-US" dirty="0"/>
+            <a:endParaRPr lang="en-US" sz="6500" dirty="0">
+              <a:solidFill>
+                <a:srgbClr val="7E327B"/>
+              </a:solidFill>
+              <a:latin typeface="Eras Bold ITC" panose="020B0907030504020204" pitchFamily="34" charset="0"/>
+            </a:endParaRPr>
+          </a:p>
+          <a:p>
+            <a:r>
+              <a:rPr lang="en-US" sz="6500" dirty="0">
+                <a:solidFill>
+                  <a:srgbClr val="7E327B"/>
+                </a:solidFill>
+                <a:latin typeface="Eras Bold ITC" panose="020B0907030504020204" pitchFamily="34" charset="0"/>
+              </a:rPr>
               <a:t>Love of fantasy media</a:t>
             </a:r>
           </a:p>
@@ -4584,332 +4551,425 @@
           <a:chExt cx="0" cy="0"/>
         </a:xfrm>
       </p:grpSpPr>
-      <p:sp>
-        <p:nvSpPr>
-          <p:cNvPr id="15" name="Arc 14">
-            <a:extLst>
-              <a:ext uri="{FF2B5EF4-FFF2-40B4-BE49-F238E27FC236}">
-                <a16:creationId xmlns:a16="http://schemas.microsoft.com/office/drawing/2014/main" id="{A6159DD4-3B8C-4970-AB18-FDCA0F48DAC8}"/>
-              </a:ext>
-            </a:extLst>
-          </p:cNvPr>
-          <p:cNvSpPr/>
+      <p:pic>
+        <p:nvPicPr>
+          <p:cNvPr id="31" name="Picture 30">
+            <a:extLst>
+              <a:ext uri="{FF2B5EF4-FFF2-40B4-BE49-F238E27FC236}">
+                <a16:creationId xmlns:a16="http://schemas.microsoft.com/office/drawing/2014/main" id="{057D59E0-D1CC-4C1A-87D9-D73E962BA6E0}"/>
+              </a:ext>
+            </a:extLst>
+          </p:cNvPr>
+          <p:cNvPicPr>
+            <a:picLocks noChangeAspect="1"/>
+          </p:cNvPicPr>
           <p:nvPr/>
-        </p:nvSpPr>
-        <p:spPr>
-          <a:xfrm rot="-3240000" flipH="1" flipV="1">
-            <a:off x="3457290" y="698998"/>
-            <a:ext cx="3883843" cy="4922395"/>
-          </a:xfrm>
-          <a:prstGeom prst="arc">
-            <a:avLst/>
-          </a:prstGeom>
-        </p:spPr>
-        <p:style>
-          <a:lnRef idx="1">
-            <a:schemeClr val="accent1"/>
-          </a:lnRef>
-          <a:fillRef idx="0">
-            <a:schemeClr val="accent1"/>
-          </a:fillRef>
-          <a:effectRef idx="0">
-            <a:schemeClr val="accent1"/>
-          </a:effectRef>
-          <a:fontRef idx="minor">
-            <a:schemeClr val="tx1"/>
-          </a:fontRef>
-        </p:style>
-        <p:txBody>
-          <a:bodyPr rtlCol="0" anchor="ctr"/>
-          <a:lstStyle/>
-          <a:p>
-            <a:pPr algn="ctr"/>
-            <a:endParaRPr lang="en-US"/>
-          </a:p>
-        </p:txBody>
-      </p:sp>
-      <p:sp>
-        <p:nvSpPr>
-          <p:cNvPr id="13" name="Arc 12">
-            <a:extLst>
-              <a:ext uri="{FF2B5EF4-FFF2-40B4-BE49-F238E27FC236}">
-                <a16:creationId xmlns:a16="http://schemas.microsoft.com/office/drawing/2014/main" id="{4C461E8E-FD9A-4B3E-9549-53BFC43F313D}"/>
-              </a:ext>
-            </a:extLst>
-          </p:cNvPr>
-          <p:cNvSpPr/>
-          <p:nvPr/>
-        </p:nvSpPr>
-        <p:spPr>
-          <a:xfrm flipH="1">
-            <a:off x="4324350" y="2601790"/>
-            <a:ext cx="3201011" cy="3690938"/>
-          </a:xfrm>
-          <a:prstGeom prst="arc">
-            <a:avLst/>
-          </a:prstGeom>
-        </p:spPr>
-        <p:style>
-          <a:lnRef idx="1">
-            <a:schemeClr val="accent1"/>
-          </a:lnRef>
-          <a:fillRef idx="0">
-            <a:schemeClr val="accent1"/>
-          </a:fillRef>
-          <a:effectRef idx="0">
-            <a:schemeClr val="accent1"/>
-          </a:effectRef>
-          <a:fontRef idx="minor">
-            <a:schemeClr val="tx1"/>
-          </a:fontRef>
-        </p:style>
-        <p:txBody>
-          <a:bodyPr rtlCol="0" anchor="ctr"/>
-          <a:lstStyle/>
-          <a:p>
-            <a:pPr algn="ctr"/>
-            <a:endParaRPr lang="en-US"/>
-          </a:p>
-        </p:txBody>
-      </p:sp>
-      <p:sp>
-        <p:nvSpPr>
-          <p:cNvPr id="11" name="Arc 10">
-            <a:extLst>
-              <a:ext uri="{FF2B5EF4-FFF2-40B4-BE49-F238E27FC236}">
-                <a16:creationId xmlns:a16="http://schemas.microsoft.com/office/drawing/2014/main" id="{6C7E7962-5B48-4274-AE25-98B0F9ACD3A0}"/>
-              </a:ext>
-            </a:extLst>
-          </p:cNvPr>
-          <p:cNvSpPr/>
-          <p:nvPr/>
-        </p:nvSpPr>
+        </p:nvPicPr>
+        <p:blipFill>
+          <a:blip r:embed="rId2"/>
+          <a:stretch>
+            <a:fillRect/>
+          </a:stretch>
+        </p:blipFill>
         <p:spPr>
           <a:xfrm>
-            <a:off x="4106006" y="2651613"/>
-            <a:ext cx="3201011" cy="3690938"/>
-          </a:xfrm>
-          <a:prstGeom prst="arc">
-            <a:avLst/>
-          </a:prstGeom>
-        </p:spPr>
-        <p:style>
-          <a:lnRef idx="1">
-            <a:schemeClr val="accent1"/>
-          </a:lnRef>
-          <a:fillRef idx="0">
-            <a:schemeClr val="accent1"/>
-          </a:fillRef>
-          <a:effectRef idx="0">
-            <a:schemeClr val="accent1"/>
-          </a:effectRef>
-          <a:fontRef idx="minor">
-            <a:schemeClr val="tx1"/>
-          </a:fontRef>
-        </p:style>
-        <p:txBody>
-          <a:bodyPr rtlCol="0" anchor="ctr"/>
-          <a:lstStyle/>
-          <a:p>
-            <a:pPr algn="ctr"/>
-            <a:endParaRPr lang="en-US"/>
-          </a:p>
-        </p:txBody>
-      </p:sp>
-      <p:sp>
-        <p:nvSpPr>
-          <p:cNvPr id="2" name="Title 1">
-            <a:extLst>
-              <a:ext uri="{FF2B5EF4-FFF2-40B4-BE49-F238E27FC236}">
-                <a16:creationId xmlns:a16="http://schemas.microsoft.com/office/drawing/2014/main" id="{EF1DB0F5-F8C5-43CC-8EC0-AECC0846A744}"/>
-              </a:ext>
-            </a:extLst>
-          </p:cNvPr>
-          <p:cNvSpPr>
-            <a:spLocks noGrp="1"/>
-          </p:cNvSpPr>
-          <p:nvPr>
-            <p:ph type="title"/>
-          </p:nvPr>
-        </p:nvSpPr>
-        <p:spPr/>
-        <p:txBody>
-          <a:bodyPr/>
-          <a:lstStyle/>
-          <a:p>
-            <a:r>
-              <a:rPr lang="en-US"/>
-              <a:t>Game loop </a:t>
-            </a:r>
-          </a:p>
-        </p:txBody>
-      </p:sp>
-      <p:sp>
-        <p:nvSpPr>
-          <p:cNvPr id="3" name="TextBox 2">
-            <a:extLst>
-              <a:ext uri="{FF2B5EF4-FFF2-40B4-BE49-F238E27FC236}">
-                <a16:creationId xmlns:a16="http://schemas.microsoft.com/office/drawing/2014/main" id="{B73F816E-40E2-4141-9D3E-F0628250F612}"/>
-              </a:ext>
-            </a:extLst>
-          </p:cNvPr>
-          <p:cNvSpPr txBox="1"/>
-          <p:nvPr/>
-        </p:nvSpPr>
-        <p:spPr>
-          <a:xfrm>
-            <a:off x="5095875" y="2466975"/>
-            <a:ext cx="1350016" cy="369888"/>
+            <a:off x="0" y="-458991"/>
+            <a:ext cx="7625443" cy="3489527"/>
           </a:xfrm>
           <a:prstGeom prst="rect">
             <a:avLst/>
           </a:prstGeom>
         </p:spPr>
-        <p:style>
-          <a:lnRef idx="2">
-            <a:schemeClr val="accent1">
-              <a:shade val="50000"/>
-            </a:schemeClr>
-          </a:lnRef>
-          <a:fillRef idx="1">
-            <a:schemeClr val="accent1"/>
-          </a:fillRef>
-          <a:effectRef idx="0">
-            <a:schemeClr val="accent1"/>
-          </a:effectRef>
-          <a:fontRef idx="minor">
-            <a:schemeClr val="lt1"/>
-          </a:fontRef>
-        </p:style>
-        <p:txBody>
-          <a:bodyPr rot="0" spcFirstLastPara="0" vertOverflow="overflow" horzOverflow="overflow" vert="horz" wrap="square" lIns="91440" tIns="45720" rIns="91440" bIns="45720" numCol="1" spcCol="0" rtlCol="0" fromWordArt="0" anchor="t" anchorCtr="0" forceAA="0" compatLnSpc="1">
-            <a:prstTxWarp prst="textNoShape">
-              <a:avLst/>
-            </a:prstTxWarp>
-            <a:spAutoFit/>
+      </p:pic>
+      <p:sp>
+        <p:nvSpPr>
+          <p:cNvPr id="2" name="Title 1">
+            <a:extLst>
+              <a:ext uri="{FF2B5EF4-FFF2-40B4-BE49-F238E27FC236}">
+                <a16:creationId xmlns:a16="http://schemas.microsoft.com/office/drawing/2014/main" id="{EF1DB0F5-F8C5-43CC-8EC0-AECC0846A744}"/>
+              </a:ext>
+            </a:extLst>
+          </p:cNvPr>
+          <p:cNvSpPr>
+            <a:spLocks noGrp="1"/>
+          </p:cNvSpPr>
+          <p:nvPr>
+            <p:ph type="title"/>
+          </p:nvPr>
+        </p:nvSpPr>
+        <p:spPr/>
+        <p:txBody>
+          <a:bodyPr>
+            <a:normAutofit/>
           </a:bodyPr>
           <a:lstStyle/>
           <a:p>
-            <a:pPr algn="ctr"/>
-            <a:r>
-              <a:rPr lang="en-US" dirty="0"/>
-              <a:t>Paint (Tap)</a:t>
-            </a:r>
-          </a:p>
-        </p:txBody>
-      </p:sp>
-      <p:sp>
-        <p:nvSpPr>
-          <p:cNvPr id="4" name="TextBox 3">
-            <a:extLst>
-              <a:ext uri="{FF2B5EF4-FFF2-40B4-BE49-F238E27FC236}">
-                <a16:creationId xmlns:a16="http://schemas.microsoft.com/office/drawing/2014/main" id="{E122D1A7-96D8-45DD-93E0-FCEA94F67FCD}"/>
-              </a:ext>
-            </a:extLst>
-          </p:cNvPr>
-          <p:cNvSpPr txBox="1"/>
+            <a:r>
+              <a:rPr lang="en-US" sz="6000" dirty="0">
+                <a:solidFill>
+                  <a:srgbClr val="7E327B"/>
+                </a:solidFill>
+                <a:latin typeface="Eras Bold ITC" panose="020B0907030504020204" pitchFamily="34" charset="0"/>
+              </a:rPr>
+              <a:t>Game loop </a:t>
+            </a:r>
+          </a:p>
+        </p:txBody>
+      </p:sp>
+      <p:pic>
+        <p:nvPicPr>
+          <p:cNvPr id="7" name="Picture 6">
+            <a:extLst>
+              <a:ext uri="{FF2B5EF4-FFF2-40B4-BE49-F238E27FC236}">
+                <a16:creationId xmlns:a16="http://schemas.microsoft.com/office/drawing/2014/main" id="{2BD7D0B7-E238-4B88-B5AB-AC9A4A021435}"/>
+              </a:ext>
+            </a:extLst>
+          </p:cNvPr>
+          <p:cNvPicPr>
+            <a:picLocks noChangeAspect="1"/>
+          </p:cNvPicPr>
           <p:nvPr/>
-        </p:nvSpPr>
+        </p:nvPicPr>
+        <p:blipFill>
+          <a:blip r:embed="rId2"/>
+          <a:stretch>
+            <a:fillRect/>
+          </a:stretch>
+        </p:blipFill>
         <p:spPr>
           <a:xfrm>
-            <a:off x="6200775" y="4448175"/>
-            <a:ext cx="2976074" cy="369332"/>
+            <a:off x="4495494" y="1748674"/>
+            <a:ext cx="3201011" cy="1864667"/>
           </a:xfrm>
           <a:prstGeom prst="rect">
             <a:avLst/>
           </a:prstGeom>
         </p:spPr>
-        <p:style>
-          <a:lnRef idx="2">
-            <a:schemeClr val="accent1">
-              <a:shade val="50000"/>
-            </a:schemeClr>
-          </a:lnRef>
-          <a:fillRef idx="1">
-            <a:schemeClr val="accent1"/>
-          </a:fillRef>
-          <a:effectRef idx="0">
-            <a:schemeClr val="accent1"/>
-          </a:effectRef>
-          <a:fontRef idx="minor">
-            <a:schemeClr val="lt1"/>
-          </a:fontRef>
-        </p:style>
-        <p:txBody>
-          <a:bodyPr rot="0" spcFirstLastPara="0" vertOverflow="overflow" horzOverflow="overflow" vert="horz" wrap="square" lIns="91440" tIns="45720" rIns="91440" bIns="45720" numCol="1" spcCol="0" rtlCol="0" fromWordArt="0" anchor="t" anchorCtr="0" forceAA="0" compatLnSpc="1">
-            <a:prstTxWarp prst="textNoShape">
-              <a:avLst/>
-            </a:prstTxWarp>
-            <a:spAutoFit/>
-          </a:bodyPr>
-          <a:lstStyle/>
-          <a:p>
-            <a:pPr algn="ctr"/>
-            <a:r>
-              <a:rPr lang="en-US" err="1"/>
-              <a:t>Colour</a:t>
-            </a:r>
-            <a:r>
-              <a:rPr lang="en-US"/>
-              <a:t>(feedback/progression)</a:t>
-            </a:r>
-          </a:p>
-        </p:txBody>
-      </p:sp>
-      <p:sp>
-        <p:nvSpPr>
-          <p:cNvPr id="5" name="TextBox 4">
-            <a:extLst>
-              <a:ext uri="{FF2B5EF4-FFF2-40B4-BE49-F238E27FC236}">
-                <a16:creationId xmlns:a16="http://schemas.microsoft.com/office/drawing/2014/main" id="{1FFCC0FD-7557-4551-965E-12E202306074}"/>
-              </a:ext>
-            </a:extLst>
-          </p:cNvPr>
-          <p:cNvSpPr txBox="1"/>
+      </p:pic>
+      <mc:AlternateContent xmlns:mc="http://schemas.openxmlformats.org/markup-compatibility/2006">
+        <mc:Choice xmlns:p14="http://schemas.microsoft.com/office/powerpoint/2010/main" Requires="p14">
+          <p:contentPart p14:bwMode="auto" r:id="rId3">
+            <p14:nvContentPartPr>
+              <p14:cNvPr id="14" name="Ink 13">
+                <a:extLst>
+                  <a:ext uri="{FF2B5EF4-FFF2-40B4-BE49-F238E27FC236}">
+                    <a16:creationId xmlns:a16="http://schemas.microsoft.com/office/drawing/2014/main" id="{690666B0-2FC7-4AE4-B775-3934AC8CC6A2}"/>
+                  </a:ext>
+                </a:extLst>
+              </p14:cNvPr>
+              <p14:cNvContentPartPr/>
+              <p14:nvPr/>
+            </p14:nvContentPartPr>
+            <p14:xfrm>
+              <a:off x="3673779" y="718272"/>
+              <a:ext cx="3837816" cy="2939400"/>
+            </p14:xfrm>
+          </p:contentPart>
+        </mc:Choice>
+        <mc:Fallback>
+          <p:pic>
+            <p:nvPicPr>
+              <p:cNvPr id="14" name="Ink 13">
+                <a:extLst>
+                  <a:ext uri="{FF2B5EF4-FFF2-40B4-BE49-F238E27FC236}">
+                    <a16:creationId xmlns:a16="http://schemas.microsoft.com/office/drawing/2014/main" id="{690666B0-2FC7-4AE4-B775-3934AC8CC6A2}"/>
+                  </a:ext>
+                </a:extLst>
+              </p:cNvPr>
+              <p:cNvPicPr/>
+              <p:nvPr/>
+            </p:nvPicPr>
+            <p:blipFill>
+              <a:blip r:embed="rId4"/>
+              <a:stretch>
+                <a:fillRect/>
+              </a:stretch>
+            </p:blipFill>
+            <p:spPr>
+              <a:xfrm>
+                <a:off x="3666579" y="711432"/>
+                <a:ext cx="3851855" cy="2953440"/>
+              </a:xfrm>
+              <a:prstGeom prst="rect">
+                <a:avLst/>
+              </a:prstGeom>
+            </p:spPr>
+          </p:pic>
+        </mc:Fallback>
+      </mc:AlternateContent>
+      <p:pic>
+        <p:nvPicPr>
+          <p:cNvPr id="16" name="Picture 15">
+            <a:extLst>
+              <a:ext uri="{FF2B5EF4-FFF2-40B4-BE49-F238E27FC236}">
+                <a16:creationId xmlns:a16="http://schemas.microsoft.com/office/drawing/2014/main" id="{A06D45B2-AE0C-4326-A942-E281D6970F8B}"/>
+              </a:ext>
+            </a:extLst>
+          </p:cNvPr>
+          <p:cNvPicPr>
+            <a:picLocks noChangeAspect="1"/>
+          </p:cNvPicPr>
           <p:nvPr/>
-        </p:nvSpPr>
+        </p:nvPicPr>
+        <p:blipFill>
+          <a:blip r:embed="rId2"/>
+          <a:stretch>
+            <a:fillRect/>
+          </a:stretch>
+        </p:blipFill>
         <p:spPr>
           <a:xfrm>
-            <a:off x="3200400" y="4448175"/>
-            <a:ext cx="2154266" cy="369888"/>
+            <a:off x="6826514" y="4249718"/>
+            <a:ext cx="3201011" cy="1864667"/>
           </a:xfrm>
           <a:prstGeom prst="rect">
             <a:avLst/>
           </a:prstGeom>
         </p:spPr>
-        <p:style>
-          <a:lnRef idx="2">
-            <a:schemeClr val="accent1">
-              <a:shade val="50000"/>
-            </a:schemeClr>
-          </a:lnRef>
-          <a:fillRef idx="1">
-            <a:schemeClr val="accent1"/>
-          </a:fillRef>
-          <a:effectRef idx="0">
-            <a:schemeClr val="accent1"/>
-          </a:effectRef>
-          <a:fontRef idx="minor">
-            <a:schemeClr val="lt1"/>
-          </a:fontRef>
-        </p:style>
-        <p:txBody>
-          <a:bodyPr rot="0" spcFirstLastPara="0" vertOverflow="overflow" horzOverflow="overflow" vert="horz" wrap="square" lIns="91440" tIns="45720" rIns="91440" bIns="45720" numCol="1" spcCol="0" rtlCol="0" fromWordArt="0" anchor="t" anchorCtr="0" forceAA="0" compatLnSpc="1">
-            <a:prstTxWarp prst="textNoShape">
-              <a:avLst/>
-            </a:prstTxWarp>
+      </p:pic>
+      <p:pic>
+        <p:nvPicPr>
+          <p:cNvPr id="17" name="Picture 16">
+            <a:extLst>
+              <a:ext uri="{FF2B5EF4-FFF2-40B4-BE49-F238E27FC236}">
+                <a16:creationId xmlns:a16="http://schemas.microsoft.com/office/drawing/2014/main" id="{00621F00-4CEB-449F-94DB-49AD5AC929CC}"/>
+              </a:ext>
+            </a:extLst>
+          </p:cNvPr>
+          <p:cNvPicPr>
+            <a:picLocks noChangeAspect="1"/>
+          </p:cNvPicPr>
+          <p:nvPr/>
+        </p:nvPicPr>
+        <p:blipFill>
+          <a:blip r:embed="rId2"/>
+          <a:stretch>
+            <a:fillRect/>
+          </a:stretch>
+        </p:blipFill>
+        <p:spPr>
+          <a:xfrm>
+            <a:off x="2161853" y="4249718"/>
+            <a:ext cx="3201011" cy="1864667"/>
+          </a:xfrm>
+          <a:prstGeom prst="rect">
+            <a:avLst/>
+          </a:prstGeom>
+        </p:spPr>
+      </p:pic>
+      <p:sp>
+        <p:nvSpPr>
+          <p:cNvPr id="18" name="TextBox 17">
+            <a:extLst>
+              <a:ext uri="{FF2B5EF4-FFF2-40B4-BE49-F238E27FC236}">
+                <a16:creationId xmlns:a16="http://schemas.microsoft.com/office/drawing/2014/main" id="{6AACC13A-F122-44F1-B83D-0CDB031398A5}"/>
+              </a:ext>
+            </a:extLst>
+          </p:cNvPr>
+          <p:cNvSpPr txBox="1"/>
+          <p:nvPr/>
+        </p:nvSpPr>
+        <p:spPr>
+          <a:xfrm>
+            <a:off x="4895850" y="2327065"/>
+            <a:ext cx="2400300" cy="707886"/>
+          </a:xfrm>
+          <a:prstGeom prst="rect">
+            <a:avLst/>
+          </a:prstGeom>
+          <a:noFill/>
+        </p:spPr>
+        <p:txBody>
+          <a:bodyPr wrap="square" rtlCol="0">
             <a:spAutoFit/>
           </a:bodyPr>
           <a:lstStyle/>
           <a:p>
             <a:pPr algn="ctr"/>
             <a:r>
-              <a:rPr lang="en-US"/>
-              <a:t>Reward(Feedback)</a:t>
-            </a:r>
-          </a:p>
-        </p:txBody>
-      </p:sp>
+              <a:rPr lang="en-GB" sz="4000" dirty="0">
+                <a:solidFill>
+                  <a:srgbClr val="7E327B"/>
+                </a:solidFill>
+                <a:latin typeface="Eras Bold ITC" panose="020B0907030504020204" pitchFamily="34" charset="0"/>
+              </a:rPr>
+              <a:t>Touch</a:t>
+            </a:r>
+          </a:p>
+        </p:txBody>
+      </p:sp>
+      <p:sp>
+        <p:nvSpPr>
+          <p:cNvPr id="19" name="TextBox 18">
+            <a:extLst>
+              <a:ext uri="{FF2B5EF4-FFF2-40B4-BE49-F238E27FC236}">
+                <a16:creationId xmlns:a16="http://schemas.microsoft.com/office/drawing/2014/main" id="{8076B876-E4E0-4473-A635-E69BB1E2FB76}"/>
+              </a:ext>
+            </a:extLst>
+          </p:cNvPr>
+          <p:cNvSpPr txBox="1"/>
+          <p:nvPr/>
+        </p:nvSpPr>
+        <p:spPr>
+          <a:xfrm>
+            <a:off x="7183021" y="4828108"/>
+            <a:ext cx="2400300" cy="707886"/>
+          </a:xfrm>
+          <a:prstGeom prst="rect">
+            <a:avLst/>
+          </a:prstGeom>
+          <a:noFill/>
+        </p:spPr>
+        <p:txBody>
+          <a:bodyPr wrap="square" rtlCol="0">
+            <a:spAutoFit/>
+          </a:bodyPr>
+          <a:lstStyle/>
+          <a:p>
+            <a:pPr algn="ctr"/>
+            <a:r>
+              <a:rPr lang="en-GB" sz="4000" dirty="0">
+                <a:solidFill>
+                  <a:srgbClr val="7E327B"/>
+                </a:solidFill>
+                <a:latin typeface="Eras Bold ITC" panose="020B0907030504020204" pitchFamily="34" charset="0"/>
+              </a:rPr>
+              <a:t>Colour</a:t>
+            </a:r>
+          </a:p>
+        </p:txBody>
+      </p:sp>
+      <p:sp>
+        <p:nvSpPr>
+          <p:cNvPr id="20" name="TextBox 19">
+            <a:extLst>
+              <a:ext uri="{FF2B5EF4-FFF2-40B4-BE49-F238E27FC236}">
+                <a16:creationId xmlns:a16="http://schemas.microsoft.com/office/drawing/2014/main" id="{296C356E-79CA-47B6-9315-D7C45B60FD0A}"/>
+              </a:ext>
+            </a:extLst>
+          </p:cNvPr>
+          <p:cNvSpPr txBox="1"/>
+          <p:nvPr/>
+        </p:nvSpPr>
+        <p:spPr>
+          <a:xfrm>
+            <a:off x="2494239" y="4828108"/>
+            <a:ext cx="2400300" cy="707886"/>
+          </a:xfrm>
+          <a:prstGeom prst="rect">
+            <a:avLst/>
+          </a:prstGeom>
+          <a:noFill/>
+        </p:spPr>
+        <p:txBody>
+          <a:bodyPr wrap="square" rtlCol="0">
+            <a:spAutoFit/>
+          </a:bodyPr>
+          <a:lstStyle/>
+          <a:p>
+            <a:pPr algn="ctr"/>
+            <a:r>
+              <a:rPr lang="en-GB" sz="4000" dirty="0">
+                <a:solidFill>
+                  <a:srgbClr val="7E327B"/>
+                </a:solidFill>
+                <a:latin typeface="Eras Bold ITC" panose="020B0907030504020204" pitchFamily="34" charset="0"/>
+              </a:rPr>
+              <a:t>Reward</a:t>
+            </a:r>
+          </a:p>
+        </p:txBody>
+      </p:sp>
+      <p:pic>
+        <p:nvPicPr>
+          <p:cNvPr id="22" name="Picture 21">
+            <a:extLst>
+              <a:ext uri="{FF2B5EF4-FFF2-40B4-BE49-F238E27FC236}">
+                <a16:creationId xmlns:a16="http://schemas.microsoft.com/office/drawing/2014/main" id="{7B20CB15-2F9C-49BA-91D4-A3145C6FB1DE}"/>
+              </a:ext>
+            </a:extLst>
+          </p:cNvPr>
+          <p:cNvPicPr>
+            <a:picLocks noChangeAspect="1"/>
+          </p:cNvPicPr>
+          <p:nvPr/>
+        </p:nvPicPr>
+        <p:blipFill>
+          <a:blip r:embed="rId5"/>
+          <a:stretch>
+            <a:fillRect/>
+          </a:stretch>
+        </p:blipFill>
+        <p:spPr>
+          <a:xfrm>
+            <a:off x="7414353" y="2491604"/>
+            <a:ext cx="1975121" cy="1809466"/>
+          </a:xfrm>
+          <a:prstGeom prst="rect">
+            <a:avLst/>
+          </a:prstGeom>
+        </p:spPr>
+      </p:pic>
+      <p:pic>
+        <p:nvPicPr>
+          <p:cNvPr id="23" name="Picture 22">
+            <a:extLst>
+              <a:ext uri="{FF2B5EF4-FFF2-40B4-BE49-F238E27FC236}">
+                <a16:creationId xmlns:a16="http://schemas.microsoft.com/office/drawing/2014/main" id="{FFCCEC46-3221-41E4-B2DF-7D91FEA61FC2}"/>
+              </a:ext>
+            </a:extLst>
+          </p:cNvPr>
+          <p:cNvPicPr>
+            <a:picLocks noChangeAspect="1"/>
+          </p:cNvPicPr>
+          <p:nvPr/>
+        </p:nvPicPr>
+        <p:blipFill>
+          <a:blip r:embed="rId5"/>
+          <a:stretch>
+            <a:fillRect/>
+          </a:stretch>
+        </p:blipFill>
+        <p:spPr>
+          <a:xfrm rot="8250951">
+            <a:off x="5107128" y="5209652"/>
+            <a:ext cx="1975121" cy="1809466"/>
+          </a:xfrm>
+          <a:prstGeom prst="rect">
+            <a:avLst/>
+          </a:prstGeom>
+        </p:spPr>
+      </p:pic>
+      <p:pic>
+        <p:nvPicPr>
+          <p:cNvPr id="24" name="Picture 23">
+            <a:extLst>
+              <a:ext uri="{FF2B5EF4-FFF2-40B4-BE49-F238E27FC236}">
+                <a16:creationId xmlns:a16="http://schemas.microsoft.com/office/drawing/2014/main" id="{AAFB0FC1-DC74-4974-9C61-77005C307AFF}"/>
+              </a:ext>
+            </a:extLst>
+          </p:cNvPr>
+          <p:cNvPicPr>
+            <a:picLocks noChangeAspect="1"/>
+          </p:cNvPicPr>
+          <p:nvPr/>
+        </p:nvPicPr>
+        <p:blipFill>
+          <a:blip r:embed="rId5"/>
+          <a:stretch>
+            <a:fillRect/>
+          </a:stretch>
+        </p:blipFill>
+        <p:spPr>
+          <a:xfrm rot="15512390">
+            <a:off x="2823919" y="2541266"/>
+            <a:ext cx="1975121" cy="1809466"/>
+          </a:xfrm>
+          <a:prstGeom prst="rect">
+            <a:avLst/>
+          </a:prstGeom>
+        </p:spPr>
+      </p:pic>
     </p:spTree>
     <p:extLst>
       <p:ext uri="{BB962C8B-B14F-4D97-AF65-F5344CB8AC3E}">
@@ -4940,12 +5000,72 @@
           <a:chExt cx="0" cy="0"/>
         </a:xfrm>
       </p:grpSpPr>
+      <p:pic>
+        <p:nvPicPr>
+          <p:cNvPr id="6" name="Picture 5">
+            <a:extLst>
+              <a:ext uri="{FF2B5EF4-FFF2-40B4-BE49-F238E27FC236}">
+                <a16:creationId xmlns:a16="http://schemas.microsoft.com/office/drawing/2014/main" id="{2943C496-CD6C-49EC-9078-6C4D2088A8A9}"/>
+              </a:ext>
+            </a:extLst>
+          </p:cNvPr>
+          <p:cNvPicPr>
+            <a:picLocks noChangeAspect="1"/>
+          </p:cNvPicPr>
+          <p:nvPr/>
+        </p:nvPicPr>
+        <p:blipFill>
+          <a:blip r:embed="rId2"/>
+          <a:stretch>
+            <a:fillRect/>
+          </a:stretch>
+        </p:blipFill>
+        <p:spPr>
+          <a:xfrm>
+            <a:off x="-528372" y="800100"/>
+            <a:ext cx="12139179" cy="6613072"/>
+          </a:xfrm>
+          <a:prstGeom prst="rect">
+            <a:avLst/>
+          </a:prstGeom>
+        </p:spPr>
+      </p:pic>
+      <p:pic>
+        <p:nvPicPr>
+          <p:cNvPr id="7" name="Picture 6">
+            <a:extLst>
+              <a:ext uri="{FF2B5EF4-FFF2-40B4-BE49-F238E27FC236}">
+                <a16:creationId xmlns:a16="http://schemas.microsoft.com/office/drawing/2014/main" id="{9CB4F653-9628-46B5-931C-2E7D81164F50}"/>
+              </a:ext>
+            </a:extLst>
+          </p:cNvPr>
+          <p:cNvPicPr>
+            <a:picLocks noChangeAspect="1"/>
+          </p:cNvPicPr>
+          <p:nvPr/>
+        </p:nvPicPr>
+        <p:blipFill>
+          <a:blip r:embed="rId2"/>
+          <a:stretch>
+            <a:fillRect/>
+          </a:stretch>
+        </p:blipFill>
+        <p:spPr>
+          <a:xfrm>
+            <a:off x="0" y="-458991"/>
+            <a:ext cx="7625443" cy="3489527"/>
+          </a:xfrm>
+          <a:prstGeom prst="rect">
+            <a:avLst/>
+          </a:prstGeom>
+        </p:spPr>
+      </p:pic>
       <p:sp>
         <p:nvSpPr>
           <p:cNvPr id="2" name="Title 1">
             <a:extLst>
               <a:ext uri="{FF2B5EF4-FFF2-40B4-BE49-F238E27FC236}">
-                <a16:creationId xmlns:a16="http://schemas.microsoft.com/office/drawing/2014/main" id="{A8AAC407-D0D4-4C21-8F29-503DDF790CEB}"/>
+                <a16:creationId xmlns:a16="http://schemas.microsoft.com/office/drawing/2014/main" id="{8115CB3F-F892-4D3F-8FB1-B73976B7BA4C}"/>
               </a:ext>
             </a:extLst>
           </p:cNvPr>
@@ -4962,8 +5082,17 @@
           <a:lstStyle/>
           <a:p>
             <a:r>
+              <a:rPr lang="en-US" sz="6000" dirty="0">
+                <a:solidFill>
+                  <a:srgbClr val="7E327B"/>
+                </a:solidFill>
+                <a:latin typeface="Eras Bold ITC" panose="020B0907030504020204" pitchFamily="34" charset="0"/>
+              </a:rPr>
+              <a:t>Touch</a:t>
+            </a:r>
+            <a:r>
               <a:rPr lang="en-US" dirty="0"/>
-              <a:t>Tap</a:t>
+              <a:t> </a:t>
             </a:r>
           </a:p>
         </p:txBody>
@@ -4973,7 +5102,7 @@
           <p:cNvPr id="3" name="Content Placeholder 2">
             <a:extLst>
               <a:ext uri="{FF2B5EF4-FFF2-40B4-BE49-F238E27FC236}">
-                <a16:creationId xmlns:a16="http://schemas.microsoft.com/office/drawing/2014/main" id="{E7182148-BEF6-4C4F-99A1-12A50C01A130}"/>
+                <a16:creationId xmlns:a16="http://schemas.microsoft.com/office/drawing/2014/main" id="{143BFBD5-2C2B-4A1A-A53F-6D1B43FE4FDD}"/>
               </a:ext>
             </a:extLst>
           </p:cNvPr>
@@ -4984,19 +5113,78 @@
             <p:ph idx="1"/>
           </p:nvPr>
         </p:nvSpPr>
-        <p:spPr/>
-        <p:txBody>
-          <a:bodyPr/>
-          <a:lstStyle/>
-          <a:p>
-            <a:endParaRPr lang="en-US"/>
+        <p:spPr>
+          <a:xfrm>
+            <a:off x="581193" y="1962377"/>
+            <a:ext cx="10228322" cy="4800600"/>
+          </a:xfrm>
+        </p:spPr>
+        <p:txBody>
+          <a:bodyPr>
+            <a:normAutofit/>
+          </a:bodyPr>
+          <a:lstStyle/>
+          <a:p>
+            <a:r>
+              <a:rPr lang="en-US" sz="3600" dirty="0">
+                <a:solidFill>
+                  <a:srgbClr val="7E327B"/>
+                </a:solidFill>
+                <a:latin typeface="Eras Bold ITC" panose="020B0907030504020204" pitchFamily="34" charset="0"/>
+              </a:rPr>
+              <a:t>Player taps to receive feedback</a:t>
+            </a:r>
+          </a:p>
+          <a:p>
+            <a:pPr marL="0" indent="0">
+              <a:buNone/>
+            </a:pPr>
+            <a:endParaRPr lang="en-US" sz="3600" dirty="0">
+              <a:solidFill>
+                <a:srgbClr val="7E327B"/>
+              </a:solidFill>
+              <a:latin typeface="Eras Bold ITC" panose="020B0907030504020204" pitchFamily="34" charset="0"/>
+            </a:endParaRPr>
+          </a:p>
+          <a:p>
+            <a:r>
+              <a:rPr lang="en-US" sz="3600" dirty="0">
+                <a:solidFill>
+                  <a:srgbClr val="7E327B"/>
+                </a:solidFill>
+                <a:latin typeface="Eras Bold ITC" panose="020B0907030504020204" pitchFamily="34" charset="0"/>
+              </a:rPr>
+              <a:t>Used to establish a set diegesis of the game world</a:t>
+            </a:r>
+          </a:p>
+          <a:p>
+            <a:endParaRPr lang="en-US" sz="3600" dirty="0">
+              <a:solidFill>
+                <a:srgbClr val="7E327B"/>
+              </a:solidFill>
+              <a:latin typeface="Eras Bold ITC" panose="020B0907030504020204" pitchFamily="34" charset="0"/>
+            </a:endParaRPr>
+          </a:p>
+          <a:p>
+            <a:r>
+              <a:rPr lang="en-US" sz="3600" dirty="0">
+                <a:solidFill>
+                  <a:srgbClr val="7E327B"/>
+                </a:solidFill>
+                <a:latin typeface="Eras Bold ITC" panose="020B0907030504020204" pitchFamily="34" charset="0"/>
+              </a:rPr>
+              <a:t>Tapping the character also provides feedback</a:t>
+            </a:r>
+          </a:p>
+          <a:p>
+            <a:endParaRPr lang="en-US" sz="3600" dirty="0"/>
           </a:p>
         </p:txBody>
       </p:sp>
     </p:spTree>
     <p:extLst>
       <p:ext uri="{BB962C8B-B14F-4D97-AF65-F5344CB8AC3E}">
-        <p14:creationId xmlns:p14="http://schemas.microsoft.com/office/powerpoint/2010/main" val="108013716"/>
+        <p14:creationId xmlns:p14="http://schemas.microsoft.com/office/powerpoint/2010/main" val="155338807"/>
       </p:ext>
     </p:extLst>
   </p:cSld>
@@ -5023,12 +5211,72 @@
           <a:chExt cx="0" cy="0"/>
         </a:xfrm>
       </p:grpSpPr>
+      <p:pic>
+        <p:nvPicPr>
+          <p:cNvPr id="6" name="Picture 5">
+            <a:extLst>
+              <a:ext uri="{FF2B5EF4-FFF2-40B4-BE49-F238E27FC236}">
+                <a16:creationId xmlns:a16="http://schemas.microsoft.com/office/drawing/2014/main" id="{A0FB14F1-BB27-4011-B90D-F97828776509}"/>
+              </a:ext>
+            </a:extLst>
+          </p:cNvPr>
+          <p:cNvPicPr>
+            <a:picLocks noChangeAspect="1"/>
+          </p:cNvPicPr>
+          <p:nvPr/>
+        </p:nvPicPr>
+        <p:blipFill>
+          <a:blip r:embed="rId2"/>
+          <a:stretch>
+            <a:fillRect/>
+          </a:stretch>
+        </p:blipFill>
+        <p:spPr>
+          <a:xfrm>
+            <a:off x="-528372" y="800100"/>
+            <a:ext cx="12139179" cy="6613072"/>
+          </a:xfrm>
+          <a:prstGeom prst="rect">
+            <a:avLst/>
+          </a:prstGeom>
+        </p:spPr>
+      </p:pic>
+      <p:pic>
+        <p:nvPicPr>
+          <p:cNvPr id="7" name="Picture 6">
+            <a:extLst>
+              <a:ext uri="{FF2B5EF4-FFF2-40B4-BE49-F238E27FC236}">
+                <a16:creationId xmlns:a16="http://schemas.microsoft.com/office/drawing/2014/main" id="{F8F91391-9844-435F-91D6-80A67FFA20EB}"/>
+              </a:ext>
+            </a:extLst>
+          </p:cNvPr>
+          <p:cNvPicPr>
+            <a:picLocks noChangeAspect="1"/>
+          </p:cNvPicPr>
+          <p:nvPr/>
+        </p:nvPicPr>
+        <p:blipFill>
+          <a:blip r:embed="rId2"/>
+          <a:stretch>
+            <a:fillRect/>
+          </a:stretch>
+        </p:blipFill>
+        <p:spPr>
+          <a:xfrm>
+            <a:off x="0" y="-458991"/>
+            <a:ext cx="7625443" cy="3489527"/>
+          </a:xfrm>
+          <a:prstGeom prst="rect">
+            <a:avLst/>
+          </a:prstGeom>
+        </p:spPr>
+      </p:pic>
       <p:sp>
         <p:nvSpPr>
           <p:cNvPr id="2" name="Title 1">
             <a:extLst>
               <a:ext uri="{FF2B5EF4-FFF2-40B4-BE49-F238E27FC236}">
-                <a16:creationId xmlns:a16="http://schemas.microsoft.com/office/drawing/2014/main" id="{9D5ABCD7-6600-4EC6-AFD4-3944685FFC43}"/>
+                <a16:creationId xmlns:a16="http://schemas.microsoft.com/office/drawing/2014/main" id="{8115CB3F-F892-4D3F-8FB1-B73976B7BA4C}"/>
               </a:ext>
             </a:extLst>
           </p:cNvPr>
@@ -5045,8 +5293,17 @@
           <a:lstStyle/>
           <a:p>
             <a:r>
-              <a:rPr lang="en-US"/>
-              <a:t>COLOUR</a:t>
+              <a:rPr lang="en-US" sz="6000" dirty="0" err="1">
+                <a:solidFill>
+                  <a:srgbClr val="7E327B"/>
+                </a:solidFill>
+                <a:latin typeface="Eras Bold ITC" panose="020B0907030504020204" pitchFamily="34" charset="0"/>
+              </a:rPr>
+              <a:t>Colour</a:t>
+            </a:r>
+            <a:r>
+              <a:rPr lang="en-US" dirty="0"/>
+              <a:t> </a:t>
             </a:r>
           </a:p>
         </p:txBody>
@@ -5056,7 +5313,7 @@
           <p:cNvPr id="3" name="Content Placeholder 2">
             <a:extLst>
               <a:ext uri="{FF2B5EF4-FFF2-40B4-BE49-F238E27FC236}">
-                <a16:creationId xmlns:a16="http://schemas.microsoft.com/office/drawing/2014/main" id="{E67CD55D-7BF1-44F9-9194-91C5D4D0D663}"/>
+                <a16:creationId xmlns:a16="http://schemas.microsoft.com/office/drawing/2014/main" id="{143BFBD5-2C2B-4A1A-A53F-6D1B43FE4FDD}"/>
               </a:ext>
             </a:extLst>
           </p:cNvPr>
@@ -5067,19 +5324,110 @@
             <p:ph idx="1"/>
           </p:nvPr>
         </p:nvSpPr>
-        <p:spPr/>
-        <p:txBody>
-          <a:bodyPr/>
-          <a:lstStyle/>
-          <a:p>
-            <a:endParaRPr lang="en-US"/>
+        <p:spPr>
+          <a:xfrm>
+            <a:off x="581193" y="1962377"/>
+            <a:ext cx="10163008" cy="4800600"/>
+          </a:xfrm>
+        </p:spPr>
+        <p:txBody>
+          <a:bodyPr>
+            <a:normAutofit/>
+          </a:bodyPr>
+          <a:lstStyle/>
+          <a:p>
+            <a:r>
+              <a:rPr lang="en-US" sz="3600" dirty="0">
+                <a:solidFill>
+                  <a:srgbClr val="7E327B"/>
+                </a:solidFill>
+                <a:latin typeface="Eras Bold ITC" panose="020B0907030504020204" pitchFamily="34" charset="0"/>
+              </a:rPr>
+              <a:t>When the scene is touched, it regains </a:t>
+            </a:r>
+            <a:r>
+              <a:rPr lang="en-US" sz="3600" dirty="0" err="1">
+                <a:solidFill>
+                  <a:srgbClr val="7E327B"/>
+                </a:solidFill>
+                <a:latin typeface="Eras Bold ITC" panose="020B0907030504020204" pitchFamily="34" charset="0"/>
+              </a:rPr>
+              <a:t>colour</a:t>
+            </a:r>
+            <a:endParaRPr lang="en-US" sz="3600" dirty="0">
+              <a:solidFill>
+                <a:srgbClr val="7E327B"/>
+              </a:solidFill>
+              <a:latin typeface="Eras Bold ITC" panose="020B0907030504020204" pitchFamily="34" charset="0"/>
+            </a:endParaRPr>
+          </a:p>
+          <a:p>
+            <a:endParaRPr lang="en-US" sz="3600" dirty="0">
+              <a:solidFill>
+                <a:srgbClr val="7E327B"/>
+              </a:solidFill>
+              <a:latin typeface="Eras Bold ITC" panose="020B0907030504020204" pitchFamily="34" charset="0"/>
+            </a:endParaRPr>
+          </a:p>
+          <a:p>
+            <a:r>
+              <a:rPr lang="en-US" sz="3600" dirty="0">
+                <a:solidFill>
+                  <a:srgbClr val="7E327B"/>
+                </a:solidFill>
+                <a:latin typeface="Eras Bold ITC" panose="020B0907030504020204" pitchFamily="34" charset="0"/>
+              </a:rPr>
+              <a:t>Different </a:t>
+            </a:r>
+            <a:r>
+              <a:rPr lang="en-US" sz="3600" dirty="0" err="1">
+                <a:solidFill>
+                  <a:srgbClr val="7E327B"/>
+                </a:solidFill>
+                <a:latin typeface="Eras Bold ITC" panose="020B0907030504020204" pitchFamily="34" charset="0"/>
+              </a:rPr>
+              <a:t>colours</a:t>
+            </a:r>
+            <a:r>
+              <a:rPr lang="en-US" sz="3600" dirty="0">
+                <a:solidFill>
+                  <a:srgbClr val="7E327B"/>
+                </a:solidFill>
+                <a:latin typeface="Eras Bold ITC" panose="020B0907030504020204" pitchFamily="34" charset="0"/>
+              </a:rPr>
+              <a:t> give different feedback</a:t>
+            </a:r>
+          </a:p>
+          <a:p>
+            <a:pPr lvl="1"/>
+            <a:r>
+              <a:rPr lang="en-US" sz="3200" dirty="0">
+                <a:solidFill>
+                  <a:srgbClr val="7E327B"/>
+                </a:solidFill>
+                <a:latin typeface="Eras Bold ITC" panose="020B0907030504020204" pitchFamily="34" charset="0"/>
+              </a:rPr>
+              <a:t>Chaining</a:t>
+            </a:r>
+          </a:p>
+          <a:p>
+            <a:pPr lvl="1"/>
+            <a:r>
+              <a:rPr lang="en-US" sz="3200" dirty="0">
+                <a:solidFill>
+                  <a:srgbClr val="7E327B"/>
+                </a:solidFill>
+                <a:latin typeface="Eras Bold ITC" panose="020B0907030504020204" pitchFamily="34" charset="0"/>
+              </a:rPr>
+              <a:t>Matching</a:t>
+            </a:r>
           </a:p>
         </p:txBody>
       </p:sp>
     </p:spTree>
     <p:extLst>
       <p:ext uri="{BB962C8B-B14F-4D97-AF65-F5344CB8AC3E}">
-        <p14:creationId xmlns:p14="http://schemas.microsoft.com/office/powerpoint/2010/main" val="819490987"/>
+        <p14:creationId xmlns:p14="http://schemas.microsoft.com/office/powerpoint/2010/main" val="867532551"/>
       </p:ext>
     </p:extLst>
   </p:cSld>
@@ -5106,12 +5454,72 @@
           <a:chExt cx="0" cy="0"/>
         </a:xfrm>
       </p:grpSpPr>
+      <p:pic>
+        <p:nvPicPr>
+          <p:cNvPr id="6" name="Picture 5">
+            <a:extLst>
+              <a:ext uri="{FF2B5EF4-FFF2-40B4-BE49-F238E27FC236}">
+                <a16:creationId xmlns:a16="http://schemas.microsoft.com/office/drawing/2014/main" id="{31C387C1-9FE9-495E-9D60-91A0D077851E}"/>
+              </a:ext>
+            </a:extLst>
+          </p:cNvPr>
+          <p:cNvPicPr>
+            <a:picLocks noChangeAspect="1"/>
+          </p:cNvPicPr>
+          <p:nvPr/>
+        </p:nvPicPr>
+        <p:blipFill>
+          <a:blip r:embed="rId2"/>
+          <a:stretch>
+            <a:fillRect/>
+          </a:stretch>
+        </p:blipFill>
+        <p:spPr>
+          <a:xfrm>
+            <a:off x="-528372" y="800100"/>
+            <a:ext cx="12139179" cy="6613072"/>
+          </a:xfrm>
+          <a:prstGeom prst="rect">
+            <a:avLst/>
+          </a:prstGeom>
+        </p:spPr>
+      </p:pic>
+      <p:pic>
+        <p:nvPicPr>
+          <p:cNvPr id="7" name="Picture 6">
+            <a:extLst>
+              <a:ext uri="{FF2B5EF4-FFF2-40B4-BE49-F238E27FC236}">
+                <a16:creationId xmlns:a16="http://schemas.microsoft.com/office/drawing/2014/main" id="{2846F0F3-9845-46EE-BEDB-EA458428DD9F}"/>
+              </a:ext>
+            </a:extLst>
+          </p:cNvPr>
+          <p:cNvPicPr>
+            <a:picLocks noChangeAspect="1"/>
+          </p:cNvPicPr>
+          <p:nvPr/>
+        </p:nvPicPr>
+        <p:blipFill>
+          <a:blip r:embed="rId2"/>
+          <a:stretch>
+            <a:fillRect/>
+          </a:stretch>
+        </p:blipFill>
+        <p:spPr>
+          <a:xfrm>
+            <a:off x="0" y="-458991"/>
+            <a:ext cx="7625443" cy="3489527"/>
+          </a:xfrm>
+          <a:prstGeom prst="rect">
+            <a:avLst/>
+          </a:prstGeom>
+        </p:spPr>
+      </p:pic>
       <p:sp>
         <p:nvSpPr>
           <p:cNvPr id="2" name="Title 1">
             <a:extLst>
               <a:ext uri="{FF2B5EF4-FFF2-40B4-BE49-F238E27FC236}">
-                <a16:creationId xmlns:a16="http://schemas.microsoft.com/office/drawing/2014/main" id="{AE061113-04A6-46AB-A6EE-9C7797C8325B}"/>
+                <a16:creationId xmlns:a16="http://schemas.microsoft.com/office/drawing/2014/main" id="{8115CB3F-F892-4D3F-8FB1-B73976B7BA4C}"/>
               </a:ext>
             </a:extLst>
           </p:cNvPr>
@@ -5124,12 +5532,23 @@
         </p:nvSpPr>
         <p:spPr/>
         <p:txBody>
-          <a:bodyPr/>
-          <a:lstStyle/>
-          <a:p>
-            <a:r>
-              <a:rPr lang="en-US"/>
-              <a:t>REWARD</a:t>
+          <a:bodyPr>
+            <a:normAutofit/>
+          </a:bodyPr>
+          <a:lstStyle/>
+          <a:p>
+            <a:r>
+              <a:rPr lang="en-US" sz="6000" dirty="0">
+                <a:solidFill>
+                  <a:srgbClr val="7E327B"/>
+                </a:solidFill>
+                <a:latin typeface="Eras Bold ITC" panose="020B0907030504020204" pitchFamily="34" charset="0"/>
+              </a:rPr>
+              <a:t>Reward</a:t>
+            </a:r>
+            <a:r>
+              <a:rPr lang="en-US" dirty="0"/>
+              <a:t> </a:t>
             </a:r>
           </a:p>
         </p:txBody>
@@ -5139,7 +5558,7 @@
           <p:cNvPr id="3" name="Content Placeholder 2">
             <a:extLst>
               <a:ext uri="{FF2B5EF4-FFF2-40B4-BE49-F238E27FC236}">
-                <a16:creationId xmlns:a16="http://schemas.microsoft.com/office/drawing/2014/main" id="{DFFC3222-27EA-4FCA-8E8A-F988F630E414}"/>
+                <a16:creationId xmlns:a16="http://schemas.microsoft.com/office/drawing/2014/main" id="{143BFBD5-2C2B-4A1A-A53F-6D1B43FE4FDD}"/>
               </a:ext>
             </a:extLst>
           </p:cNvPr>
@@ -5150,19 +5569,89 @@
             <p:ph idx="1"/>
           </p:nvPr>
         </p:nvSpPr>
-        <p:spPr/>
-        <p:txBody>
-          <a:bodyPr/>
-          <a:lstStyle/>
-          <a:p>
-            <a:endParaRPr lang="en-US"/>
+        <p:spPr>
+          <a:xfrm>
+            <a:off x="581193" y="1962377"/>
+            <a:ext cx="10515600" cy="4800600"/>
+          </a:xfrm>
+        </p:spPr>
+        <p:txBody>
+          <a:bodyPr>
+            <a:normAutofit/>
+          </a:bodyPr>
+          <a:lstStyle/>
+          <a:p>
+            <a:r>
+              <a:rPr lang="en-US" sz="3600" dirty="0">
+                <a:solidFill>
+                  <a:srgbClr val="7E327B"/>
+                </a:solidFill>
+                <a:latin typeface="Eras Bold ITC" panose="020B0907030504020204" pitchFamily="34" charset="0"/>
+              </a:rPr>
+              <a:t>Different actions are rewarded</a:t>
+            </a:r>
+          </a:p>
+          <a:p>
+            <a:pPr lvl="1"/>
+            <a:endParaRPr lang="en-US" sz="3200" dirty="0">
+              <a:solidFill>
+                <a:srgbClr val="7E327B"/>
+              </a:solidFill>
+              <a:latin typeface="Eras Bold ITC" panose="020B0907030504020204" pitchFamily="34" charset="0"/>
+            </a:endParaRPr>
+          </a:p>
+          <a:p>
+            <a:pPr lvl="1"/>
+            <a:r>
+              <a:rPr lang="en-US" sz="3200" dirty="0" err="1">
+                <a:solidFill>
+                  <a:srgbClr val="7E327B"/>
+                </a:solidFill>
+                <a:latin typeface="Eras Bold ITC" panose="020B0907030504020204" pitchFamily="34" charset="0"/>
+              </a:rPr>
+              <a:t>Colouring</a:t>
+            </a:r>
+            <a:r>
+              <a:rPr lang="en-US" sz="3200" dirty="0">
+                <a:solidFill>
+                  <a:srgbClr val="7E327B"/>
+                </a:solidFill>
+                <a:latin typeface="Eras Bold ITC" panose="020B0907030504020204" pitchFamily="34" charset="0"/>
+              </a:rPr>
+              <a:t> Environment</a:t>
+            </a:r>
+          </a:p>
+          <a:p>
+            <a:pPr lvl="1"/>
+            <a:r>
+              <a:rPr lang="en-US" sz="3200" dirty="0">
+                <a:solidFill>
+                  <a:srgbClr val="7E327B"/>
+                </a:solidFill>
+                <a:latin typeface="Eras Bold ITC" panose="020B0907030504020204" pitchFamily="34" charset="0"/>
+              </a:rPr>
+              <a:t>Interacting with the character</a:t>
+            </a:r>
+          </a:p>
+          <a:p>
+            <a:pPr lvl="1"/>
+            <a:r>
+              <a:rPr lang="en-US" sz="3200" dirty="0">
+                <a:solidFill>
+                  <a:srgbClr val="7E327B"/>
+                </a:solidFill>
+                <a:latin typeface="Eras Bold ITC" panose="020B0907030504020204" pitchFamily="34" charset="0"/>
+              </a:rPr>
+              <a:t>Discovering objects in the scene to interact with</a:t>
+            </a:r>
+            <a:endParaRPr lang="en-US" sz="3600" dirty="0"/>
           </a:p>
         </p:txBody>
       </p:sp>
     </p:spTree>
     <p:extLst>
       <p:ext uri="{BB962C8B-B14F-4D97-AF65-F5344CB8AC3E}">
-        <p14:creationId xmlns:p14="http://schemas.microsoft.com/office/powerpoint/2010/main" val="2552234489"/>
+        <p14:creationId xmlns:p14="http://schemas.microsoft.com/office/powerpoint/2010/main" val="3304062792"/>
       </p:ext>
     </p:extLst>
   </p:cSld>
@@ -5189,12 +5678,72 @@
           <a:chExt cx="0" cy="0"/>
         </a:xfrm>
       </p:grpSpPr>
+      <p:pic>
+        <p:nvPicPr>
+          <p:cNvPr id="8" name="Picture 7">
+            <a:extLst>
+              <a:ext uri="{FF2B5EF4-FFF2-40B4-BE49-F238E27FC236}">
+                <a16:creationId xmlns:a16="http://schemas.microsoft.com/office/drawing/2014/main" id="{55D83E1D-25F3-4A47-84C9-99E74D94A327}"/>
+              </a:ext>
+            </a:extLst>
+          </p:cNvPr>
+          <p:cNvPicPr>
+            <a:picLocks noChangeAspect="1"/>
+          </p:cNvPicPr>
+          <p:nvPr/>
+        </p:nvPicPr>
+        <p:blipFill>
+          <a:blip r:embed="rId2"/>
+          <a:stretch>
+            <a:fillRect/>
+          </a:stretch>
+        </p:blipFill>
+        <p:spPr>
+          <a:xfrm>
+            <a:off x="-528372" y="800100"/>
+            <a:ext cx="12139179" cy="6613072"/>
+          </a:xfrm>
+          <a:prstGeom prst="rect">
+            <a:avLst/>
+          </a:prstGeom>
+        </p:spPr>
+      </p:pic>
+      <p:pic>
+        <p:nvPicPr>
+          <p:cNvPr id="9" name="Picture 8">
+            <a:extLst>
+              <a:ext uri="{FF2B5EF4-FFF2-40B4-BE49-F238E27FC236}">
+                <a16:creationId xmlns:a16="http://schemas.microsoft.com/office/drawing/2014/main" id="{47891DD2-4970-42D4-9971-FC8322C09B44}"/>
+              </a:ext>
+            </a:extLst>
+          </p:cNvPr>
+          <p:cNvPicPr>
+            <a:picLocks noChangeAspect="1"/>
+          </p:cNvPicPr>
+          <p:nvPr/>
+        </p:nvPicPr>
+        <p:blipFill>
+          <a:blip r:embed="rId2"/>
+          <a:stretch>
+            <a:fillRect/>
+          </a:stretch>
+        </p:blipFill>
+        <p:spPr>
+          <a:xfrm>
+            <a:off x="0" y="-458991"/>
+            <a:ext cx="7625443" cy="3489527"/>
+          </a:xfrm>
+          <a:prstGeom prst="rect">
+            <a:avLst/>
+          </a:prstGeom>
+        </p:spPr>
+      </p:pic>
       <p:sp>
         <p:nvSpPr>
           <p:cNvPr id="2" name="Title 1">
             <a:extLst>
               <a:ext uri="{FF2B5EF4-FFF2-40B4-BE49-F238E27FC236}">
-                <a16:creationId xmlns:a16="http://schemas.microsoft.com/office/drawing/2014/main" id="{853982C6-F97B-4370-96E0-310EE3F2ACB4}"/>
+                <a16:creationId xmlns:a16="http://schemas.microsoft.com/office/drawing/2014/main" id="{8115CB3F-F892-4D3F-8FB1-B73976B7BA4C}"/>
               </a:ext>
             </a:extLst>
           </p:cNvPr>
@@ -5207,20 +5756,131 @@
         </p:nvSpPr>
         <p:spPr/>
         <p:txBody>
-          <a:bodyPr/>
-          <a:lstStyle/>
-          <a:p>
-            <a:r>
-              <a:rPr lang="en-US"/>
-              <a:t>Prototype </a:t>
-            </a:r>
+          <a:bodyPr>
+            <a:normAutofit/>
+          </a:bodyPr>
+          <a:lstStyle/>
+          <a:p>
+            <a:r>
+              <a:rPr lang="en-US" sz="6000" dirty="0">
+                <a:solidFill>
+                  <a:srgbClr val="7E327B"/>
+                </a:solidFill>
+                <a:latin typeface="Eras Bold ITC" panose="020B0907030504020204" pitchFamily="34" charset="0"/>
+              </a:rPr>
+              <a:t>Player Experience</a:t>
+            </a:r>
+            <a:r>
+              <a:rPr lang="en-US" dirty="0"/>
+              <a:t> </a:t>
+            </a:r>
+          </a:p>
+        </p:txBody>
+      </p:sp>
+      <p:sp>
+        <p:nvSpPr>
+          <p:cNvPr id="3" name="Content Placeholder 2">
+            <a:extLst>
+              <a:ext uri="{FF2B5EF4-FFF2-40B4-BE49-F238E27FC236}">
+                <a16:creationId xmlns:a16="http://schemas.microsoft.com/office/drawing/2014/main" id="{143BFBD5-2C2B-4A1A-A53F-6D1B43FE4FDD}"/>
+              </a:ext>
+            </a:extLst>
+          </p:cNvPr>
+          <p:cNvSpPr>
+            <a:spLocks noGrp="1"/>
+          </p:cNvSpPr>
+          <p:nvPr>
+            <p:ph idx="1"/>
+          </p:nvPr>
+        </p:nvSpPr>
+        <p:spPr>
+          <a:xfrm>
+            <a:off x="581193" y="1962377"/>
+            <a:ext cx="10515600" cy="4800600"/>
+          </a:xfrm>
+        </p:spPr>
+        <p:txBody>
+          <a:bodyPr>
+            <a:normAutofit/>
+          </a:bodyPr>
+          <a:lstStyle/>
+          <a:p>
+            <a:r>
+              <a:rPr lang="en-US" sz="3600" dirty="0">
+                <a:solidFill>
+                  <a:srgbClr val="7E327B"/>
+                </a:solidFill>
+                <a:latin typeface="Eras Bold ITC" panose="020B0907030504020204" pitchFamily="34" charset="0"/>
+              </a:rPr>
+              <a:t>Actions need to be easy</a:t>
+            </a:r>
+          </a:p>
+          <a:p>
+            <a:pPr lvl="1"/>
+            <a:r>
+              <a:rPr lang="en-US" sz="3200" dirty="0">
+                <a:solidFill>
+                  <a:srgbClr val="7E327B"/>
+                </a:solidFill>
+                <a:latin typeface="Eras Bold ITC" panose="020B0907030504020204" pitchFamily="34" charset="0"/>
+              </a:rPr>
+              <a:t>Single input</a:t>
+            </a:r>
+          </a:p>
+          <a:p>
+            <a:pPr lvl="1"/>
+            <a:endParaRPr lang="en-US" sz="3600" dirty="0">
+              <a:solidFill>
+                <a:srgbClr val="7E327B"/>
+              </a:solidFill>
+              <a:latin typeface="Eras Bold ITC" panose="020B0907030504020204" pitchFamily="34" charset="0"/>
+            </a:endParaRPr>
+          </a:p>
+          <a:p>
+            <a:r>
+              <a:rPr lang="en-US" sz="3600" dirty="0">
+                <a:solidFill>
+                  <a:srgbClr val="7E327B"/>
+                </a:solidFill>
+                <a:latin typeface="Eras Bold ITC" panose="020B0907030504020204" pitchFamily="34" charset="0"/>
+              </a:rPr>
+              <a:t>Challenge by providing systems to manage</a:t>
+            </a:r>
+          </a:p>
+          <a:p>
+            <a:endParaRPr lang="en-US" sz="3600" dirty="0">
+              <a:solidFill>
+                <a:srgbClr val="7E327B"/>
+              </a:solidFill>
+              <a:latin typeface="Eras Bold ITC" panose="020B0907030504020204" pitchFamily="34" charset="0"/>
+            </a:endParaRPr>
+          </a:p>
+          <a:p>
+            <a:r>
+              <a:rPr lang="en-US" sz="3600" dirty="0">
+                <a:solidFill>
+                  <a:srgbClr val="7E327B"/>
+                </a:solidFill>
+                <a:latin typeface="Eras Bold ITC" panose="020B0907030504020204" pitchFamily="34" charset="0"/>
+              </a:rPr>
+              <a:t>Enjoying the feeling of creation and bringing something to life</a:t>
+            </a:r>
+          </a:p>
+          <a:p>
+            <a:pPr lvl="1"/>
+            <a:endParaRPr lang="en-US" sz="3200" dirty="0">
+              <a:solidFill>
+                <a:srgbClr val="7E327B"/>
+              </a:solidFill>
+              <a:latin typeface="Eras Bold ITC" panose="020B0907030504020204" pitchFamily="34" charset="0"/>
+            </a:endParaRPr>
           </a:p>
         </p:txBody>
       </p:sp>
     </p:spTree>
     <p:extLst>
       <p:ext uri="{BB962C8B-B14F-4D97-AF65-F5344CB8AC3E}">
-        <p14:creationId xmlns:p14="http://schemas.microsoft.com/office/powerpoint/2010/main" val="2930386281"/>
+        <p14:creationId xmlns:p14="http://schemas.microsoft.com/office/powerpoint/2010/main" val="217003335"/>
       </p:ext>
     </p:extLst>
   </p:cSld>
@@ -5231,9 +5891,9 @@
 </file>
 
 <file path=ppt/theme/theme1.xml><?xml version="1.0" encoding="utf-8"?>
-<a:theme xmlns:a="http://schemas.openxmlformats.org/drawingml/2006/main" name="Dividend">
+<a:theme xmlns:a="http://schemas.openxmlformats.org/drawingml/2006/main" name="Office Theme">
   <a:themeElements>
-    <a:clrScheme name="Dividend">
+    <a:clrScheme name="Office">
       <a:dk1>
         <a:sysClr val="windowText" lastClr="000000"/>
       </a:dk1>
@@ -5241,48 +5901,98 @@
         <a:sysClr val="window" lastClr="FFFFFF"/>
       </a:lt1>
       <a:dk2>
-        <a:srgbClr val="3D3D3D"/>
+        <a:srgbClr val="44546A"/>
       </a:dk2>
       <a:lt2>
-        <a:srgbClr val="EBEBEB"/>
+        <a:srgbClr val="E7E6E6"/>
       </a:lt2>
       <a:accent1>
-        <a:srgbClr val="4D1434"/>
+        <a:srgbClr val="4472C4"/>
       </a:accent1>
       <a:accent2>
-        <a:srgbClr val="903163"/>
+        <a:srgbClr val="ED7D31"/>
       </a:accent2>
       <a:accent3>
-        <a:srgbClr val="B2324B"/>
+        <a:srgbClr val="A5A5A5"/>
       </a:accent3>
       <a:accent4>
-        <a:srgbClr val="969FA7"/>
+        <a:srgbClr val="FFC000"/>
       </a:accent4>
       <a:accent5>
-        <a:srgbClr val="66B1CE"/>
+        <a:srgbClr val="5B9BD5"/>
       </a:accent5>
       <a:accent6>
-        <a:srgbClr val="40619D"/>
+        <a:srgbClr val="70AD47"/>
       </a:accent6>
       <a:hlink>
-        <a:srgbClr val="828282"/>
+        <a:srgbClr val="0563C1"/>
       </a:hlink>
       <a:folHlink>
-        <a:srgbClr val="A5A5A5"/>
+        <a:srgbClr val="954F72"/>
       </a:folHlink>
     </a:clrScheme>
-    <a:fontScheme name="Dividend">
+    <a:fontScheme name="Office">
       <a:majorFont>
-        <a:latin typeface="Gill Sans MT" panose="020B0502020104020203"/>
+        <a:latin typeface="Calibri Light" panose="020F0302020204030204"/>
         <a:ea typeface=""/>
         <a:cs typeface=""/>
-        <a:font script="Grek" typeface="Corbel"/>
-        <a:font script="Cyrl" typeface="Corbel"/>
-        <a:font script="Jpan" typeface="HGｺﾞｼｯｸE"/>
-        <a:font script="Hang" typeface="휴먼매직체"/>
-        <a:font script="Hans" typeface="华文中宋"/>
-        <a:font script="Hant" typeface="微軟正黑體"/>
-        <a:font script="Arab" typeface="Majalla UI"/>
+        <a:font script="Jpan" typeface="游ゴシック Light"/>
+        <a:font script="Hang" typeface="맑은 고딕"/>
+        <a:font script="Hans" typeface="等线 Light"/>
+        <a:font script="Hant" typeface="新細明體"/>
+        <a:font script="Arab" typeface="Times New Roman"/>
+        <a:font script="Hebr" typeface="Times New Roman"/>
+        <a:font script="Thai" typeface="Angsana New"/>
+        <a:font script="Ethi" typeface="Nyala"/>
+        <a:font script="Beng" typeface="Vrinda"/>
+        <a:font script="Gujr" typeface="Shruti"/>
+        <a:font script="Khmr" typeface="MoolBoran"/>
+        <a:font script="Knda" typeface="Tunga"/>
+        <a:font script="Guru" typeface="Raavi"/>
+        <a:font script="Cans" typeface="Euphemia"/>
+        <a:font script="Cher" typeface="Plantagenet Cherokee"/>
+        <a:font script="Yiii" typeface="Microsoft Yi Baiti"/>
+        <a:font script="Tibt" typeface="Microsoft Himalaya"/>
+        <a:font script="Thaa" typeface="MV Boli"/>
+        <a:font script="Deva" typeface="Mangal"/>
+        <a:font script="Telu" typeface="Gautami"/>
+        <a:font script="Taml" typeface="Latha"/>
+        <a:font script="Syrc" typeface="Estrangelo Edessa"/>
+        <a:font script="Orya" typeface="Kalinga"/>
+        <a:font script="Mlym" typeface="Kartika"/>
+        <a:font script="Laoo" typeface="DokChampa"/>
+        <a:font script="Sinh" typeface="Iskoola Pota"/>
+        <a:font script="Mong" typeface="Mongolian Baiti"/>
+        <a:font script="Viet" typeface="Times New Roman"/>
+        <a:font script="Uigh" typeface="Microsoft Uighur"/>
+        <a:font script="Geor" typeface="Sylfaen"/>
+        <a:font script="Armn" typeface="Arial"/>
+        <a:font script="Bugi" typeface="Leelawadee UI"/>
+        <a:font script="Bopo" typeface="Microsoft JhengHei"/>
+        <a:font script="Java" typeface="Javanese Text"/>
+        <a:font script="Lisu" typeface="Segoe UI"/>
+        <a:font script="Mymr" typeface="Myanmar Text"/>
+        <a:font script="Nkoo" typeface="Ebrima"/>
+        <a:font script="Olck" typeface="Nirmala UI"/>
+        <a:font script="Osma" typeface="Ebrima"/>
+        <a:font script="Phag" typeface="Phagspa"/>
+        <a:font script="Syrn" typeface="Estrangelo Edessa"/>
+        <a:font script="Syrj" typeface="Estrangelo Edessa"/>
+        <a:font script="Syre" typeface="Estrangelo Edessa"/>
+        <a:font script="Sora" typeface="Nirmala UI"/>
+        <a:font script="Tale" typeface="Microsoft Tai Le"/>
+        <a:font script="Talu" typeface="Microsoft New Tai Lue"/>
+        <a:font script="Tfng" typeface="Ebrima"/>
+      </a:majorFont>
+      <a:minorFont>
+        <a:latin typeface="Calibri" panose="020F0502020204030204"/>
+        <a:ea typeface=""/>
+        <a:cs typeface=""/>
+        <a:font script="Jpan" typeface="游ゴシック"/>
+        <a:font script="Hang" typeface="맑은 고딕"/>
+        <a:font script="Hans" typeface="等线"/>
+        <a:font script="Hant" typeface="新細明體"/>
+        <a:font script="Arab" typeface="Arial"/>
         <a:font script="Hebr" typeface="Arial"/>
         <a:font script="Thai" typeface="Cordia New"/>
         <a:font script="Ethi" typeface="Nyala"/>
@@ -5305,49 +6015,29 @@
         <a:font script="Laoo" typeface="DokChampa"/>
         <a:font script="Sinh" typeface="Iskoola Pota"/>
         <a:font script="Mong" typeface="Mongolian Baiti"/>
-        <a:font script="Viet" typeface="Tahoma"/>
+        <a:font script="Viet" typeface="Arial"/>
         <a:font script="Uigh" typeface="Microsoft Uighur"/>
         <a:font script="Geor" typeface="Sylfaen"/>
-      </a:majorFont>
-      <a:minorFont>
-        <a:latin typeface="Gill Sans MT" panose="020B0502020104020203"/>
-        <a:ea typeface=""/>
-        <a:cs typeface=""/>
-        <a:font script="Grek" typeface="Corbel"/>
-        <a:font script="Cyrl" typeface="Corbel"/>
-        <a:font script="Jpan" typeface="HGｺﾞｼｯｸE"/>
-        <a:font script="Hang" typeface="휴먼매직체"/>
-        <a:font script="Hans" typeface="华文中宋"/>
-        <a:font script="Hant" typeface="微軟正黑體"/>
-        <a:font script="Arab" typeface="Majalla UI"/>
-        <a:font script="Hebr" typeface="Arial"/>
-        <a:font script="Thai" typeface="Cordia New"/>
-        <a:font script="Ethi" typeface="Nyala"/>
-        <a:font script="Beng" typeface="Vrinda"/>
-        <a:font script="Gujr" typeface="Shruti"/>
-        <a:font script="Khmr" typeface="DaunPenh"/>
-        <a:font script="Knda" typeface="Tunga"/>
-        <a:font script="Guru" typeface="Raavi"/>
-        <a:font script="Cans" typeface="Euphemia"/>
-        <a:font script="Cher" typeface="Plantagenet Cherokee"/>
-        <a:font script="Yiii" typeface="Microsoft Yi Baiti"/>
-        <a:font script="Tibt" typeface="Microsoft Himalaya"/>
-        <a:font script="Thaa" typeface="MV Boli"/>
-        <a:font script="Deva" typeface="Mangal"/>
-        <a:font script="Telu" typeface="Gautami"/>
-        <a:font script="Taml" typeface="Latha"/>
-        <a:font script="Syrc" typeface="Estrangelo Edessa"/>
-        <a:font script="Orya" typeface="Kalinga"/>
-        <a:font script="Mlym" typeface="Kartika"/>
-        <a:font script="Laoo" typeface="DokChampa"/>
-        <a:font script="Sinh" typeface="Iskoola Pota"/>
-        <a:font script="Mong" typeface="Mongolian Baiti"/>
-        <a:font script="Viet" typeface="Tahoma"/>
-        <a:font script="Uigh" typeface="Microsoft Uighur"/>
-        <a:font script="Geor" typeface="Sylfaen"/>
+        <a:font script="Armn" typeface="Arial"/>
+        <a:font script="Bugi" typeface="Leelawadee UI"/>
+        <a:font script="Bopo" typeface="Microsoft JhengHei"/>
+        <a:font script="Java" typeface="Javanese Text"/>
+        <a:font script="Lisu" typeface="Segoe UI"/>
+        <a:font script="Mymr" typeface="Myanmar Text"/>
+        <a:font script="Nkoo" typeface="Ebrima"/>
+        <a:font script="Olck" typeface="Nirmala UI"/>
+        <a:font script="Osma" typeface="Ebrima"/>
+        <a:font script="Phag" typeface="Phagspa"/>
+        <a:font script="Syrn" typeface="Estrangelo Edessa"/>
+        <a:font script="Syrj" typeface="Estrangelo Edessa"/>
+        <a:font script="Syre" typeface="Estrangelo Edessa"/>
+        <a:font script="Sora" typeface="Nirmala UI"/>
+        <a:font script="Tale" typeface="Microsoft Tai Le"/>
+        <a:font script="Talu" typeface="Microsoft New Tai Lue"/>
+        <a:font script="Tfng" typeface="Ebrima"/>
       </a:minorFont>
     </a:fontScheme>
-    <a:fmtScheme name="Dividend">
+    <a:fmtScheme name="Office">
       <a:fillStyleLst>
         <a:solidFill>
           <a:schemeClr val="phClr"/>
@@ -5356,111 +6046,23 @@
           <a:gsLst>
             <a:gs pos="0">
               <a:schemeClr val="phClr">
-                <a:tint val="68000"/>
-                <a:alpha val="90000"/>
-                <a:lumMod val="100000"/>
+                <a:lumMod val="110000"/>
+                <a:satMod val="105000"/>
+                <a:tint val="67000"/>
+              </a:schemeClr>
+            </a:gs>
+            <a:gs pos="50000">
+              <a:schemeClr val="phClr">
+                <a:lumMod val="105000"/>
+                <a:satMod val="103000"/>
+                <a:tint val="73000"/>
               </a:schemeClr>
             </a:gs>
             <a:gs pos="100000">
               <a:schemeClr val="phClr">
-                <a:tint val="90000"/>
-                <a:lumMod val="95000"/>
-              </a:schemeClr>
-            </a:gs>
-          </a:gsLst>
-          <a:lin ang="5400000" scaled="1"/>
-        </a:gradFill>
-        <a:gradFill rotWithShape="1">
-          <a:gsLst>
-            <a:gs pos="0">
-              <a:schemeClr val="phClr">
-                <a:tint val="98000"/>
-                <a:lumMod val="110000"/>
-              </a:schemeClr>
-            </a:gs>
-            <a:gs pos="84000">
-              <a:schemeClr val="phClr">
-                <a:shade val="90000"/>
-                <a:lumMod val="88000"/>
-              </a:schemeClr>
-            </a:gs>
-          </a:gsLst>
-          <a:lin ang="5400000" scaled="0"/>
-        </a:gradFill>
-      </a:fillStyleLst>
-      <a:lnStyleLst>
-        <a:ln w="12700" cap="rnd" cmpd="sng" algn="ctr">
-          <a:solidFill>
-            <a:schemeClr val="phClr">
-              <a:lumMod val="90000"/>
-            </a:schemeClr>
-          </a:solidFill>
-          <a:prstDash val="solid"/>
-        </a:ln>
-        <a:ln w="22225" cap="rnd" cmpd="sng" algn="ctr">
-          <a:solidFill>
-            <a:schemeClr val="phClr"/>
-          </a:solidFill>
-          <a:prstDash val="solid"/>
-        </a:ln>
-        <a:ln w="25400" cap="rnd" cmpd="sng" algn="ctr">
-          <a:solidFill>
-            <a:schemeClr val="phClr"/>
-          </a:solidFill>
-          <a:prstDash val="solid"/>
-        </a:ln>
-      </a:lnStyleLst>
-      <a:effectStyleLst>
-        <a:effectStyle>
-          <a:effectLst/>
-        </a:effectStyle>
-        <a:effectStyle>
-          <a:effectLst>
-            <a:outerShdw blurRad="38100" dist="25400" dir="5400000" rotWithShape="0">
-              <a:srgbClr val="000000">
-                <a:alpha val="55000"/>
-              </a:srgbClr>
-            </a:outerShdw>
-          </a:effectLst>
-        </a:effectStyle>
-        <a:effectStyle>
-          <a:effectLst>
-            <a:outerShdw blurRad="88900" dist="38100" dir="5040000" rotWithShape="0">
-              <a:srgbClr val="000000">
-                <a:alpha val="60000"/>
-              </a:srgbClr>
-            </a:outerShdw>
-          </a:effectLst>
-          <a:scene3d>
-            <a:camera prst="orthographicFront">
-              <a:rot lat="0" lon="0" rev="0"/>
-            </a:camera>
-            <a:lightRig rig="threePt" dir="tl">
-              <a:rot lat="0" lon="0" rev="1200000"/>
-            </a:lightRig>
-          </a:scene3d>
-          <a:sp3d>
-            <a:bevelT w="38100" h="50800"/>
-          </a:sp3d>
-        </a:effectStyle>
-      </a:effectStyleLst>
-      <a:bgFillStyleLst>
-        <a:solidFill>
-          <a:schemeClr val="phClr"/>
-        </a:solidFill>
-        <a:gradFill rotWithShape="1">
-          <a:gsLst>
-            <a:gs pos="0">
-              <a:schemeClr val="phClr">
-                <a:tint val="90000"/>
-                <a:lumMod val="110000"/>
-              </a:schemeClr>
-            </a:gs>
-            <a:gs pos="88000">
-              <a:schemeClr val="phClr">
-                <a:shade val="94000"/>
-                <a:satMod val="110000"/>
-                <a:lumMod val="88000"/>
+                <a:lumMod val="105000"/>
+                <a:satMod val="109000"/>
+                <a:tint val="81000"/>
               </a:schemeClr>
             </a:gs>
           </a:gsLst>
@@ -5470,21 +6072,105 @@
           <a:gsLst>
             <a:gs pos="0">
               <a:schemeClr val="phClr">
-                <a:tint val="90000"/>
-                <a:lumMod val="110000"/>
+                <a:satMod val="103000"/>
+                <a:lumMod val="102000"/>
+                <a:tint val="94000"/>
+              </a:schemeClr>
+            </a:gs>
+            <a:gs pos="50000">
+              <a:schemeClr val="phClr">
+                <a:satMod val="110000"/>
+                <a:lumMod val="100000"/>
+                <a:shade val="100000"/>
               </a:schemeClr>
             </a:gs>
             <a:gs pos="100000">
               <a:schemeClr val="phClr">
-                <a:shade val="98000"/>
-                <a:satMod val="110000"/>
-                <a:lumMod val="86000"/>
+                <a:lumMod val="99000"/>
+                <a:satMod val="120000"/>
+                <a:shade val="78000"/>
               </a:schemeClr>
             </a:gs>
           </a:gsLst>
-          <a:path path="circle">
-            <a:fillToRect l="50000" t="50000" r="100000" b="100000"/>
-          </a:path>
+          <a:lin ang="5400000" scaled="0"/>
+        </a:gradFill>
+      </a:fillStyleLst>
+      <a:lnStyleLst>
+        <a:ln w="6350" cap="flat" cmpd="sng" algn="ctr">
+          <a:solidFill>
+            <a:schemeClr val="phClr"/>
+          </a:solidFill>
+          <a:prstDash val="solid"/>
+          <a:miter lim="800000"/>
+        </a:ln>
+        <a:ln w="12700" cap="flat" cmpd="sng" algn="ctr">
+          <a:solidFill>
+            <a:schemeClr val="phClr"/>
+          </a:solidFill>
+          <a:prstDash val="solid"/>
+          <a:miter lim="800000"/>
+        </a:ln>
+        <a:ln w="19050" cap="flat" cmpd="sng" algn="ctr">
+          <a:solidFill>
+            <a:schemeClr val="phClr"/>
+          </a:solidFill>
+          <a:prstDash val="solid"/>
+          <a:miter lim="800000"/>
+        </a:ln>
+      </a:lnStyleLst>
+      <a:effectStyleLst>
+        <a:effectStyle>
+          <a:effectLst/>
+        </a:effectStyle>
+        <a:effectStyle>
+          <a:effectLst/>
+        </a:effectStyle>
+        <a:effectStyle>
+          <a:effectLst>
+            <a:outerShdw blurRad="57150" dist="19050" dir="5400000" algn="ctr" rotWithShape="0">
+              <a:srgbClr val="000000">
+                <a:alpha val="63000"/>
+              </a:srgbClr>
+            </a:outerShdw>
+          </a:effectLst>
+        </a:effectStyle>
+      </a:effectStyleLst>
+      <a:bgFillStyleLst>
+        <a:solidFill>
+          <a:schemeClr val="phClr"/>
+        </a:solidFill>
+        <a:solidFill>
+          <a:schemeClr val="phClr">
+            <a:tint val="95000"/>
+            <a:satMod val="170000"/>
+          </a:schemeClr>
+        </a:solidFill>
+        <a:gradFill rotWithShape="1">
+          <a:gsLst>
+            <a:gs pos="0">
+              <a:schemeClr val="phClr">
+                <a:tint val="93000"/>
+                <a:satMod val="150000"/>
+                <a:shade val="98000"/>
+                <a:lumMod val="102000"/>
+              </a:schemeClr>
+            </a:gs>
+            <a:gs pos="50000">
+              <a:schemeClr val="phClr">
+                <a:tint val="98000"/>
+                <a:satMod val="130000"/>
+                <a:shade val="90000"/>
+                <a:lumMod val="103000"/>
+              </a:schemeClr>
+            </a:gs>
+            <a:gs pos="100000">
+              <a:schemeClr val="phClr">
+                <a:shade val="63000"/>
+                <a:satMod val="120000"/>
+              </a:schemeClr>
+            </a:gs>
+          </a:gsLst>
+          <a:lin ang="5400000" scaled="0"/>
         </a:gradFill>
       </a:bgFillStyleLst>
     </a:fmtScheme>
@@ -5493,7 +6179,7 @@
   <a:extraClrSchemeLst/>
   <a:extLst>
     <a:ext uri="{05A4C25C-085E-4340-85A3-A5531E510DB2}">
-      <thm15:themeFamily xmlns:thm15="http://schemas.microsoft.com/office/thememl/2012/main" name="Dividend" id="{9697A71B-4AB7-4A1A-BD5B-BB2D22835B57}" vid="{C21699FF-00E4-43C8-BBCC-D7E5536C3717}"/>
+      <thm15:themeFamily xmlns:thm15="http://schemas.microsoft.com/office/thememl/2012/main" name="Office Theme" id="{62F939B6-93AF-4DB8-9C6B-D6C7DFDC589F}" vid="{4A3C46E8-61CC-4603-A589-7422A47A8E4A}"/>
     </a:ext>
   </a:extLst>
 </a:theme>
